--- a/images/ch2_2Btest.pptx
+++ b/images/ch2_2Btest.pptx
@@ -3065,58 +3065,117 @@
       </p:grpSpPr>
       <p:grpSp>
         <p:nvGrpSpPr>
-          <p:cNvPr id="36" name="组合 35"/>
+          <p:cNvPr id="52" name="组合 51"/>
           <p:cNvGrpSpPr/>
           <p:nvPr/>
         </p:nvGrpSpPr>
         <p:grpSpPr>
-          <a:xfrm rot="5400000">
-            <a:off x="1293813" y="3054985"/>
-            <a:ext cx="1093470" cy="1014730"/>
-            <a:chOff x="3530" y="4127"/>
-            <a:chExt cx="2246" cy="2038"/>
+          <a:xfrm>
+            <a:off x="2976880" y="2641600"/>
+            <a:ext cx="1521460" cy="1568450"/>
+            <a:chOff x="5470" y="4398"/>
+            <a:chExt cx="2396" cy="2470"/>
           </a:xfrm>
         </p:grpSpPr>
+        <p:sp>
+          <p:nvSpPr>
+            <p:cNvPr id="206" name="圆角矩形 205"/>
+            <p:cNvSpPr/>
+            <p:nvPr/>
+          </p:nvSpPr>
+          <p:spPr>
+            <a:xfrm>
+              <a:off x="5470" y="4398"/>
+              <a:ext cx="2397" cy="2470"/>
+            </a:xfrm>
+            <a:prstGeom prst="roundRect">
+              <a:avLst>
+                <a:gd name="adj" fmla="val 8093"/>
+              </a:avLst>
+            </a:prstGeom>
+            <a:solidFill>
+              <a:schemeClr val="bg1">
+                <a:lumMod val="95000"/>
+              </a:schemeClr>
+            </a:solidFill>
+            <a:ln>
+              <a:noFill/>
+            </a:ln>
+          </p:spPr>
+          <p:style>
+            <a:lnRef idx="2">
+              <a:schemeClr val="accent1">
+                <a:shade val="50000"/>
+              </a:schemeClr>
+            </a:lnRef>
+            <a:fillRef idx="1">
+              <a:schemeClr val="accent1"/>
+            </a:fillRef>
+            <a:effectRef idx="0">
+              <a:schemeClr val="accent1"/>
+            </a:effectRef>
+            <a:fontRef idx="minor">
+              <a:schemeClr val="lt1"/>
+            </a:fontRef>
+          </p:style>
+          <p:txBody>
+            <a:bodyPr rtlCol="0" anchor="ctr"/>
+            <a:p>
+              <a:pPr algn="ctr"/>
+              <a:endParaRPr lang="zh-CN" altLang="en-US"/>
+            </a:p>
+          </p:txBody>
+        </p:sp>
         <p:grpSp>
           <p:nvGrpSpPr>
-            <p:cNvPr id="15" name="组合 14"/>
+            <p:cNvPr id="204" name="组合 203"/>
             <p:cNvGrpSpPr/>
             <p:nvPr/>
           </p:nvGrpSpPr>
           <p:grpSpPr>
-            <a:xfrm>
-              <a:off x="4159" y="4127"/>
-              <a:ext cx="989" cy="360"/>
-              <a:chOff x="4041" y="4127"/>
-              <a:chExt cx="989" cy="360"/>
+            <a:xfrm rot="0">
+              <a:off x="5627" y="5008"/>
+              <a:ext cx="2083" cy="1726"/>
+              <a:chOff x="5699" y="5013"/>
+              <a:chExt cx="2083" cy="1726"/>
             </a:xfrm>
           </p:grpSpPr>
           <p:sp>
             <p:nvSpPr>
-              <p:cNvPr id="4" name="椭圆 3"/>
+              <p:cNvPr id="70" name="椭圆 69"/>
               <p:cNvSpPr/>
               <p:nvPr/>
             </p:nvSpPr>
             <p:spPr>
               <a:xfrm>
-                <a:off x="4041" y="4127"/>
-                <a:ext cx="360" cy="360"/>
+                <a:off x="6498" y="5013"/>
+                <a:ext cx="315" cy="315"/>
               </a:xfrm>
               <a:prstGeom prst="ellipse">
                 <a:avLst/>
               </a:prstGeom>
+              <a:solidFill>
+                <a:schemeClr val="bg1">
+                  <a:lumMod val="75000"/>
+                </a:schemeClr>
+              </a:solidFill>
+              <a:ln>
+                <a:solidFill>
+                  <a:schemeClr val="tx1"/>
+                </a:solidFill>
+              </a:ln>
             </p:spPr>
             <p:style>
               <a:lnRef idx="2">
-                <a:schemeClr val="accent3">
+                <a:schemeClr val="accent1">
                   <a:shade val="50000"/>
                 </a:schemeClr>
               </a:lnRef>
               <a:fillRef idx="1">
-                <a:schemeClr val="accent3"/>
+                <a:schemeClr val="accent1"/>
               </a:fillRef>
               <a:effectRef idx="0">
-                <a:schemeClr val="accent3"/>
+                <a:schemeClr val="accent1"/>
               </a:effectRef>
               <a:fontRef idx="minor">
                 <a:schemeClr val="lt1"/>
@@ -3132,84 +3191,40 @@
           </p:sp>
           <p:sp>
             <p:nvSpPr>
-              <p:cNvPr id="5" name="椭圆 4"/>
+              <p:cNvPr id="71" name="椭圆 70"/>
               <p:cNvSpPr/>
               <p:nvPr/>
             </p:nvSpPr>
             <p:spPr>
               <a:xfrm>
-                <a:off x="4670" y="4127"/>
-                <a:ext cx="360" cy="360"/>
+                <a:off x="6001" y="5428"/>
+                <a:ext cx="315" cy="315"/>
               </a:xfrm>
               <a:prstGeom prst="ellipse">
                 <a:avLst/>
               </a:prstGeom>
+              <a:solidFill>
+                <a:schemeClr val="bg1">
+                  <a:lumMod val="75000"/>
+                </a:schemeClr>
+              </a:solidFill>
+              <a:ln>
+                <a:solidFill>
+                  <a:schemeClr val="tx1"/>
+                </a:solidFill>
+              </a:ln>
             </p:spPr>
             <p:style>
               <a:lnRef idx="2">
-                <a:schemeClr val="accent3">
+                <a:schemeClr val="accent1">
                   <a:shade val="50000"/>
                 </a:schemeClr>
               </a:lnRef>
               <a:fillRef idx="1">
-                <a:schemeClr val="accent3"/>
+                <a:schemeClr val="accent1"/>
               </a:fillRef>
               <a:effectRef idx="0">
-                <a:schemeClr val="accent3"/>
-              </a:effectRef>
-              <a:fontRef idx="minor">
-                <a:schemeClr val="lt1"/>
-              </a:fontRef>
-            </p:style>
-            <p:txBody>
-              <a:bodyPr rtlCol="0" anchor="ctr"/>
-              <a:p>
-                <a:pPr algn="ctr"/>
-                <a:endParaRPr lang="zh-CN" altLang="en-US"/>
-              </a:p>
-            </p:txBody>
-          </p:sp>
-        </p:grpSp>
-        <p:grpSp>
-          <p:nvGrpSpPr>
-            <p:cNvPr id="14" name="组合 13"/>
-            <p:cNvGrpSpPr/>
-            <p:nvPr/>
-          </p:nvGrpSpPr>
-          <p:grpSpPr>
-            <a:xfrm>
-              <a:off x="3530" y="4966"/>
-              <a:ext cx="2247" cy="360"/>
-              <a:chOff x="3412" y="5025"/>
-              <a:chExt cx="2247" cy="360"/>
-            </a:xfrm>
-          </p:grpSpPr>
-          <p:sp>
-            <p:nvSpPr>
-              <p:cNvPr id="6" name="椭圆 5"/>
-              <p:cNvSpPr/>
-              <p:nvPr/>
-            </p:nvSpPr>
-            <p:spPr>
-              <a:xfrm>
-                <a:off x="3412" y="5025"/>
-                <a:ext cx="360" cy="360"/>
-              </a:xfrm>
-              <a:prstGeom prst="ellipse">
-                <a:avLst/>
-              </a:prstGeom>
-            </p:spPr>
-            <p:style>
-              <a:lnRef idx="2">
-                <a:schemeClr val="accent4">
-                  <a:shade val="50000"/>
-                </a:schemeClr>
-              </a:lnRef>
-              <a:fillRef idx="1">
-                <a:schemeClr val="accent4"/>
-              </a:fillRef>
-              <a:effectRef idx="0">
-                <a:schemeClr val="accent4"/>
+                <a:schemeClr val="accent1"/>
               </a:effectRef>
               <a:fontRef idx="minor">
                 <a:schemeClr val="lt1"/>
@@ -3225,30 +3240,40 @@
           </p:sp>
           <p:sp>
             <p:nvSpPr>
-              <p:cNvPr id="7" name="椭圆 6"/>
+              <p:cNvPr id="72" name="椭圆 71"/>
               <p:cNvSpPr/>
               <p:nvPr/>
             </p:nvSpPr>
             <p:spPr>
               <a:xfrm>
-                <a:off x="4041" y="5025"/>
-                <a:ext cx="360" cy="360"/>
+                <a:off x="6962" y="5428"/>
+                <a:ext cx="315" cy="315"/>
               </a:xfrm>
               <a:prstGeom prst="ellipse">
                 <a:avLst/>
               </a:prstGeom>
+              <a:solidFill>
+                <a:schemeClr val="bg1">
+                  <a:lumMod val="75000"/>
+                </a:schemeClr>
+              </a:solidFill>
+              <a:ln>
+                <a:solidFill>
+                  <a:schemeClr val="tx1"/>
+                </a:solidFill>
+              </a:ln>
             </p:spPr>
             <p:style>
               <a:lnRef idx="2">
-                <a:schemeClr val="accent4">
+                <a:schemeClr val="accent1">
                   <a:shade val="50000"/>
                 </a:schemeClr>
               </a:lnRef>
               <a:fillRef idx="1">
-                <a:schemeClr val="accent4"/>
+                <a:schemeClr val="accent1"/>
               </a:fillRef>
               <a:effectRef idx="0">
-                <a:schemeClr val="accent4"/>
+                <a:schemeClr val="accent1"/>
               </a:effectRef>
               <a:fontRef idx="minor">
                 <a:schemeClr val="lt1"/>
@@ -3264,30 +3289,40 @@
           </p:sp>
           <p:sp>
             <p:nvSpPr>
-              <p:cNvPr id="8" name="椭圆 7"/>
+              <p:cNvPr id="77" name="椭圆 76"/>
               <p:cNvSpPr/>
               <p:nvPr/>
             </p:nvSpPr>
             <p:spPr>
               <a:xfrm>
-                <a:off x="4670" y="5025"/>
-                <a:ext cx="360" cy="360"/>
+                <a:off x="6104" y="5905"/>
+                <a:ext cx="315" cy="315"/>
               </a:xfrm>
               <a:prstGeom prst="ellipse">
                 <a:avLst/>
               </a:prstGeom>
+              <a:solidFill>
+                <a:schemeClr val="bg1">
+                  <a:lumMod val="75000"/>
+                </a:schemeClr>
+              </a:solidFill>
+              <a:ln>
+                <a:solidFill>
+                  <a:schemeClr val="tx1"/>
+                </a:solidFill>
+              </a:ln>
             </p:spPr>
             <p:style>
               <a:lnRef idx="2">
-                <a:schemeClr val="accent4">
+                <a:schemeClr val="accent1">
                   <a:shade val="50000"/>
                 </a:schemeClr>
               </a:lnRef>
               <a:fillRef idx="1">
-                <a:schemeClr val="accent4"/>
+                <a:schemeClr val="accent1"/>
               </a:fillRef>
               <a:effectRef idx="0">
-                <a:schemeClr val="accent4"/>
+                <a:schemeClr val="accent1"/>
               </a:effectRef>
               <a:fontRef idx="minor">
                 <a:schemeClr val="lt1"/>
@@ -3303,72 +3338,28 @@
           </p:sp>
           <p:sp>
             <p:nvSpPr>
-              <p:cNvPr id="9" name="椭圆 8"/>
+              <p:cNvPr id="78" name="椭圆 77"/>
               <p:cNvSpPr/>
               <p:nvPr/>
             </p:nvSpPr>
             <p:spPr>
               <a:xfrm>
-                <a:off x="5299" y="5025"/>
-                <a:ext cx="360" cy="360"/>
+                <a:off x="7250" y="5905"/>
+                <a:ext cx="315" cy="315"/>
               </a:xfrm>
               <a:prstGeom prst="ellipse">
                 <a:avLst/>
               </a:prstGeom>
-            </p:spPr>
-            <p:style>
-              <a:lnRef idx="2">
-                <a:schemeClr val="accent4">
-                  <a:shade val="50000"/>
+              <a:solidFill>
+                <a:schemeClr val="bg1">
+                  <a:lumMod val="75000"/>
                 </a:schemeClr>
-              </a:lnRef>
-              <a:fillRef idx="1">
-                <a:schemeClr val="accent4"/>
-              </a:fillRef>
-              <a:effectRef idx="0">
-                <a:schemeClr val="accent4"/>
-              </a:effectRef>
-              <a:fontRef idx="minor">
-                <a:schemeClr val="lt1"/>
-              </a:fontRef>
-            </p:style>
-            <p:txBody>
-              <a:bodyPr rtlCol="0" anchor="ctr"/>
-              <a:p>
-                <a:pPr algn="ctr"/>
-                <a:endParaRPr lang="zh-CN" altLang="en-US"/>
-              </a:p>
-            </p:txBody>
-          </p:sp>
-        </p:grpSp>
-        <p:grpSp>
-          <p:nvGrpSpPr>
-            <p:cNvPr id="13" name="组合 12"/>
-            <p:cNvGrpSpPr/>
-            <p:nvPr/>
-          </p:nvGrpSpPr>
-          <p:grpSpPr>
-            <a:xfrm>
-              <a:off x="3866" y="5805"/>
-              <a:ext cx="1574" cy="360"/>
-              <a:chOff x="3623" y="5760"/>
-              <a:chExt cx="1574" cy="360"/>
-            </a:xfrm>
-          </p:grpSpPr>
-          <p:sp>
-            <p:nvSpPr>
-              <p:cNvPr id="10" name="椭圆 9"/>
-              <p:cNvSpPr/>
-              <p:nvPr/>
-            </p:nvSpPr>
-            <p:spPr>
-              <a:xfrm>
-                <a:off x="3623" y="5760"/>
-                <a:ext cx="360" cy="360"/>
-              </a:xfrm>
-              <a:prstGeom prst="ellipse">
-                <a:avLst/>
-              </a:prstGeom>
+              </a:solidFill>
+              <a:ln>
+                <a:solidFill>
+                  <a:schemeClr val="tx1"/>
+                </a:solidFill>
+              </a:ln>
             </p:spPr>
             <p:style>
               <a:lnRef idx="2">
@@ -3396,18 +3387,26 @@
           </p:sp>
           <p:sp>
             <p:nvSpPr>
-              <p:cNvPr id="11" name="椭圆 10"/>
+              <p:cNvPr id="80" name="矩形 79"/>
               <p:cNvSpPr/>
               <p:nvPr/>
             </p:nvSpPr>
             <p:spPr>
               <a:xfrm>
-                <a:off x="4230" y="5760"/>
-                <a:ext cx="360" cy="360"/>
+                <a:off x="5699" y="5926"/>
+                <a:ext cx="293" cy="293"/>
               </a:xfrm>
-              <a:prstGeom prst="ellipse">
+              <a:prstGeom prst="rect">
                 <a:avLst/>
               </a:prstGeom>
+              <a:solidFill>
+                <a:srgbClr val="FFC000"/>
+              </a:solidFill>
+              <a:ln>
+                <a:solidFill>
+                  <a:schemeClr val="tx1"/>
+                </a:solidFill>
+              </a:ln>
             </p:spPr>
             <p:style>
               <a:lnRef idx="2">
@@ -3435,18 +3434,26 @@
           </p:sp>
           <p:sp>
             <p:nvSpPr>
-              <p:cNvPr id="12" name="椭圆 11"/>
+              <p:cNvPr id="81" name="矩形 80"/>
               <p:cNvSpPr/>
               <p:nvPr/>
             </p:nvSpPr>
             <p:spPr>
               <a:xfrm>
-                <a:off x="4837" y="5760"/>
-                <a:ext cx="360" cy="360"/>
+                <a:off x="6845" y="5926"/>
+                <a:ext cx="293" cy="293"/>
               </a:xfrm>
-              <a:prstGeom prst="ellipse">
+              <a:prstGeom prst="rect">
                 <a:avLst/>
               </a:prstGeom>
+              <a:solidFill>
+                <a:srgbClr val="FFC000"/>
+              </a:solidFill>
+              <a:ln>
+                <a:solidFill>
+                  <a:schemeClr val="tx1"/>
+                </a:solidFill>
+              </a:ln>
             </p:spPr>
             <p:style>
               <a:lnRef idx="2">
@@ -3472,939 +3479,719 @@
               </a:p>
             </p:txBody>
           </p:sp>
+          <p:sp>
+            <p:nvSpPr>
+              <p:cNvPr id="82" name="矩形 81"/>
+              <p:cNvSpPr/>
+              <p:nvPr/>
+            </p:nvSpPr>
+            <p:spPr>
+              <a:xfrm>
+                <a:off x="5899" y="6447"/>
+                <a:ext cx="293" cy="293"/>
+              </a:xfrm>
+              <a:prstGeom prst="rect">
+                <a:avLst/>
+              </a:prstGeom>
+              <a:solidFill>
+                <a:srgbClr val="FFC000"/>
+              </a:solidFill>
+              <a:ln>
+                <a:solidFill>
+                  <a:schemeClr val="tx1"/>
+                </a:solidFill>
+              </a:ln>
+            </p:spPr>
+            <p:style>
+              <a:lnRef idx="2">
+                <a:schemeClr val="accent1">
+                  <a:shade val="50000"/>
+                </a:schemeClr>
+              </a:lnRef>
+              <a:fillRef idx="1">
+                <a:schemeClr val="accent1"/>
+              </a:fillRef>
+              <a:effectRef idx="0">
+                <a:schemeClr val="accent1"/>
+              </a:effectRef>
+              <a:fontRef idx="minor">
+                <a:schemeClr val="lt1"/>
+              </a:fontRef>
+            </p:style>
+            <p:txBody>
+              <a:bodyPr rtlCol="0" anchor="ctr"/>
+              <a:p>
+                <a:pPr algn="ctr"/>
+                <a:endParaRPr lang="zh-CN" altLang="en-US"/>
+              </a:p>
+            </p:txBody>
+          </p:sp>
+          <p:sp>
+            <p:nvSpPr>
+              <p:cNvPr id="83" name="矩形 82"/>
+              <p:cNvSpPr/>
+              <p:nvPr/>
+            </p:nvSpPr>
+            <p:spPr>
+              <a:xfrm>
+                <a:off x="6316" y="6447"/>
+                <a:ext cx="293" cy="293"/>
+              </a:xfrm>
+              <a:prstGeom prst="rect">
+                <a:avLst/>
+              </a:prstGeom>
+              <a:solidFill>
+                <a:srgbClr val="FFC000"/>
+              </a:solidFill>
+              <a:ln>
+                <a:solidFill>
+                  <a:schemeClr val="tx1"/>
+                </a:solidFill>
+              </a:ln>
+            </p:spPr>
+            <p:style>
+              <a:lnRef idx="2">
+                <a:schemeClr val="accent1">
+                  <a:shade val="50000"/>
+                </a:schemeClr>
+              </a:lnRef>
+              <a:fillRef idx="1">
+                <a:schemeClr val="accent1"/>
+              </a:fillRef>
+              <a:effectRef idx="0">
+                <a:schemeClr val="accent1"/>
+              </a:effectRef>
+              <a:fontRef idx="minor">
+                <a:schemeClr val="lt1"/>
+              </a:fontRef>
+            </p:style>
+            <p:txBody>
+              <a:bodyPr rtlCol="0" anchor="ctr"/>
+              <a:p>
+                <a:pPr algn="ctr"/>
+                <a:endParaRPr lang="zh-CN" altLang="en-US"/>
+              </a:p>
+            </p:txBody>
+          </p:sp>
+          <p:sp>
+            <p:nvSpPr>
+              <p:cNvPr id="84" name="矩形 83"/>
+              <p:cNvSpPr/>
+              <p:nvPr/>
+            </p:nvSpPr>
+            <p:spPr>
+              <a:xfrm>
+                <a:off x="7064" y="6447"/>
+                <a:ext cx="293" cy="293"/>
+              </a:xfrm>
+              <a:prstGeom prst="rect">
+                <a:avLst/>
+              </a:prstGeom>
+              <a:solidFill>
+                <a:srgbClr val="FFC000"/>
+              </a:solidFill>
+              <a:ln>
+                <a:solidFill>
+                  <a:schemeClr val="tx1"/>
+                </a:solidFill>
+              </a:ln>
+            </p:spPr>
+            <p:style>
+              <a:lnRef idx="2">
+                <a:schemeClr val="accent1">
+                  <a:shade val="50000"/>
+                </a:schemeClr>
+              </a:lnRef>
+              <a:fillRef idx="1">
+                <a:schemeClr val="accent1"/>
+              </a:fillRef>
+              <a:effectRef idx="0">
+                <a:schemeClr val="accent1"/>
+              </a:effectRef>
+              <a:fontRef idx="minor">
+                <a:schemeClr val="lt1"/>
+              </a:fontRef>
+            </p:style>
+            <p:txBody>
+              <a:bodyPr rtlCol="0" anchor="ctr"/>
+              <a:p>
+                <a:pPr algn="ctr"/>
+                <a:endParaRPr lang="zh-CN" altLang="en-US"/>
+              </a:p>
+            </p:txBody>
+          </p:sp>
+          <p:sp>
+            <p:nvSpPr>
+              <p:cNvPr id="85" name="矩形 84"/>
+              <p:cNvSpPr/>
+              <p:nvPr/>
+            </p:nvSpPr>
+            <p:spPr>
+              <a:xfrm>
+                <a:off x="7490" y="6447"/>
+                <a:ext cx="293" cy="293"/>
+              </a:xfrm>
+              <a:prstGeom prst="rect">
+                <a:avLst/>
+              </a:prstGeom>
+              <a:solidFill>
+                <a:srgbClr val="FFC000"/>
+              </a:solidFill>
+              <a:ln>
+                <a:solidFill>
+                  <a:schemeClr val="tx1"/>
+                </a:solidFill>
+              </a:ln>
+            </p:spPr>
+            <p:style>
+              <a:lnRef idx="2">
+                <a:schemeClr val="accent1">
+                  <a:shade val="50000"/>
+                </a:schemeClr>
+              </a:lnRef>
+              <a:fillRef idx="1">
+                <a:schemeClr val="accent1"/>
+              </a:fillRef>
+              <a:effectRef idx="0">
+                <a:schemeClr val="accent1"/>
+              </a:effectRef>
+              <a:fontRef idx="minor">
+                <a:schemeClr val="lt1"/>
+              </a:fontRef>
+            </p:style>
+            <p:txBody>
+              <a:bodyPr rtlCol="0" anchor="ctr"/>
+              <a:p>
+                <a:pPr algn="ctr"/>
+                <a:endParaRPr lang="zh-CN" altLang="en-US"/>
+              </a:p>
+            </p:txBody>
+          </p:sp>
+          <p:cxnSp>
+            <p:nvCxnSpPr>
+              <p:cNvPr id="86" name="直接箭头连接符 85"/>
+              <p:cNvCxnSpPr>
+                <a:stCxn id="70" idx="4"/>
+                <a:endCxn id="71" idx="0"/>
+              </p:cNvCxnSpPr>
+              <p:nvPr/>
+            </p:nvCxnSpPr>
+            <p:spPr>
+              <a:xfrm flipH="1">
+                <a:off x="6159" y="5328"/>
+                <a:ext cx="496" cy="100"/>
+              </a:xfrm>
+              <a:prstGeom prst="straightConnector1">
+                <a:avLst/>
+              </a:prstGeom>
+              <a:solidFill>
+                <a:srgbClr val="00B0F0"/>
+              </a:solidFill>
+              <a:ln>
+                <a:solidFill>
+                  <a:schemeClr val="tx1"/>
+                </a:solidFill>
+                <a:headEnd type="none"/>
+                <a:tailEnd type="triangle" w="med" len="med"/>
+              </a:ln>
+            </p:spPr>
+            <p:style>
+              <a:lnRef idx="1">
+                <a:schemeClr val="accent1"/>
+              </a:lnRef>
+              <a:fillRef idx="0">
+                <a:schemeClr val="accent1"/>
+              </a:fillRef>
+              <a:effectRef idx="0">
+                <a:schemeClr val="accent1"/>
+              </a:effectRef>
+              <a:fontRef idx="minor">
+                <a:schemeClr val="tx1"/>
+              </a:fontRef>
+            </p:style>
+          </p:cxnSp>
+          <p:cxnSp>
+            <p:nvCxnSpPr>
+              <p:cNvPr id="87" name="直接箭头连接符 86"/>
+              <p:cNvCxnSpPr>
+                <a:stCxn id="70" idx="4"/>
+                <a:endCxn id="72" idx="0"/>
+              </p:cNvCxnSpPr>
+              <p:nvPr/>
+            </p:nvCxnSpPr>
+            <p:spPr>
+              <a:xfrm>
+                <a:off x="6655" y="5328"/>
+                <a:ext cx="464" cy="100"/>
+              </a:xfrm>
+              <a:prstGeom prst="straightConnector1">
+                <a:avLst/>
+              </a:prstGeom>
+              <a:solidFill>
+                <a:srgbClr val="00B0F0"/>
+              </a:solidFill>
+              <a:ln>
+                <a:solidFill>
+                  <a:schemeClr val="tx1"/>
+                </a:solidFill>
+                <a:headEnd type="none"/>
+                <a:tailEnd type="triangle" w="med" len="med"/>
+              </a:ln>
+            </p:spPr>
+            <p:style>
+              <a:lnRef idx="1">
+                <a:schemeClr val="accent1"/>
+              </a:lnRef>
+              <a:fillRef idx="0">
+                <a:schemeClr val="accent1"/>
+              </a:fillRef>
+              <a:effectRef idx="0">
+                <a:schemeClr val="accent1"/>
+              </a:effectRef>
+              <a:fontRef idx="minor">
+                <a:schemeClr val="tx1"/>
+              </a:fontRef>
+            </p:style>
+          </p:cxnSp>
+          <p:cxnSp>
+            <p:nvCxnSpPr>
+              <p:cNvPr id="88" name="直接箭头连接符 87"/>
+              <p:cNvCxnSpPr>
+                <a:stCxn id="71" idx="4"/>
+                <a:endCxn id="80" idx="0"/>
+              </p:cNvCxnSpPr>
+              <p:nvPr/>
+            </p:nvCxnSpPr>
+            <p:spPr>
+              <a:xfrm flipH="1">
+                <a:off x="5846" y="5742"/>
+                <a:ext cx="313" cy="184"/>
+              </a:xfrm>
+              <a:prstGeom prst="straightConnector1">
+                <a:avLst/>
+              </a:prstGeom>
+              <a:solidFill>
+                <a:schemeClr val="accent3">
+                  <a:lumMod val="75000"/>
+                </a:schemeClr>
+              </a:solidFill>
+              <a:ln>
+                <a:solidFill>
+                  <a:schemeClr val="tx1"/>
+                </a:solidFill>
+                <a:headEnd type="none"/>
+                <a:tailEnd type="triangle" w="med" len="med"/>
+              </a:ln>
+            </p:spPr>
+            <p:style>
+              <a:lnRef idx="1">
+                <a:schemeClr val="accent1"/>
+              </a:lnRef>
+              <a:fillRef idx="0">
+                <a:schemeClr val="accent1"/>
+              </a:fillRef>
+              <a:effectRef idx="0">
+                <a:schemeClr val="accent1"/>
+              </a:effectRef>
+              <a:fontRef idx="minor">
+                <a:schemeClr val="tx1"/>
+              </a:fontRef>
+            </p:style>
+          </p:cxnSp>
+          <p:cxnSp>
+            <p:nvCxnSpPr>
+              <p:cNvPr id="89" name="直接箭头连接符 88"/>
+              <p:cNvCxnSpPr>
+                <a:stCxn id="71" idx="4"/>
+                <a:endCxn id="77" idx="0"/>
+              </p:cNvCxnSpPr>
+              <p:nvPr/>
+            </p:nvCxnSpPr>
+            <p:spPr>
+              <a:xfrm>
+                <a:off x="6159" y="5742"/>
+                <a:ext cx="103" cy="162"/>
+              </a:xfrm>
+              <a:prstGeom prst="straightConnector1">
+                <a:avLst/>
+              </a:prstGeom>
+              <a:solidFill>
+                <a:srgbClr val="00B0F0"/>
+              </a:solidFill>
+              <a:ln>
+                <a:solidFill>
+                  <a:schemeClr val="tx1"/>
+                </a:solidFill>
+                <a:headEnd type="none"/>
+                <a:tailEnd type="triangle" w="med" len="med"/>
+              </a:ln>
+            </p:spPr>
+            <p:style>
+              <a:lnRef idx="1">
+                <a:schemeClr val="accent1"/>
+              </a:lnRef>
+              <a:fillRef idx="0">
+                <a:schemeClr val="accent1"/>
+              </a:fillRef>
+              <a:effectRef idx="0">
+                <a:schemeClr val="accent1"/>
+              </a:effectRef>
+              <a:fontRef idx="minor">
+                <a:schemeClr val="tx1"/>
+              </a:fontRef>
+            </p:style>
+          </p:cxnSp>
+          <p:cxnSp>
+            <p:nvCxnSpPr>
+              <p:cNvPr id="90" name="直接箭头连接符 89"/>
+              <p:cNvCxnSpPr>
+                <a:stCxn id="72" idx="4"/>
+                <a:endCxn id="81" idx="0"/>
+              </p:cNvCxnSpPr>
+              <p:nvPr/>
+            </p:nvCxnSpPr>
+            <p:spPr>
+              <a:xfrm flipH="1">
+                <a:off x="6992" y="5742"/>
+                <a:ext cx="127" cy="184"/>
+              </a:xfrm>
+              <a:prstGeom prst="straightConnector1">
+                <a:avLst/>
+              </a:prstGeom>
+              <a:solidFill>
+                <a:srgbClr val="00B0F0"/>
+              </a:solidFill>
+              <a:ln>
+                <a:solidFill>
+                  <a:schemeClr val="tx1"/>
+                </a:solidFill>
+                <a:headEnd type="none"/>
+                <a:tailEnd type="triangle" w="med" len="med"/>
+              </a:ln>
+            </p:spPr>
+            <p:style>
+              <a:lnRef idx="1">
+                <a:schemeClr val="accent1"/>
+              </a:lnRef>
+              <a:fillRef idx="0">
+                <a:schemeClr val="accent1"/>
+              </a:fillRef>
+              <a:effectRef idx="0">
+                <a:schemeClr val="accent1"/>
+              </a:effectRef>
+              <a:fontRef idx="minor">
+                <a:schemeClr val="tx1"/>
+              </a:fontRef>
+            </p:style>
+          </p:cxnSp>
+          <p:cxnSp>
+            <p:nvCxnSpPr>
+              <p:cNvPr id="91" name="直接箭头连接符 90"/>
+              <p:cNvCxnSpPr>
+                <a:stCxn id="72" idx="4"/>
+                <a:endCxn id="78" idx="0"/>
+              </p:cNvCxnSpPr>
+              <p:nvPr/>
+            </p:nvCxnSpPr>
+            <p:spPr>
+              <a:xfrm>
+                <a:off x="7119" y="5742"/>
+                <a:ext cx="288" cy="162"/>
+              </a:xfrm>
+              <a:prstGeom prst="straightConnector1">
+                <a:avLst/>
+              </a:prstGeom>
+              <a:solidFill>
+                <a:srgbClr val="00B0F0"/>
+              </a:solidFill>
+              <a:ln>
+                <a:solidFill>
+                  <a:schemeClr val="tx1"/>
+                </a:solidFill>
+                <a:headEnd type="none"/>
+                <a:tailEnd type="triangle" w="med" len="med"/>
+              </a:ln>
+            </p:spPr>
+            <p:style>
+              <a:lnRef idx="1">
+                <a:schemeClr val="accent1"/>
+              </a:lnRef>
+              <a:fillRef idx="0">
+                <a:schemeClr val="accent1"/>
+              </a:fillRef>
+              <a:effectRef idx="0">
+                <a:schemeClr val="accent1"/>
+              </a:effectRef>
+              <a:fontRef idx="minor">
+                <a:schemeClr val="tx1"/>
+              </a:fontRef>
+            </p:style>
+          </p:cxnSp>
+          <p:cxnSp>
+            <p:nvCxnSpPr>
+              <p:cNvPr id="92" name="直接箭头连接符 91"/>
+              <p:cNvCxnSpPr>
+                <a:stCxn id="77" idx="4"/>
+                <a:endCxn id="82" idx="0"/>
+              </p:cNvCxnSpPr>
+              <p:nvPr/>
+            </p:nvCxnSpPr>
+            <p:spPr>
+              <a:xfrm flipH="1">
+                <a:off x="6046" y="6219"/>
+                <a:ext cx="216" cy="227"/>
+              </a:xfrm>
+              <a:prstGeom prst="straightConnector1">
+                <a:avLst/>
+              </a:prstGeom>
+              <a:solidFill>
+                <a:schemeClr val="bg1">
+                  <a:lumMod val="75000"/>
+                </a:schemeClr>
+              </a:solidFill>
+              <a:ln>
+                <a:solidFill>
+                  <a:schemeClr val="tx1"/>
+                </a:solidFill>
+                <a:headEnd type="none"/>
+                <a:tailEnd type="triangle" w="med" len="med"/>
+              </a:ln>
+            </p:spPr>
+            <p:style>
+              <a:lnRef idx="1">
+                <a:schemeClr val="accent1"/>
+              </a:lnRef>
+              <a:fillRef idx="0">
+                <a:schemeClr val="accent1"/>
+              </a:fillRef>
+              <a:effectRef idx="0">
+                <a:schemeClr val="accent1"/>
+              </a:effectRef>
+              <a:fontRef idx="minor">
+                <a:schemeClr val="tx1"/>
+              </a:fontRef>
+            </p:style>
+          </p:cxnSp>
+          <p:cxnSp>
+            <p:nvCxnSpPr>
+              <p:cNvPr id="93" name="直接箭头连接符 92"/>
+              <p:cNvCxnSpPr>
+                <a:stCxn id="77" idx="4"/>
+                <a:endCxn id="83" idx="0"/>
+              </p:cNvCxnSpPr>
+              <p:nvPr/>
+            </p:nvCxnSpPr>
+            <p:spPr>
+              <a:xfrm>
+                <a:off x="6262" y="6219"/>
+                <a:ext cx="201" cy="227"/>
+              </a:xfrm>
+              <a:prstGeom prst="straightConnector1">
+                <a:avLst/>
+              </a:prstGeom>
+              <a:solidFill>
+                <a:schemeClr val="bg1">
+                  <a:lumMod val="75000"/>
+                </a:schemeClr>
+              </a:solidFill>
+              <a:ln>
+                <a:solidFill>
+                  <a:schemeClr val="tx1"/>
+                </a:solidFill>
+                <a:headEnd type="none"/>
+                <a:tailEnd type="triangle" w="med" len="med"/>
+              </a:ln>
+            </p:spPr>
+            <p:style>
+              <a:lnRef idx="1">
+                <a:schemeClr val="accent1"/>
+              </a:lnRef>
+              <a:fillRef idx="0">
+                <a:schemeClr val="accent1"/>
+              </a:fillRef>
+              <a:effectRef idx="0">
+                <a:schemeClr val="accent1"/>
+              </a:effectRef>
+              <a:fontRef idx="minor">
+                <a:schemeClr val="tx1"/>
+              </a:fontRef>
+            </p:style>
+          </p:cxnSp>
+          <p:cxnSp>
+            <p:nvCxnSpPr>
+              <p:cNvPr id="94" name="直接箭头连接符 93"/>
+              <p:cNvCxnSpPr>
+                <a:stCxn id="78" idx="4"/>
+                <a:endCxn id="84" idx="0"/>
+              </p:cNvCxnSpPr>
+              <p:nvPr/>
+            </p:nvCxnSpPr>
+            <p:spPr>
+              <a:xfrm flipH="1">
+                <a:off x="7211" y="6219"/>
+                <a:ext cx="196" cy="227"/>
+              </a:xfrm>
+              <a:prstGeom prst="straightConnector1">
+                <a:avLst/>
+              </a:prstGeom>
+              <a:solidFill>
+                <a:schemeClr val="bg1">
+                  <a:lumMod val="75000"/>
+                </a:schemeClr>
+              </a:solidFill>
+              <a:ln>
+                <a:solidFill>
+                  <a:schemeClr val="tx1"/>
+                </a:solidFill>
+                <a:headEnd type="none"/>
+                <a:tailEnd type="triangle" w="med" len="med"/>
+              </a:ln>
+            </p:spPr>
+            <p:style>
+              <a:lnRef idx="1">
+                <a:schemeClr val="accent1"/>
+              </a:lnRef>
+              <a:fillRef idx="0">
+                <a:schemeClr val="accent1"/>
+              </a:fillRef>
+              <a:effectRef idx="0">
+                <a:schemeClr val="accent1"/>
+              </a:effectRef>
+              <a:fontRef idx="minor">
+                <a:schemeClr val="tx1"/>
+              </a:fontRef>
+            </p:style>
+          </p:cxnSp>
+          <p:cxnSp>
+            <p:nvCxnSpPr>
+              <p:cNvPr id="95" name="直接箭头连接符 94"/>
+              <p:cNvCxnSpPr>
+                <a:stCxn id="78" idx="4"/>
+                <a:endCxn id="85" idx="0"/>
+              </p:cNvCxnSpPr>
+              <p:nvPr/>
+            </p:nvCxnSpPr>
+            <p:spPr>
+              <a:xfrm>
+                <a:off x="7407" y="6219"/>
+                <a:ext cx="229" cy="227"/>
+              </a:xfrm>
+              <a:prstGeom prst="straightConnector1">
+                <a:avLst/>
+              </a:prstGeom>
+              <a:solidFill>
+                <a:schemeClr val="bg1">
+                  <a:lumMod val="75000"/>
+                </a:schemeClr>
+              </a:solidFill>
+              <a:ln>
+                <a:solidFill>
+                  <a:schemeClr val="tx1"/>
+                </a:solidFill>
+                <a:headEnd type="none"/>
+                <a:tailEnd type="triangle" w="med" len="med"/>
+              </a:ln>
+            </p:spPr>
+            <p:style>
+              <a:lnRef idx="1">
+                <a:schemeClr val="accent1"/>
+              </a:lnRef>
+              <a:fillRef idx="0">
+                <a:schemeClr val="accent1"/>
+              </a:fillRef>
+              <a:effectRef idx="0">
+                <a:schemeClr val="accent1"/>
+              </a:effectRef>
+              <a:fontRef idx="minor">
+                <a:schemeClr val="tx1"/>
+              </a:fontRef>
+            </p:style>
+          </p:cxnSp>
         </p:grpSp>
-        <p:cxnSp>
-          <p:nvCxnSpPr>
-            <p:cNvPr id="16" name="直接连接符 15"/>
-            <p:cNvCxnSpPr>
-              <a:stCxn id="10" idx="0"/>
-              <a:endCxn id="7" idx="4"/>
-            </p:cNvCxnSpPr>
+        <p:sp>
+          <p:nvSpPr>
+            <p:cNvPr id="148" name="文本框 147"/>
+            <p:cNvSpPr txBox="1"/>
             <p:nvPr/>
-          </p:nvCxnSpPr>
+          </p:nvSpPr>
           <p:spPr>
-            <a:xfrm flipV="1">
-              <a:off x="4046" y="5326"/>
-              <a:ext cx="293" cy="479"/>
+            <a:xfrm>
+              <a:off x="5684" y="4398"/>
+              <a:ext cx="1968" cy="483"/>
             </a:xfrm>
-            <a:prstGeom prst="line">
+            <a:prstGeom prst="rect">
               <a:avLst/>
             </a:prstGeom>
-            <a:ln>
-              <a:solidFill>
-                <a:schemeClr val="bg1">
-                  <a:lumMod val="50000"/>
-                </a:schemeClr>
-              </a:solidFill>
-            </a:ln>
+            <a:noFill/>
           </p:spPr>
-          <p:style>
-            <a:lnRef idx="1">
-              <a:schemeClr val="accent1"/>
-            </a:lnRef>
-            <a:fillRef idx="0">
-              <a:schemeClr val="accent1"/>
-            </a:fillRef>
-            <a:effectRef idx="0">
-              <a:schemeClr val="accent1"/>
-            </a:effectRef>
-            <a:fontRef idx="minor">
-              <a:schemeClr val="tx1"/>
-            </a:fontRef>
-          </p:style>
-        </p:cxnSp>
-        <p:cxnSp>
-          <p:nvCxnSpPr>
-            <p:cNvPr id="17" name="直接连接符 16"/>
-            <p:cNvCxnSpPr>
-              <a:stCxn id="10" idx="0"/>
-              <a:endCxn id="6" idx="4"/>
-            </p:cNvCxnSpPr>
-            <p:nvPr/>
-          </p:nvCxnSpPr>
-          <p:spPr>
-            <a:xfrm flipH="1" flipV="1">
-              <a:off x="3710" y="5326"/>
-              <a:ext cx="336" cy="479"/>
-            </a:xfrm>
-            <a:prstGeom prst="line">
-              <a:avLst/>
-            </a:prstGeom>
-            <a:ln>
-              <a:solidFill>
-                <a:schemeClr val="bg1">
-                  <a:lumMod val="50000"/>
-                </a:schemeClr>
-              </a:solidFill>
-            </a:ln>
-          </p:spPr>
-          <p:style>
-            <a:lnRef idx="1">
-              <a:schemeClr val="accent1"/>
-            </a:lnRef>
-            <a:fillRef idx="0">
-              <a:schemeClr val="accent1"/>
-            </a:fillRef>
-            <a:effectRef idx="0">
-              <a:schemeClr val="accent1"/>
-            </a:effectRef>
-            <a:fontRef idx="minor">
-              <a:schemeClr val="tx1"/>
-            </a:fontRef>
-          </p:style>
-        </p:cxnSp>
-        <p:cxnSp>
-          <p:nvCxnSpPr>
-            <p:cNvPr id="18" name="直接连接符 17"/>
-            <p:cNvCxnSpPr>
-              <a:stCxn id="10" idx="0"/>
-              <a:endCxn id="8" idx="4"/>
-            </p:cNvCxnSpPr>
-            <p:nvPr/>
-          </p:nvCxnSpPr>
-          <p:spPr>
-            <a:xfrm flipV="1">
-              <a:off x="4046" y="5326"/>
-              <a:ext cx="922" cy="479"/>
-            </a:xfrm>
-            <a:prstGeom prst="line">
-              <a:avLst/>
-            </a:prstGeom>
-            <a:ln>
-              <a:solidFill>
-                <a:schemeClr val="bg1">
-                  <a:lumMod val="50000"/>
-                </a:schemeClr>
-              </a:solidFill>
-            </a:ln>
-          </p:spPr>
-          <p:style>
-            <a:lnRef idx="1">
-              <a:schemeClr val="accent1"/>
-            </a:lnRef>
-            <a:fillRef idx="0">
-              <a:schemeClr val="accent1"/>
-            </a:fillRef>
-            <a:effectRef idx="0">
-              <a:schemeClr val="accent1"/>
-            </a:effectRef>
-            <a:fontRef idx="minor">
-              <a:schemeClr val="tx1"/>
-            </a:fontRef>
-          </p:style>
-        </p:cxnSp>
-        <p:cxnSp>
-          <p:nvCxnSpPr>
-            <p:cNvPr id="19" name="直接连接符 18"/>
-            <p:cNvCxnSpPr>
-              <a:stCxn id="10" idx="0"/>
-              <a:endCxn id="9" idx="4"/>
-            </p:cNvCxnSpPr>
-            <p:nvPr/>
-          </p:nvCxnSpPr>
-          <p:spPr>
-            <a:xfrm flipV="1">
-              <a:off x="4046" y="5326"/>
-              <a:ext cx="1551" cy="479"/>
-            </a:xfrm>
-            <a:prstGeom prst="line">
-              <a:avLst/>
-            </a:prstGeom>
-            <a:ln>
-              <a:solidFill>
-                <a:schemeClr val="bg1">
-                  <a:lumMod val="50000"/>
-                </a:schemeClr>
-              </a:solidFill>
-            </a:ln>
-          </p:spPr>
-          <p:style>
-            <a:lnRef idx="1">
-              <a:schemeClr val="accent1"/>
-            </a:lnRef>
-            <a:fillRef idx="0">
-              <a:schemeClr val="accent1"/>
-            </a:fillRef>
-            <a:effectRef idx="0">
-              <a:schemeClr val="accent1"/>
-            </a:effectRef>
-            <a:fontRef idx="minor">
-              <a:schemeClr val="tx1"/>
-            </a:fontRef>
-          </p:style>
-        </p:cxnSp>
-        <p:cxnSp>
-          <p:nvCxnSpPr>
-            <p:cNvPr id="20" name="直接连接符 19"/>
-            <p:cNvCxnSpPr>
-              <a:stCxn id="11" idx="0"/>
-              <a:endCxn id="6" idx="4"/>
-            </p:cNvCxnSpPr>
-            <p:nvPr/>
-          </p:nvCxnSpPr>
-          <p:spPr>
-            <a:xfrm flipH="1" flipV="1">
-              <a:off x="3710" y="5326"/>
-              <a:ext cx="943" cy="479"/>
-            </a:xfrm>
-            <a:prstGeom prst="line">
-              <a:avLst/>
-            </a:prstGeom>
-            <a:ln>
-              <a:solidFill>
-                <a:schemeClr val="bg1">
-                  <a:lumMod val="50000"/>
-                </a:schemeClr>
-              </a:solidFill>
-            </a:ln>
-          </p:spPr>
-          <p:style>
-            <a:lnRef idx="1">
-              <a:schemeClr val="accent1"/>
-            </a:lnRef>
-            <a:fillRef idx="0">
-              <a:schemeClr val="accent1"/>
-            </a:fillRef>
-            <a:effectRef idx="0">
-              <a:schemeClr val="accent1"/>
-            </a:effectRef>
-            <a:fontRef idx="minor">
-              <a:schemeClr val="tx1"/>
-            </a:fontRef>
-          </p:style>
-        </p:cxnSp>
-        <p:cxnSp>
-          <p:nvCxnSpPr>
-            <p:cNvPr id="21" name="直接连接符 20"/>
-            <p:cNvCxnSpPr>
-              <a:stCxn id="12" idx="0"/>
-              <a:endCxn id="6" idx="4"/>
-            </p:cNvCxnSpPr>
-            <p:nvPr/>
-          </p:nvCxnSpPr>
-          <p:spPr>
-            <a:xfrm flipH="1" flipV="1">
-              <a:off x="3710" y="5326"/>
-              <a:ext cx="1550" cy="479"/>
-            </a:xfrm>
-            <a:prstGeom prst="line">
-              <a:avLst/>
-            </a:prstGeom>
-            <a:ln>
-              <a:solidFill>
-                <a:schemeClr val="bg1">
-                  <a:lumMod val="50000"/>
-                </a:schemeClr>
-              </a:solidFill>
-            </a:ln>
-          </p:spPr>
-          <p:style>
-            <a:lnRef idx="1">
-              <a:schemeClr val="accent1"/>
-            </a:lnRef>
-            <a:fillRef idx="0">
-              <a:schemeClr val="accent1"/>
-            </a:fillRef>
-            <a:effectRef idx="0">
-              <a:schemeClr val="accent1"/>
-            </a:effectRef>
-            <a:fontRef idx="minor">
-              <a:schemeClr val="tx1"/>
-            </a:fontRef>
-          </p:style>
-        </p:cxnSp>
-        <p:cxnSp>
-          <p:nvCxnSpPr>
-            <p:cNvPr id="22" name="直接连接符 21"/>
-            <p:cNvCxnSpPr>
-              <a:stCxn id="11" idx="0"/>
-              <a:endCxn id="7" idx="4"/>
-            </p:cNvCxnSpPr>
-            <p:nvPr/>
-          </p:nvCxnSpPr>
-          <p:spPr>
-            <a:xfrm flipH="1" flipV="1">
-              <a:off x="4339" y="5326"/>
-              <a:ext cx="314" cy="479"/>
-            </a:xfrm>
-            <a:prstGeom prst="line">
-              <a:avLst/>
-            </a:prstGeom>
-            <a:ln>
-              <a:solidFill>
-                <a:schemeClr val="bg1">
-                  <a:lumMod val="50000"/>
-                </a:schemeClr>
-              </a:solidFill>
-            </a:ln>
-          </p:spPr>
-          <p:style>
-            <a:lnRef idx="1">
-              <a:schemeClr val="accent1"/>
-            </a:lnRef>
-            <a:fillRef idx="0">
-              <a:schemeClr val="accent1"/>
-            </a:fillRef>
-            <a:effectRef idx="0">
-              <a:schemeClr val="accent1"/>
-            </a:effectRef>
-            <a:fontRef idx="minor">
-              <a:schemeClr val="tx1"/>
-            </a:fontRef>
-          </p:style>
-        </p:cxnSp>
-        <p:cxnSp>
-          <p:nvCxnSpPr>
-            <p:cNvPr id="23" name="直接连接符 22"/>
-            <p:cNvCxnSpPr>
-              <a:endCxn id="8" idx="4"/>
-            </p:cNvCxnSpPr>
-            <p:nvPr/>
-          </p:nvCxnSpPr>
-          <p:spPr>
-            <a:xfrm flipV="1">
-              <a:off x="4668" y="5326"/>
-              <a:ext cx="300" cy="466"/>
-            </a:xfrm>
-            <a:prstGeom prst="line">
-              <a:avLst/>
-            </a:prstGeom>
-            <a:ln>
-              <a:solidFill>
-                <a:schemeClr val="bg1">
-                  <a:lumMod val="50000"/>
-                </a:schemeClr>
-              </a:solidFill>
-            </a:ln>
-          </p:spPr>
-          <p:style>
-            <a:lnRef idx="1">
-              <a:schemeClr val="accent1"/>
-            </a:lnRef>
-            <a:fillRef idx="0">
-              <a:schemeClr val="accent1"/>
-            </a:fillRef>
-            <a:effectRef idx="0">
-              <a:schemeClr val="accent1"/>
-            </a:effectRef>
-            <a:fontRef idx="minor">
-              <a:schemeClr val="tx1"/>
-            </a:fontRef>
-          </p:style>
-        </p:cxnSp>
-        <p:cxnSp>
-          <p:nvCxnSpPr>
-            <p:cNvPr id="24" name="直接连接符 23"/>
-            <p:cNvCxnSpPr>
-              <a:stCxn id="11" idx="0"/>
-              <a:endCxn id="9" idx="4"/>
-            </p:cNvCxnSpPr>
-            <p:nvPr/>
-          </p:nvCxnSpPr>
-          <p:spPr>
-            <a:xfrm flipV="1">
-              <a:off x="4653" y="5326"/>
-              <a:ext cx="944" cy="479"/>
-            </a:xfrm>
-            <a:prstGeom prst="line">
-              <a:avLst/>
-            </a:prstGeom>
-            <a:ln>
-              <a:solidFill>
-                <a:schemeClr val="bg1">
-                  <a:lumMod val="50000"/>
-                </a:schemeClr>
-              </a:solidFill>
-            </a:ln>
-          </p:spPr>
-          <p:style>
-            <a:lnRef idx="1">
-              <a:schemeClr val="accent1"/>
-            </a:lnRef>
-            <a:fillRef idx="0">
-              <a:schemeClr val="accent1"/>
-            </a:fillRef>
-            <a:effectRef idx="0">
-              <a:schemeClr val="accent1"/>
-            </a:effectRef>
-            <a:fontRef idx="minor">
-              <a:schemeClr val="tx1"/>
-            </a:fontRef>
-          </p:style>
-        </p:cxnSp>
-        <p:cxnSp>
-          <p:nvCxnSpPr>
-            <p:cNvPr id="25" name="直接连接符 24"/>
-            <p:cNvCxnSpPr>
-              <a:stCxn id="12" idx="0"/>
-              <a:endCxn id="8" idx="4"/>
-            </p:cNvCxnSpPr>
-            <p:nvPr/>
-          </p:nvCxnSpPr>
-          <p:spPr>
-            <a:xfrm flipH="1" flipV="1">
-              <a:off x="4968" y="5326"/>
-              <a:ext cx="292" cy="479"/>
-            </a:xfrm>
-            <a:prstGeom prst="line">
-              <a:avLst/>
-            </a:prstGeom>
-            <a:ln>
-              <a:solidFill>
-                <a:schemeClr val="bg1">
-                  <a:lumMod val="50000"/>
-                </a:schemeClr>
-              </a:solidFill>
-            </a:ln>
-          </p:spPr>
-          <p:style>
-            <a:lnRef idx="1">
-              <a:schemeClr val="accent1"/>
-            </a:lnRef>
-            <a:fillRef idx="0">
-              <a:schemeClr val="accent1"/>
-            </a:fillRef>
-            <a:effectRef idx="0">
-              <a:schemeClr val="accent1"/>
-            </a:effectRef>
-            <a:fontRef idx="minor">
-              <a:schemeClr val="tx1"/>
-            </a:fontRef>
-          </p:style>
-        </p:cxnSp>
-        <p:cxnSp>
-          <p:nvCxnSpPr>
-            <p:cNvPr id="26" name="直接连接符 25"/>
-            <p:cNvCxnSpPr>
-              <a:stCxn id="12" idx="0"/>
-              <a:endCxn id="7" idx="4"/>
-            </p:cNvCxnSpPr>
-            <p:nvPr/>
-          </p:nvCxnSpPr>
-          <p:spPr>
-            <a:xfrm flipH="1" flipV="1">
-              <a:off x="4339" y="5326"/>
-              <a:ext cx="921" cy="479"/>
-            </a:xfrm>
-            <a:prstGeom prst="line">
-              <a:avLst/>
-            </a:prstGeom>
-            <a:ln>
-              <a:solidFill>
-                <a:schemeClr val="bg1">
-                  <a:lumMod val="50000"/>
-                </a:schemeClr>
-              </a:solidFill>
-            </a:ln>
-          </p:spPr>
-          <p:style>
-            <a:lnRef idx="1">
-              <a:schemeClr val="accent1"/>
-            </a:lnRef>
-            <a:fillRef idx="0">
-              <a:schemeClr val="accent1"/>
-            </a:fillRef>
-            <a:effectRef idx="0">
-              <a:schemeClr val="accent1"/>
-            </a:effectRef>
-            <a:fontRef idx="minor">
-              <a:schemeClr val="tx1"/>
-            </a:fontRef>
-          </p:style>
-        </p:cxnSp>
-        <p:cxnSp>
-          <p:nvCxnSpPr>
-            <p:cNvPr id="27" name="直接连接符 26"/>
-            <p:cNvCxnSpPr>
-              <a:stCxn id="12" idx="0"/>
-              <a:endCxn id="9" idx="4"/>
-            </p:cNvCxnSpPr>
-            <p:nvPr/>
-          </p:nvCxnSpPr>
-          <p:spPr>
-            <a:xfrm flipV="1">
-              <a:off x="5260" y="5326"/>
-              <a:ext cx="337" cy="479"/>
-            </a:xfrm>
-            <a:prstGeom prst="line">
-              <a:avLst/>
-            </a:prstGeom>
-            <a:ln>
-              <a:solidFill>
-                <a:schemeClr val="bg1">
-                  <a:lumMod val="50000"/>
-                </a:schemeClr>
-              </a:solidFill>
-            </a:ln>
-          </p:spPr>
-          <p:style>
-            <a:lnRef idx="1">
-              <a:schemeClr val="accent1"/>
-            </a:lnRef>
-            <a:fillRef idx="0">
-              <a:schemeClr val="accent1"/>
-            </a:fillRef>
-            <a:effectRef idx="0">
-              <a:schemeClr val="accent1"/>
-            </a:effectRef>
-            <a:fontRef idx="minor">
-              <a:schemeClr val="tx1"/>
-            </a:fontRef>
-          </p:style>
-        </p:cxnSp>
-        <p:cxnSp>
-          <p:nvCxnSpPr>
-            <p:cNvPr id="28" name="直接连接符 27"/>
-            <p:cNvCxnSpPr>
-              <a:stCxn id="7" idx="0"/>
-              <a:endCxn id="4" idx="4"/>
-            </p:cNvCxnSpPr>
-            <p:nvPr/>
-          </p:nvCxnSpPr>
-          <p:spPr>
-            <a:xfrm flipV="1">
-              <a:off x="4339" y="4487"/>
-              <a:ext cx="0" cy="479"/>
-            </a:xfrm>
-            <a:prstGeom prst="line">
-              <a:avLst/>
-            </a:prstGeom>
-            <a:ln>
-              <a:solidFill>
-                <a:schemeClr val="bg1">
-                  <a:lumMod val="50000"/>
-                </a:schemeClr>
-              </a:solidFill>
-            </a:ln>
-          </p:spPr>
-          <p:style>
-            <a:lnRef idx="1">
-              <a:schemeClr val="accent1"/>
-            </a:lnRef>
-            <a:fillRef idx="0">
-              <a:schemeClr val="accent1"/>
-            </a:fillRef>
-            <a:effectRef idx="0">
-              <a:schemeClr val="accent1"/>
-            </a:effectRef>
-            <a:fontRef idx="minor">
-              <a:schemeClr val="tx1"/>
-            </a:fontRef>
-          </p:style>
-        </p:cxnSp>
-        <p:cxnSp>
-          <p:nvCxnSpPr>
-            <p:cNvPr id="29" name="直接连接符 28"/>
-            <p:cNvCxnSpPr>
-              <a:stCxn id="8" idx="0"/>
-              <a:endCxn id="5" idx="4"/>
-            </p:cNvCxnSpPr>
-            <p:nvPr/>
-          </p:nvCxnSpPr>
-          <p:spPr>
-            <a:xfrm flipV="1">
-              <a:off x="4968" y="4487"/>
-              <a:ext cx="0" cy="479"/>
-            </a:xfrm>
-            <a:prstGeom prst="line">
-              <a:avLst/>
-            </a:prstGeom>
-            <a:ln>
-              <a:solidFill>
-                <a:schemeClr val="bg1">
-                  <a:lumMod val="50000"/>
-                </a:schemeClr>
-              </a:solidFill>
-            </a:ln>
-          </p:spPr>
-          <p:style>
-            <a:lnRef idx="1">
-              <a:schemeClr val="accent1"/>
-            </a:lnRef>
-            <a:fillRef idx="0">
-              <a:schemeClr val="accent1"/>
-            </a:fillRef>
-            <a:effectRef idx="0">
-              <a:schemeClr val="accent1"/>
-            </a:effectRef>
-            <a:fontRef idx="minor">
-              <a:schemeClr val="tx1"/>
-            </a:fontRef>
-          </p:style>
-        </p:cxnSp>
-        <p:cxnSp>
-          <p:nvCxnSpPr>
-            <p:cNvPr id="30" name="直接连接符 29"/>
-            <p:cNvCxnSpPr>
-              <a:stCxn id="8" idx="0"/>
-              <a:endCxn id="4" idx="4"/>
-            </p:cNvCxnSpPr>
-            <p:nvPr/>
-          </p:nvCxnSpPr>
-          <p:spPr>
-            <a:xfrm flipH="1" flipV="1">
-              <a:off x="4339" y="4487"/>
-              <a:ext cx="629" cy="479"/>
-            </a:xfrm>
-            <a:prstGeom prst="line">
-              <a:avLst/>
-            </a:prstGeom>
-            <a:ln>
-              <a:solidFill>
-                <a:schemeClr val="bg1">
-                  <a:lumMod val="50000"/>
-                </a:schemeClr>
-              </a:solidFill>
-            </a:ln>
-          </p:spPr>
-          <p:style>
-            <a:lnRef idx="1">
-              <a:schemeClr val="accent1"/>
-            </a:lnRef>
-            <a:fillRef idx="0">
-              <a:schemeClr val="accent1"/>
-            </a:fillRef>
-            <a:effectRef idx="0">
-              <a:schemeClr val="accent1"/>
-            </a:effectRef>
-            <a:fontRef idx="minor">
-              <a:schemeClr val="tx1"/>
-            </a:fontRef>
-          </p:style>
-        </p:cxnSp>
-        <p:cxnSp>
-          <p:nvCxnSpPr>
-            <p:cNvPr id="31" name="直接连接符 30"/>
-            <p:cNvCxnSpPr>
-              <a:stCxn id="7" idx="0"/>
-              <a:endCxn id="5" idx="4"/>
-            </p:cNvCxnSpPr>
-            <p:nvPr/>
-          </p:nvCxnSpPr>
-          <p:spPr>
-            <a:xfrm flipV="1">
-              <a:off x="4339" y="4487"/>
-              <a:ext cx="629" cy="479"/>
-            </a:xfrm>
-            <a:prstGeom prst="line">
-              <a:avLst/>
-            </a:prstGeom>
-            <a:ln>
-              <a:solidFill>
-                <a:schemeClr val="bg1">
-                  <a:lumMod val="50000"/>
-                </a:schemeClr>
-              </a:solidFill>
-            </a:ln>
-          </p:spPr>
-          <p:style>
-            <a:lnRef idx="1">
-              <a:schemeClr val="accent1"/>
-            </a:lnRef>
-            <a:fillRef idx="0">
-              <a:schemeClr val="accent1"/>
-            </a:fillRef>
-            <a:effectRef idx="0">
-              <a:schemeClr val="accent1"/>
-            </a:effectRef>
-            <a:fontRef idx="minor">
-              <a:schemeClr val="tx1"/>
-            </a:fontRef>
-          </p:style>
-        </p:cxnSp>
-        <p:cxnSp>
-          <p:nvCxnSpPr>
-            <p:cNvPr id="32" name="直接连接符 31"/>
-            <p:cNvCxnSpPr>
-              <a:stCxn id="9" idx="0"/>
-              <a:endCxn id="5" idx="4"/>
-            </p:cNvCxnSpPr>
-            <p:nvPr/>
-          </p:nvCxnSpPr>
-          <p:spPr>
-            <a:xfrm flipH="1" flipV="1">
-              <a:off x="4968" y="4487"/>
-              <a:ext cx="629" cy="479"/>
-            </a:xfrm>
-            <a:prstGeom prst="line">
-              <a:avLst/>
-            </a:prstGeom>
-            <a:ln>
-              <a:solidFill>
-                <a:schemeClr val="bg1">
-                  <a:lumMod val="50000"/>
-                </a:schemeClr>
-              </a:solidFill>
-            </a:ln>
-          </p:spPr>
-          <p:style>
-            <a:lnRef idx="1">
-              <a:schemeClr val="accent1"/>
-            </a:lnRef>
-            <a:fillRef idx="0">
-              <a:schemeClr val="accent1"/>
-            </a:fillRef>
-            <a:effectRef idx="0">
-              <a:schemeClr val="accent1"/>
-            </a:effectRef>
-            <a:fontRef idx="minor">
-              <a:schemeClr val="tx1"/>
-            </a:fontRef>
-          </p:style>
-        </p:cxnSp>
-        <p:cxnSp>
-          <p:nvCxnSpPr>
-            <p:cNvPr id="33" name="直接连接符 32"/>
-            <p:cNvCxnSpPr>
-              <a:stCxn id="9" idx="0"/>
-              <a:endCxn id="4" idx="4"/>
-            </p:cNvCxnSpPr>
-            <p:nvPr/>
-          </p:nvCxnSpPr>
-          <p:spPr>
-            <a:xfrm flipH="1" flipV="1">
-              <a:off x="4339" y="4487"/>
-              <a:ext cx="1258" cy="479"/>
-            </a:xfrm>
-            <a:prstGeom prst="line">
-              <a:avLst/>
-            </a:prstGeom>
-            <a:ln>
-              <a:solidFill>
-                <a:schemeClr val="bg1">
-                  <a:lumMod val="50000"/>
-                </a:schemeClr>
-              </a:solidFill>
-            </a:ln>
-          </p:spPr>
-          <p:style>
-            <a:lnRef idx="1">
-              <a:schemeClr val="accent1"/>
-            </a:lnRef>
-            <a:fillRef idx="0">
-              <a:schemeClr val="accent1"/>
-            </a:fillRef>
-            <a:effectRef idx="0">
-              <a:schemeClr val="accent1"/>
-            </a:effectRef>
-            <a:fontRef idx="minor">
-              <a:schemeClr val="tx1"/>
-            </a:fontRef>
-          </p:style>
-        </p:cxnSp>
-        <p:cxnSp>
-          <p:nvCxnSpPr>
-            <p:cNvPr id="34" name="直接连接符 33"/>
-            <p:cNvCxnSpPr>
-              <a:stCxn id="6" idx="0"/>
-              <a:endCxn id="4" idx="4"/>
-            </p:cNvCxnSpPr>
-            <p:nvPr/>
-          </p:nvCxnSpPr>
-          <p:spPr>
-            <a:xfrm flipV="1">
-              <a:off x="3710" y="4487"/>
-              <a:ext cx="629" cy="479"/>
-            </a:xfrm>
-            <a:prstGeom prst="line">
-              <a:avLst/>
-            </a:prstGeom>
-            <a:ln>
-              <a:solidFill>
-                <a:schemeClr val="bg1">
-                  <a:lumMod val="50000"/>
-                </a:schemeClr>
-              </a:solidFill>
-            </a:ln>
-          </p:spPr>
-          <p:style>
-            <a:lnRef idx="1">
-              <a:schemeClr val="accent1"/>
-            </a:lnRef>
-            <a:fillRef idx="0">
-              <a:schemeClr val="accent1"/>
-            </a:fillRef>
-            <a:effectRef idx="0">
-              <a:schemeClr val="accent1"/>
-            </a:effectRef>
-            <a:fontRef idx="minor">
-              <a:schemeClr val="tx1"/>
-            </a:fontRef>
-          </p:style>
-        </p:cxnSp>
-        <p:cxnSp>
-          <p:nvCxnSpPr>
-            <p:cNvPr id="35" name="直接连接符 34"/>
-            <p:cNvCxnSpPr>
-              <a:stCxn id="6" idx="0"/>
-              <a:endCxn id="5" idx="4"/>
-            </p:cNvCxnSpPr>
-            <p:nvPr/>
-          </p:nvCxnSpPr>
-          <p:spPr>
-            <a:xfrm flipV="1">
-              <a:off x="3710" y="4487"/>
-              <a:ext cx="1258" cy="479"/>
-            </a:xfrm>
-            <a:prstGeom prst="line">
-              <a:avLst/>
-            </a:prstGeom>
-            <a:ln>
-              <a:solidFill>
-                <a:schemeClr val="bg1">
-                  <a:lumMod val="50000"/>
-                </a:schemeClr>
-              </a:solidFill>
-            </a:ln>
-          </p:spPr>
-          <p:style>
-            <a:lnRef idx="1">
-              <a:schemeClr val="accent1"/>
-            </a:lnRef>
-            <a:fillRef idx="0">
-              <a:schemeClr val="accent1"/>
-            </a:fillRef>
-            <a:effectRef idx="0">
-              <a:schemeClr val="accent1"/>
-            </a:effectRef>
-            <a:fontRef idx="minor">
-              <a:schemeClr val="tx1"/>
-            </a:fontRef>
-          </p:style>
-        </p:cxnSp>
+          <p:txBody>
+            <a:bodyPr wrap="none" rtlCol="0" anchor="t">
+              <a:spAutoFit/>
+            </a:bodyPr>
+            <a:p>
+              <a:pPr algn="ctr"/>
+              <a:r>
+                <a:rPr lang="zh-CN" altLang="en-US" sz="1400">
+                  <a:latin typeface="宋体" panose="02010600030101010101" pitchFamily="2" charset="-122"/>
+                  <a:ea typeface="宋体" panose="02010600030101010101" pitchFamily="2" charset="-122"/>
+                  <a:sym typeface="+mn-ea"/>
+                </a:rPr>
+                <a:t>预测</a:t>
+              </a:r>
+              <a:r>
+                <a:rPr lang="zh-CN" altLang="en-US" sz="1400">
+                  <a:latin typeface="宋体" panose="02010600030101010101" pitchFamily="2" charset="-122"/>
+                  <a:ea typeface="宋体" panose="02010600030101010101" pitchFamily="2" charset="-122"/>
+                  <a:sym typeface="+mn-ea"/>
+                </a:rPr>
+                <a:t>行为模拟</a:t>
+              </a:r>
+              <a:endParaRPr lang="zh-CN" altLang="en-US" sz="1400">
+                <a:latin typeface="宋体" panose="02010600030101010101" pitchFamily="2" charset="-122"/>
+                <a:ea typeface="宋体" panose="02010600030101010101" pitchFamily="2" charset="-122"/>
+                <a:sym typeface="+mn-ea"/>
+              </a:endParaRPr>
+            </a:p>
+          </p:txBody>
+        </p:sp>
       </p:grpSp>
-      <p:sp>
-        <p:nvSpPr>
-          <p:cNvPr id="39" name="圆角矩形 38"/>
-          <p:cNvSpPr/>
-          <p:nvPr/>
-        </p:nvSpPr>
-        <p:spPr>
-          <a:xfrm rot="16200000">
-            <a:off x="603885" y="3443605"/>
-            <a:ext cx="680085" cy="248285"/>
-          </a:xfrm>
-          <a:prstGeom prst="roundRect">
-            <a:avLst>
-              <a:gd name="adj" fmla="val 36477"/>
-            </a:avLst>
-          </a:prstGeom>
-          <a:solidFill>
-            <a:schemeClr val="accent6">
-              <a:lumMod val="60000"/>
-              <a:lumOff val="40000"/>
-            </a:schemeClr>
-          </a:solidFill>
-        </p:spPr>
-        <p:style>
-          <a:lnRef idx="1">
-            <a:schemeClr val="accent6"/>
-          </a:lnRef>
-          <a:fillRef idx="2">
-            <a:schemeClr val="accent6"/>
-          </a:fillRef>
-          <a:effectRef idx="1">
-            <a:schemeClr val="accent6"/>
-          </a:effectRef>
-          <a:fontRef idx="minor">
-            <a:schemeClr val="dk1"/>
-          </a:fontRef>
-        </p:style>
-        <p:txBody>
-          <a:bodyPr rtlCol="0" anchor="ctr"/>
-          <a:p>
-            <a:pPr algn="ctr"/>
-            <a:r>
-              <a:rPr lang="en-US" altLang="zh-CN" sz="1200">
-                <a:latin typeface="Times New Roman" panose="02020603050405020304" charset="0"/>
-                <a:cs typeface="Times New Roman" panose="02020603050405020304" charset="0"/>
-              </a:rPr>
-              <a:t>input</a:t>
-            </a:r>
-            <a:endParaRPr lang="en-US" altLang="zh-CN" sz="1200">
-              <a:latin typeface="Times New Roman" panose="02020603050405020304" charset="0"/>
-              <a:cs typeface="Times New Roman" panose="02020603050405020304" charset="0"/>
-            </a:endParaRPr>
-          </a:p>
-        </p:txBody>
-      </p:sp>
-      <p:cxnSp>
-        <p:nvCxnSpPr>
-          <p:cNvPr id="40" name="直接箭头连接符 39"/>
-          <p:cNvCxnSpPr>
-            <a:stCxn id="39" idx="2"/>
-            <a:endCxn id="41" idx="1"/>
-          </p:cNvCxnSpPr>
-          <p:nvPr/>
-        </p:nvCxnSpPr>
-        <p:spPr>
-          <a:xfrm>
-            <a:off x="1068070" y="3567430"/>
-            <a:ext cx="215265" cy="635"/>
-          </a:xfrm>
-          <a:prstGeom prst="straightConnector1">
-            <a:avLst/>
-          </a:prstGeom>
-          <a:ln>
-            <a:tailEnd type="arrow" w="med" len="med"/>
-          </a:ln>
-        </p:spPr>
-        <p:style>
-          <a:lnRef idx="2">
-            <a:schemeClr val="dk1"/>
-          </a:lnRef>
-          <a:fillRef idx="0">
-            <a:schemeClr val="dk1"/>
-          </a:fillRef>
-          <a:effectRef idx="1">
-            <a:schemeClr val="dk1"/>
-          </a:effectRef>
-          <a:fontRef idx="minor">
-            <a:schemeClr val="tx1"/>
-          </a:fontRef>
-        </p:style>
-      </p:cxnSp>
       <p:grpSp>
         <p:nvGrpSpPr>
-          <p:cNvPr id="238" name="组合 237"/>
+          <p:cNvPr id="53" name="组合 52"/>
           <p:cNvGrpSpPr/>
           <p:nvPr/>
         </p:nvGrpSpPr>
         <p:grpSpPr>
           <a:xfrm>
-            <a:off x="1283335" y="2961640"/>
-            <a:ext cx="1095375" cy="1212215"/>
-            <a:chOff x="6916" y="1994"/>
-            <a:chExt cx="1887" cy="1880"/>
+            <a:off x="4983480" y="2644775"/>
+            <a:ext cx="1521460" cy="1568450"/>
+            <a:chOff x="8464" y="4398"/>
+            <a:chExt cx="2396" cy="2470"/>
           </a:xfrm>
         </p:grpSpPr>
         <p:sp>
           <p:nvSpPr>
-            <p:cNvPr id="41" name="圆角矩形 40"/>
+            <p:cNvPr id="208" name="圆角矩形 207"/>
             <p:cNvSpPr/>
             <p:nvPr/>
           </p:nvSpPr>
           <p:spPr>
             <a:xfrm>
-              <a:off x="6916" y="1994"/>
-              <a:ext cx="1887" cy="1880"/>
+              <a:off x="8464" y="4398"/>
+              <a:ext cx="2397" cy="2470"/>
             </a:xfrm>
             <a:prstGeom prst="roundRect">
               <a:avLst>
-                <a:gd name="adj" fmla="val 15188"/>
+                <a:gd name="adj" fmla="val 8093"/>
               </a:avLst>
             </a:prstGeom>
             <a:solidFill>
-              <a:schemeClr val="accent4">
-                <a:lumMod val="20000"/>
-                <a:lumOff val="80000"/>
-                <a:alpha val="85000"/>
+              <a:schemeClr val="bg1">
+                <a:lumMod val="95000"/>
               </a:schemeClr>
             </a:solidFill>
             <a:ln>
-              <a:solidFill>
-                <a:schemeClr val="tx1"/>
-              </a:solidFill>
+              <a:noFill/>
             </a:ln>
           </p:spPr>
           <p:style>
@@ -4433,14 +4220,14 @@
         </p:sp>
         <p:sp>
           <p:nvSpPr>
-            <p:cNvPr id="42" name="文本框 41"/>
+            <p:cNvPr id="149" name="文本框 148"/>
             <p:cNvSpPr txBox="1"/>
             <p:nvPr/>
           </p:nvSpPr>
           <p:spPr>
             <a:xfrm>
-              <a:off x="7223" y="2551"/>
-              <a:ext cx="1273" cy="810"/>
+              <a:off x="8539" y="4398"/>
+              <a:ext cx="2248" cy="483"/>
             </a:xfrm>
             <a:prstGeom prst="rect">
               <a:avLst/>
@@ -4448,2753 +4235,1237 @@
             <a:noFill/>
           </p:spPr>
           <p:txBody>
-            <a:bodyPr wrap="square" rtlCol="0">
+            <a:bodyPr wrap="none" rtlCol="0" anchor="t">
               <a:spAutoFit/>
             </a:bodyPr>
             <a:p>
               <a:pPr algn="ctr"/>
               <a:r>
-                <a:rPr lang="zh-CN" altLang="en-US" sz="1400" b="1">
-                  <a:latin typeface="Times New Roman" panose="02020603050405020304" charset="0"/>
-                  <a:cs typeface="Times New Roman" panose="02020603050405020304" charset="0"/>
+                <a:rPr lang="zh-CN" altLang="en-US" sz="1400">
+                  <a:latin typeface="宋体" panose="02010600030101010101" pitchFamily="2" charset="-122"/>
+                  <a:ea typeface="宋体" panose="02010600030101010101" pitchFamily="2" charset="-122"/>
+                  <a:sym typeface="+mn-ea"/>
                 </a:rPr>
-                <a:t>深度学习</a:t>
+                <a:t>决策路径</a:t>
               </a:r>
               <a:r>
-                <a:rPr lang="zh-CN" altLang="en-US" sz="1400" b="1">
-                  <a:latin typeface="Times New Roman" panose="02020603050405020304" charset="0"/>
-                  <a:cs typeface="Times New Roman" panose="02020603050405020304" charset="0"/>
+                <a:rPr lang="zh-CN" altLang="en-US" sz="1400">
+                  <a:latin typeface="宋体" panose="02010600030101010101" pitchFamily="2" charset="-122"/>
+                  <a:ea typeface="宋体" panose="02010600030101010101" pitchFamily="2" charset="-122"/>
+                  <a:sym typeface="+mn-ea"/>
                 </a:rPr>
-                <a:t>模型</a:t>
+                <a:t>覆盖度</a:t>
               </a:r>
-              <a:endParaRPr lang="zh-CN" altLang="en-US" sz="1400" b="1">
-                <a:latin typeface="Times New Roman" panose="02020603050405020304" charset="0"/>
-                <a:cs typeface="Times New Roman" panose="02020603050405020304" charset="0"/>
+              <a:endParaRPr lang="zh-CN" altLang="en-US" sz="1400">
+                <a:latin typeface="宋体" panose="02010600030101010101" pitchFamily="2" charset="-122"/>
+                <a:ea typeface="宋体" panose="02010600030101010101" pitchFamily="2" charset="-122"/>
+                <a:sym typeface="+mn-ea"/>
               </a:endParaRPr>
             </a:p>
           </p:txBody>
         </p:sp>
+        <p:grpSp>
+          <p:nvGrpSpPr>
+            <p:cNvPr id="205" name="组合 204"/>
+            <p:cNvGrpSpPr/>
+            <p:nvPr/>
+          </p:nvGrpSpPr>
+          <p:grpSpPr>
+            <a:xfrm rot="0">
+              <a:off x="8621" y="4953"/>
+              <a:ext cx="2083" cy="1726"/>
+              <a:chOff x="8959" y="4958"/>
+              <a:chExt cx="2083" cy="1726"/>
+            </a:xfrm>
+          </p:grpSpPr>
+          <p:sp>
+            <p:nvSpPr>
+              <p:cNvPr id="181" name="椭圆 180"/>
+              <p:cNvSpPr/>
+              <p:nvPr/>
+            </p:nvSpPr>
+            <p:spPr>
+              <a:xfrm>
+                <a:off x="9758" y="4958"/>
+                <a:ext cx="315" cy="315"/>
+              </a:xfrm>
+              <a:prstGeom prst="ellipse">
+                <a:avLst/>
+              </a:prstGeom>
+              <a:solidFill>
+                <a:schemeClr val="bg1">
+                  <a:lumMod val="75000"/>
+                </a:schemeClr>
+              </a:solidFill>
+              <a:ln>
+                <a:solidFill>
+                  <a:schemeClr val="tx1"/>
+                </a:solidFill>
+              </a:ln>
+            </p:spPr>
+            <p:style>
+              <a:lnRef idx="2">
+                <a:schemeClr val="accent1">
+                  <a:shade val="50000"/>
+                </a:schemeClr>
+              </a:lnRef>
+              <a:fillRef idx="1">
+                <a:schemeClr val="accent1"/>
+              </a:fillRef>
+              <a:effectRef idx="0">
+                <a:schemeClr val="accent1"/>
+              </a:effectRef>
+              <a:fontRef idx="minor">
+                <a:schemeClr val="lt1"/>
+              </a:fontRef>
+            </p:style>
+            <p:txBody>
+              <a:bodyPr rtlCol="0" anchor="ctr"/>
+              <a:p>
+                <a:pPr algn="ctr"/>
+                <a:endParaRPr lang="zh-CN" altLang="en-US"/>
+              </a:p>
+            </p:txBody>
+          </p:sp>
+          <p:sp>
+            <p:nvSpPr>
+              <p:cNvPr id="182" name="椭圆 181"/>
+              <p:cNvSpPr/>
+              <p:nvPr/>
+            </p:nvSpPr>
+            <p:spPr>
+              <a:xfrm>
+                <a:off x="9261" y="5373"/>
+                <a:ext cx="315" cy="315"/>
+              </a:xfrm>
+              <a:prstGeom prst="ellipse">
+                <a:avLst/>
+              </a:prstGeom>
+              <a:solidFill>
+                <a:schemeClr val="bg1">
+                  <a:lumMod val="75000"/>
+                </a:schemeClr>
+              </a:solidFill>
+              <a:ln>
+                <a:solidFill>
+                  <a:schemeClr val="tx1"/>
+                </a:solidFill>
+              </a:ln>
+            </p:spPr>
+            <p:style>
+              <a:lnRef idx="2">
+                <a:schemeClr val="accent1">
+                  <a:shade val="50000"/>
+                </a:schemeClr>
+              </a:lnRef>
+              <a:fillRef idx="1">
+                <a:schemeClr val="accent1"/>
+              </a:fillRef>
+              <a:effectRef idx="0">
+                <a:schemeClr val="accent1"/>
+              </a:effectRef>
+              <a:fontRef idx="minor">
+                <a:schemeClr val="lt1"/>
+              </a:fontRef>
+            </p:style>
+            <p:txBody>
+              <a:bodyPr rtlCol="0" anchor="ctr"/>
+              <a:p>
+                <a:pPr algn="ctr"/>
+                <a:endParaRPr lang="zh-CN" altLang="en-US"/>
+              </a:p>
+            </p:txBody>
+          </p:sp>
+          <p:sp>
+            <p:nvSpPr>
+              <p:cNvPr id="183" name="椭圆 182"/>
+              <p:cNvSpPr/>
+              <p:nvPr/>
+            </p:nvSpPr>
+            <p:spPr>
+              <a:xfrm>
+                <a:off x="10222" y="5373"/>
+                <a:ext cx="315" cy="315"/>
+              </a:xfrm>
+              <a:prstGeom prst="ellipse">
+                <a:avLst/>
+              </a:prstGeom>
+              <a:solidFill>
+                <a:schemeClr val="bg1">
+                  <a:lumMod val="75000"/>
+                </a:schemeClr>
+              </a:solidFill>
+              <a:ln>
+                <a:solidFill>
+                  <a:schemeClr val="tx1"/>
+                </a:solidFill>
+              </a:ln>
+            </p:spPr>
+            <p:style>
+              <a:lnRef idx="2">
+                <a:schemeClr val="accent1">
+                  <a:shade val="50000"/>
+                </a:schemeClr>
+              </a:lnRef>
+              <a:fillRef idx="1">
+                <a:schemeClr val="accent1"/>
+              </a:fillRef>
+              <a:effectRef idx="0">
+                <a:schemeClr val="accent1"/>
+              </a:effectRef>
+              <a:fontRef idx="minor">
+                <a:schemeClr val="lt1"/>
+              </a:fontRef>
+            </p:style>
+            <p:txBody>
+              <a:bodyPr rtlCol="0" anchor="ctr"/>
+              <a:p>
+                <a:pPr algn="ctr"/>
+                <a:endParaRPr lang="zh-CN" altLang="en-US"/>
+              </a:p>
+            </p:txBody>
+          </p:sp>
+          <p:sp>
+            <p:nvSpPr>
+              <p:cNvPr id="184" name="椭圆 183"/>
+              <p:cNvSpPr/>
+              <p:nvPr/>
+            </p:nvSpPr>
+            <p:spPr>
+              <a:xfrm>
+                <a:off x="9364" y="5850"/>
+                <a:ext cx="315" cy="315"/>
+              </a:xfrm>
+              <a:prstGeom prst="ellipse">
+                <a:avLst/>
+              </a:prstGeom>
+              <a:solidFill>
+                <a:schemeClr val="bg1">
+                  <a:lumMod val="75000"/>
+                </a:schemeClr>
+              </a:solidFill>
+              <a:ln>
+                <a:solidFill>
+                  <a:schemeClr val="tx1"/>
+                </a:solidFill>
+              </a:ln>
+            </p:spPr>
+            <p:style>
+              <a:lnRef idx="2">
+                <a:schemeClr val="accent1">
+                  <a:shade val="50000"/>
+                </a:schemeClr>
+              </a:lnRef>
+              <a:fillRef idx="1">
+                <a:schemeClr val="accent1"/>
+              </a:fillRef>
+              <a:effectRef idx="0">
+                <a:schemeClr val="accent1"/>
+              </a:effectRef>
+              <a:fontRef idx="minor">
+                <a:schemeClr val="lt1"/>
+              </a:fontRef>
+            </p:style>
+            <p:txBody>
+              <a:bodyPr rtlCol="0" anchor="ctr"/>
+              <a:p>
+                <a:pPr algn="ctr"/>
+                <a:endParaRPr lang="zh-CN" altLang="en-US"/>
+              </a:p>
+            </p:txBody>
+          </p:sp>
+          <p:sp>
+            <p:nvSpPr>
+              <p:cNvPr id="185" name="椭圆 184"/>
+              <p:cNvSpPr/>
+              <p:nvPr/>
+            </p:nvSpPr>
+            <p:spPr>
+              <a:xfrm>
+                <a:off x="10510" y="5850"/>
+                <a:ext cx="315" cy="315"/>
+              </a:xfrm>
+              <a:prstGeom prst="ellipse">
+                <a:avLst/>
+              </a:prstGeom>
+              <a:solidFill>
+                <a:schemeClr val="bg1">
+                  <a:lumMod val="75000"/>
+                </a:schemeClr>
+              </a:solidFill>
+              <a:ln>
+                <a:solidFill>
+                  <a:schemeClr val="tx1"/>
+                </a:solidFill>
+              </a:ln>
+            </p:spPr>
+            <p:style>
+              <a:lnRef idx="2">
+                <a:schemeClr val="accent1">
+                  <a:shade val="50000"/>
+                </a:schemeClr>
+              </a:lnRef>
+              <a:fillRef idx="1">
+                <a:schemeClr val="accent1"/>
+              </a:fillRef>
+              <a:effectRef idx="0">
+                <a:schemeClr val="accent1"/>
+              </a:effectRef>
+              <a:fontRef idx="minor">
+                <a:schemeClr val="lt1"/>
+              </a:fontRef>
+            </p:style>
+            <p:txBody>
+              <a:bodyPr rtlCol="0" anchor="ctr"/>
+              <a:p>
+                <a:pPr algn="ctr"/>
+                <a:endParaRPr lang="zh-CN" altLang="en-US"/>
+              </a:p>
+            </p:txBody>
+          </p:sp>
+          <p:sp>
+            <p:nvSpPr>
+              <p:cNvPr id="186" name="矩形 185"/>
+              <p:cNvSpPr/>
+              <p:nvPr/>
+            </p:nvSpPr>
+            <p:spPr>
+              <a:xfrm>
+                <a:off x="8959" y="5871"/>
+                <a:ext cx="293" cy="293"/>
+              </a:xfrm>
+              <a:prstGeom prst="rect">
+                <a:avLst/>
+              </a:prstGeom>
+              <a:solidFill>
+                <a:srgbClr val="FFC000"/>
+              </a:solidFill>
+              <a:ln>
+                <a:solidFill>
+                  <a:schemeClr val="tx1"/>
+                </a:solidFill>
+              </a:ln>
+            </p:spPr>
+            <p:style>
+              <a:lnRef idx="2">
+                <a:schemeClr val="accent1">
+                  <a:shade val="50000"/>
+                </a:schemeClr>
+              </a:lnRef>
+              <a:fillRef idx="1">
+                <a:schemeClr val="accent1"/>
+              </a:fillRef>
+              <a:effectRef idx="0">
+                <a:schemeClr val="accent1"/>
+              </a:effectRef>
+              <a:fontRef idx="minor">
+                <a:schemeClr val="lt1"/>
+              </a:fontRef>
+            </p:style>
+            <p:txBody>
+              <a:bodyPr rtlCol="0" anchor="ctr"/>
+              <a:p>
+                <a:pPr algn="ctr"/>
+                <a:endParaRPr lang="zh-CN" altLang="en-US"/>
+              </a:p>
+            </p:txBody>
+          </p:sp>
+          <p:sp>
+            <p:nvSpPr>
+              <p:cNvPr id="187" name="矩形 186"/>
+              <p:cNvSpPr/>
+              <p:nvPr/>
+            </p:nvSpPr>
+            <p:spPr>
+              <a:xfrm>
+                <a:off x="10105" y="5871"/>
+                <a:ext cx="293" cy="293"/>
+              </a:xfrm>
+              <a:prstGeom prst="rect">
+                <a:avLst/>
+              </a:prstGeom>
+              <a:solidFill>
+                <a:srgbClr val="FFC000"/>
+              </a:solidFill>
+              <a:ln>
+                <a:solidFill>
+                  <a:schemeClr val="tx1"/>
+                </a:solidFill>
+              </a:ln>
+            </p:spPr>
+            <p:style>
+              <a:lnRef idx="2">
+                <a:schemeClr val="accent1">
+                  <a:shade val="50000"/>
+                </a:schemeClr>
+              </a:lnRef>
+              <a:fillRef idx="1">
+                <a:schemeClr val="accent1"/>
+              </a:fillRef>
+              <a:effectRef idx="0">
+                <a:schemeClr val="accent1"/>
+              </a:effectRef>
+              <a:fontRef idx="minor">
+                <a:schemeClr val="lt1"/>
+              </a:fontRef>
+            </p:style>
+            <p:txBody>
+              <a:bodyPr rtlCol="0" anchor="ctr"/>
+              <a:p>
+                <a:pPr algn="ctr"/>
+                <a:endParaRPr lang="zh-CN" altLang="en-US"/>
+              </a:p>
+            </p:txBody>
+          </p:sp>
+          <p:sp>
+            <p:nvSpPr>
+              <p:cNvPr id="188" name="矩形 187"/>
+              <p:cNvSpPr/>
+              <p:nvPr/>
+            </p:nvSpPr>
+            <p:spPr>
+              <a:xfrm>
+                <a:off x="9159" y="6392"/>
+                <a:ext cx="293" cy="293"/>
+              </a:xfrm>
+              <a:prstGeom prst="rect">
+                <a:avLst/>
+              </a:prstGeom>
+              <a:solidFill>
+                <a:srgbClr val="FFC000"/>
+              </a:solidFill>
+              <a:ln>
+                <a:solidFill>
+                  <a:schemeClr val="tx1"/>
+                </a:solidFill>
+              </a:ln>
+            </p:spPr>
+            <p:style>
+              <a:lnRef idx="2">
+                <a:schemeClr val="accent1">
+                  <a:shade val="50000"/>
+                </a:schemeClr>
+              </a:lnRef>
+              <a:fillRef idx="1">
+                <a:schemeClr val="accent1"/>
+              </a:fillRef>
+              <a:effectRef idx="0">
+                <a:schemeClr val="accent1"/>
+              </a:effectRef>
+              <a:fontRef idx="minor">
+                <a:schemeClr val="lt1"/>
+              </a:fontRef>
+            </p:style>
+            <p:txBody>
+              <a:bodyPr rtlCol="0" anchor="ctr"/>
+              <a:p>
+                <a:pPr algn="ctr"/>
+                <a:endParaRPr lang="zh-CN" altLang="en-US"/>
+              </a:p>
+            </p:txBody>
+          </p:sp>
+          <p:sp>
+            <p:nvSpPr>
+              <p:cNvPr id="189" name="矩形 188"/>
+              <p:cNvSpPr/>
+              <p:nvPr/>
+            </p:nvSpPr>
+            <p:spPr>
+              <a:xfrm>
+                <a:off x="9576" y="6392"/>
+                <a:ext cx="293" cy="293"/>
+              </a:xfrm>
+              <a:prstGeom prst="rect">
+                <a:avLst/>
+              </a:prstGeom>
+              <a:solidFill>
+                <a:srgbClr val="FFC000"/>
+              </a:solidFill>
+              <a:ln>
+                <a:solidFill>
+                  <a:schemeClr val="tx1"/>
+                </a:solidFill>
+              </a:ln>
+            </p:spPr>
+            <p:style>
+              <a:lnRef idx="2">
+                <a:schemeClr val="accent1">
+                  <a:shade val="50000"/>
+                </a:schemeClr>
+              </a:lnRef>
+              <a:fillRef idx="1">
+                <a:schemeClr val="accent1"/>
+              </a:fillRef>
+              <a:effectRef idx="0">
+                <a:schemeClr val="accent1"/>
+              </a:effectRef>
+              <a:fontRef idx="minor">
+                <a:schemeClr val="lt1"/>
+              </a:fontRef>
+            </p:style>
+            <p:txBody>
+              <a:bodyPr rtlCol="0" anchor="ctr"/>
+              <a:p>
+                <a:pPr algn="ctr"/>
+                <a:endParaRPr lang="zh-CN" altLang="en-US"/>
+              </a:p>
+            </p:txBody>
+          </p:sp>
+          <p:sp>
+            <p:nvSpPr>
+              <p:cNvPr id="190" name="矩形 189"/>
+              <p:cNvSpPr/>
+              <p:nvPr/>
+            </p:nvSpPr>
+            <p:spPr>
+              <a:xfrm>
+                <a:off x="10324" y="6392"/>
+                <a:ext cx="293" cy="293"/>
+              </a:xfrm>
+              <a:prstGeom prst="rect">
+                <a:avLst/>
+              </a:prstGeom>
+              <a:solidFill>
+                <a:srgbClr val="FFC000"/>
+              </a:solidFill>
+              <a:ln>
+                <a:solidFill>
+                  <a:schemeClr val="tx1"/>
+                </a:solidFill>
+              </a:ln>
+            </p:spPr>
+            <p:style>
+              <a:lnRef idx="2">
+                <a:schemeClr val="accent1">
+                  <a:shade val="50000"/>
+                </a:schemeClr>
+              </a:lnRef>
+              <a:fillRef idx="1">
+                <a:schemeClr val="accent1"/>
+              </a:fillRef>
+              <a:effectRef idx="0">
+                <a:schemeClr val="accent1"/>
+              </a:effectRef>
+              <a:fontRef idx="minor">
+                <a:schemeClr val="lt1"/>
+              </a:fontRef>
+            </p:style>
+            <p:txBody>
+              <a:bodyPr rtlCol="0" anchor="ctr"/>
+              <a:p>
+                <a:pPr algn="ctr"/>
+                <a:endParaRPr lang="zh-CN" altLang="en-US"/>
+              </a:p>
+            </p:txBody>
+          </p:sp>
+          <p:sp>
+            <p:nvSpPr>
+              <p:cNvPr id="191" name="矩形 190"/>
+              <p:cNvSpPr/>
+              <p:nvPr/>
+            </p:nvSpPr>
+            <p:spPr>
+              <a:xfrm>
+                <a:off x="10750" y="6392"/>
+                <a:ext cx="293" cy="293"/>
+              </a:xfrm>
+              <a:prstGeom prst="rect">
+                <a:avLst/>
+              </a:prstGeom>
+              <a:solidFill>
+                <a:srgbClr val="FFC000"/>
+              </a:solidFill>
+              <a:ln>
+                <a:solidFill>
+                  <a:schemeClr val="tx1"/>
+                </a:solidFill>
+              </a:ln>
+            </p:spPr>
+            <p:style>
+              <a:lnRef idx="2">
+                <a:schemeClr val="accent1">
+                  <a:shade val="50000"/>
+                </a:schemeClr>
+              </a:lnRef>
+              <a:fillRef idx="1">
+                <a:schemeClr val="accent1"/>
+              </a:fillRef>
+              <a:effectRef idx="0">
+                <a:schemeClr val="accent1"/>
+              </a:effectRef>
+              <a:fontRef idx="minor">
+                <a:schemeClr val="lt1"/>
+              </a:fontRef>
+            </p:style>
+            <p:txBody>
+              <a:bodyPr rtlCol="0" anchor="ctr"/>
+              <a:p>
+                <a:pPr algn="ctr"/>
+                <a:endParaRPr lang="zh-CN" altLang="en-US"/>
+              </a:p>
+            </p:txBody>
+          </p:sp>
+          <p:cxnSp>
+            <p:nvCxnSpPr>
+              <p:cNvPr id="192" name="直接箭头连接符 191"/>
+              <p:cNvCxnSpPr>
+                <a:stCxn id="181" idx="4"/>
+                <a:endCxn id="182" idx="0"/>
+              </p:cNvCxnSpPr>
+              <p:nvPr/>
+            </p:nvCxnSpPr>
+            <p:spPr>
+              <a:xfrm flipH="1">
+                <a:off x="9419" y="5273"/>
+                <a:ext cx="497" cy="100"/>
+              </a:xfrm>
+              <a:prstGeom prst="straightConnector1">
+                <a:avLst/>
+              </a:prstGeom>
+              <a:solidFill>
+                <a:srgbClr val="00B0F0"/>
+              </a:solidFill>
+              <a:ln>
+                <a:solidFill>
+                  <a:schemeClr val="tx1"/>
+                </a:solidFill>
+                <a:headEnd type="none"/>
+                <a:tailEnd type="triangle" w="med" len="med"/>
+              </a:ln>
+            </p:spPr>
+            <p:style>
+              <a:lnRef idx="1">
+                <a:schemeClr val="accent1"/>
+              </a:lnRef>
+              <a:fillRef idx="0">
+                <a:schemeClr val="accent1"/>
+              </a:fillRef>
+              <a:effectRef idx="0">
+                <a:schemeClr val="accent1"/>
+              </a:effectRef>
+              <a:fontRef idx="minor">
+                <a:schemeClr val="tx1"/>
+              </a:fontRef>
+            </p:style>
+          </p:cxnSp>
+          <p:cxnSp>
+            <p:nvCxnSpPr>
+              <p:cNvPr id="193" name="直接箭头连接符 192"/>
+              <p:cNvCxnSpPr>
+                <a:stCxn id="181" idx="4"/>
+                <a:endCxn id="183" idx="0"/>
+              </p:cNvCxnSpPr>
+              <p:nvPr/>
+            </p:nvCxnSpPr>
+            <p:spPr>
+              <a:xfrm>
+                <a:off x="9916" y="5273"/>
+                <a:ext cx="464" cy="100"/>
+              </a:xfrm>
+              <a:prstGeom prst="straightConnector1">
+                <a:avLst/>
+              </a:prstGeom>
+              <a:solidFill>
+                <a:srgbClr val="00B0F0"/>
+              </a:solidFill>
+              <a:ln>
+                <a:solidFill>
+                  <a:schemeClr val="tx1"/>
+                </a:solidFill>
+                <a:headEnd type="none"/>
+                <a:tailEnd type="triangle" w="med" len="med"/>
+              </a:ln>
+            </p:spPr>
+            <p:style>
+              <a:lnRef idx="1">
+                <a:schemeClr val="accent1"/>
+              </a:lnRef>
+              <a:fillRef idx="0">
+                <a:schemeClr val="accent1"/>
+              </a:fillRef>
+              <a:effectRef idx="0">
+                <a:schemeClr val="accent1"/>
+              </a:effectRef>
+              <a:fontRef idx="minor">
+                <a:schemeClr val="tx1"/>
+              </a:fontRef>
+            </p:style>
+          </p:cxnSp>
+          <p:cxnSp>
+            <p:nvCxnSpPr>
+              <p:cNvPr id="194" name="直接箭头连接符 193"/>
+              <p:cNvCxnSpPr>
+                <a:stCxn id="182" idx="4"/>
+                <a:endCxn id="186" idx="0"/>
+              </p:cNvCxnSpPr>
+              <p:nvPr/>
+            </p:nvCxnSpPr>
+            <p:spPr>
+              <a:xfrm flipH="1">
+                <a:off x="9106" y="5688"/>
+                <a:ext cx="313" cy="183"/>
+              </a:xfrm>
+              <a:prstGeom prst="straightConnector1">
+                <a:avLst/>
+              </a:prstGeom>
+              <a:solidFill>
+                <a:schemeClr val="accent3">
+                  <a:lumMod val="75000"/>
+                </a:schemeClr>
+              </a:solidFill>
+              <a:ln>
+                <a:solidFill>
+                  <a:schemeClr val="tx1"/>
+                </a:solidFill>
+                <a:headEnd type="none"/>
+                <a:tailEnd type="triangle" w="med" len="med"/>
+              </a:ln>
+            </p:spPr>
+            <p:style>
+              <a:lnRef idx="1">
+                <a:schemeClr val="accent1"/>
+              </a:lnRef>
+              <a:fillRef idx="0">
+                <a:schemeClr val="accent1"/>
+              </a:fillRef>
+              <a:effectRef idx="0">
+                <a:schemeClr val="accent1"/>
+              </a:effectRef>
+              <a:fontRef idx="minor">
+                <a:schemeClr val="tx1"/>
+              </a:fontRef>
+            </p:style>
+          </p:cxnSp>
+          <p:cxnSp>
+            <p:nvCxnSpPr>
+              <p:cNvPr id="195" name="直接箭头连接符 194"/>
+              <p:cNvCxnSpPr>
+                <a:stCxn id="182" idx="4"/>
+                <a:endCxn id="184" idx="0"/>
+              </p:cNvCxnSpPr>
+              <p:nvPr/>
+            </p:nvCxnSpPr>
+            <p:spPr>
+              <a:xfrm>
+                <a:off x="9419" y="5688"/>
+                <a:ext cx="103" cy="162"/>
+              </a:xfrm>
+              <a:prstGeom prst="straightConnector1">
+                <a:avLst/>
+              </a:prstGeom>
+              <a:solidFill>
+                <a:srgbClr val="00B0F0"/>
+              </a:solidFill>
+              <a:ln>
+                <a:solidFill>
+                  <a:schemeClr val="tx1"/>
+                </a:solidFill>
+                <a:headEnd type="none"/>
+                <a:tailEnd type="triangle" w="med" len="med"/>
+              </a:ln>
+            </p:spPr>
+            <p:style>
+              <a:lnRef idx="1">
+                <a:schemeClr val="accent1"/>
+              </a:lnRef>
+              <a:fillRef idx="0">
+                <a:schemeClr val="accent1"/>
+              </a:fillRef>
+              <a:effectRef idx="0">
+                <a:schemeClr val="accent1"/>
+              </a:effectRef>
+              <a:fontRef idx="minor">
+                <a:schemeClr val="tx1"/>
+              </a:fontRef>
+            </p:style>
+          </p:cxnSp>
+          <p:cxnSp>
+            <p:nvCxnSpPr>
+              <p:cNvPr id="196" name="直接箭头连接符 195"/>
+              <p:cNvCxnSpPr>
+                <a:stCxn id="183" idx="4"/>
+                <a:endCxn id="187" idx="0"/>
+              </p:cNvCxnSpPr>
+              <p:nvPr/>
+            </p:nvCxnSpPr>
+            <p:spPr>
+              <a:xfrm flipH="1">
+                <a:off x="10252" y="5688"/>
+                <a:ext cx="128" cy="183"/>
+              </a:xfrm>
+              <a:prstGeom prst="straightConnector1">
+                <a:avLst/>
+              </a:prstGeom>
+              <a:solidFill>
+                <a:srgbClr val="00B0F0"/>
+              </a:solidFill>
+              <a:ln>
+                <a:solidFill>
+                  <a:schemeClr val="tx1"/>
+                </a:solidFill>
+                <a:headEnd type="none"/>
+                <a:tailEnd type="triangle" w="med" len="med"/>
+              </a:ln>
+            </p:spPr>
+            <p:style>
+              <a:lnRef idx="1">
+                <a:schemeClr val="accent1"/>
+              </a:lnRef>
+              <a:fillRef idx="0">
+                <a:schemeClr val="accent1"/>
+              </a:fillRef>
+              <a:effectRef idx="0">
+                <a:schemeClr val="accent1"/>
+              </a:effectRef>
+              <a:fontRef idx="minor">
+                <a:schemeClr val="tx1"/>
+              </a:fontRef>
+            </p:style>
+          </p:cxnSp>
+          <p:cxnSp>
+            <p:nvCxnSpPr>
+              <p:cNvPr id="197" name="直接箭头连接符 196"/>
+              <p:cNvCxnSpPr>
+                <a:stCxn id="183" idx="4"/>
+                <a:endCxn id="185" idx="0"/>
+              </p:cNvCxnSpPr>
+              <p:nvPr/>
+            </p:nvCxnSpPr>
+            <p:spPr>
+              <a:xfrm>
+                <a:off x="10380" y="5688"/>
+                <a:ext cx="288" cy="162"/>
+              </a:xfrm>
+              <a:prstGeom prst="straightConnector1">
+                <a:avLst/>
+              </a:prstGeom>
+              <a:solidFill>
+                <a:srgbClr val="00B0F0"/>
+              </a:solidFill>
+              <a:ln>
+                <a:solidFill>
+                  <a:schemeClr val="tx1"/>
+                </a:solidFill>
+                <a:headEnd type="none"/>
+                <a:tailEnd type="triangle" w="med" len="med"/>
+              </a:ln>
+            </p:spPr>
+            <p:style>
+              <a:lnRef idx="1">
+                <a:schemeClr val="accent1"/>
+              </a:lnRef>
+              <a:fillRef idx="0">
+                <a:schemeClr val="accent1"/>
+              </a:fillRef>
+              <a:effectRef idx="0">
+                <a:schemeClr val="accent1"/>
+              </a:effectRef>
+              <a:fontRef idx="minor">
+                <a:schemeClr val="tx1"/>
+              </a:fontRef>
+            </p:style>
+          </p:cxnSp>
+          <p:cxnSp>
+            <p:nvCxnSpPr>
+              <p:cNvPr id="198" name="直接箭头连接符 197"/>
+              <p:cNvCxnSpPr>
+                <a:stCxn id="184" idx="4"/>
+                <a:endCxn id="188" idx="0"/>
+              </p:cNvCxnSpPr>
+              <p:nvPr/>
+            </p:nvCxnSpPr>
+            <p:spPr>
+              <a:xfrm flipH="1">
+                <a:off x="9306" y="6165"/>
+                <a:ext cx="216" cy="227"/>
+              </a:xfrm>
+              <a:prstGeom prst="straightConnector1">
+                <a:avLst/>
+              </a:prstGeom>
+              <a:solidFill>
+                <a:schemeClr val="bg1">
+                  <a:lumMod val="75000"/>
+                </a:schemeClr>
+              </a:solidFill>
+              <a:ln>
+                <a:solidFill>
+                  <a:schemeClr val="tx1"/>
+                </a:solidFill>
+                <a:headEnd type="none"/>
+                <a:tailEnd type="triangle" w="med" len="med"/>
+              </a:ln>
+            </p:spPr>
+            <p:style>
+              <a:lnRef idx="1">
+                <a:schemeClr val="accent1"/>
+              </a:lnRef>
+              <a:fillRef idx="0">
+                <a:schemeClr val="accent1"/>
+              </a:fillRef>
+              <a:effectRef idx="0">
+                <a:schemeClr val="accent1"/>
+              </a:effectRef>
+              <a:fontRef idx="minor">
+                <a:schemeClr val="tx1"/>
+              </a:fontRef>
+            </p:style>
+          </p:cxnSp>
+          <p:cxnSp>
+            <p:nvCxnSpPr>
+              <p:cNvPr id="199" name="直接箭头连接符 198"/>
+              <p:cNvCxnSpPr>
+                <a:stCxn id="184" idx="4"/>
+                <a:endCxn id="189" idx="0"/>
+              </p:cNvCxnSpPr>
+              <p:nvPr/>
+            </p:nvCxnSpPr>
+            <p:spPr>
+              <a:xfrm>
+                <a:off x="9522" y="6165"/>
+                <a:ext cx="201" cy="227"/>
+              </a:xfrm>
+              <a:prstGeom prst="straightConnector1">
+                <a:avLst/>
+              </a:prstGeom>
+              <a:solidFill>
+                <a:schemeClr val="bg1">
+                  <a:lumMod val="75000"/>
+                </a:schemeClr>
+              </a:solidFill>
+              <a:ln>
+                <a:solidFill>
+                  <a:schemeClr val="tx1"/>
+                </a:solidFill>
+                <a:headEnd type="none"/>
+                <a:tailEnd type="triangle" w="med" len="med"/>
+              </a:ln>
+            </p:spPr>
+            <p:style>
+              <a:lnRef idx="1">
+                <a:schemeClr val="accent1"/>
+              </a:lnRef>
+              <a:fillRef idx="0">
+                <a:schemeClr val="accent1"/>
+              </a:fillRef>
+              <a:effectRef idx="0">
+                <a:schemeClr val="accent1"/>
+              </a:effectRef>
+              <a:fontRef idx="minor">
+                <a:schemeClr val="tx1"/>
+              </a:fontRef>
+            </p:style>
+          </p:cxnSp>
+          <p:cxnSp>
+            <p:nvCxnSpPr>
+              <p:cNvPr id="200" name="直接箭头连接符 199"/>
+              <p:cNvCxnSpPr>
+                <a:stCxn id="185" idx="4"/>
+                <a:endCxn id="190" idx="0"/>
+              </p:cNvCxnSpPr>
+              <p:nvPr/>
+            </p:nvCxnSpPr>
+            <p:spPr>
+              <a:xfrm flipH="1">
+                <a:off x="10471" y="6165"/>
+                <a:ext cx="197" cy="227"/>
+              </a:xfrm>
+              <a:prstGeom prst="straightConnector1">
+                <a:avLst/>
+              </a:prstGeom>
+              <a:solidFill>
+                <a:schemeClr val="bg1">
+                  <a:lumMod val="75000"/>
+                </a:schemeClr>
+              </a:solidFill>
+              <a:ln>
+                <a:solidFill>
+                  <a:schemeClr val="tx1"/>
+                </a:solidFill>
+                <a:headEnd type="none"/>
+                <a:tailEnd type="triangle" w="med" len="med"/>
+              </a:ln>
+            </p:spPr>
+            <p:style>
+              <a:lnRef idx="1">
+                <a:schemeClr val="accent1"/>
+              </a:lnRef>
+              <a:fillRef idx="0">
+                <a:schemeClr val="accent1"/>
+              </a:fillRef>
+              <a:effectRef idx="0">
+                <a:schemeClr val="accent1"/>
+              </a:effectRef>
+              <a:fontRef idx="minor">
+                <a:schemeClr val="tx1"/>
+              </a:fontRef>
+            </p:style>
+          </p:cxnSp>
+          <p:cxnSp>
+            <p:nvCxnSpPr>
+              <p:cNvPr id="201" name="直接箭头连接符 200"/>
+              <p:cNvCxnSpPr>
+                <a:stCxn id="185" idx="4"/>
+                <a:endCxn id="191" idx="0"/>
+              </p:cNvCxnSpPr>
+              <p:nvPr/>
+            </p:nvCxnSpPr>
+            <p:spPr>
+              <a:xfrm>
+                <a:off x="10668" y="6165"/>
+                <a:ext cx="229" cy="227"/>
+              </a:xfrm>
+              <a:prstGeom prst="straightConnector1">
+                <a:avLst/>
+              </a:prstGeom>
+              <a:solidFill>
+                <a:schemeClr val="bg1">
+                  <a:lumMod val="75000"/>
+                </a:schemeClr>
+              </a:solidFill>
+              <a:ln>
+                <a:solidFill>
+                  <a:schemeClr val="tx1"/>
+                </a:solidFill>
+                <a:headEnd type="none"/>
+                <a:tailEnd type="triangle" w="med" len="med"/>
+              </a:ln>
+            </p:spPr>
+            <p:style>
+              <a:lnRef idx="1">
+                <a:schemeClr val="accent1"/>
+              </a:lnRef>
+              <a:fillRef idx="0">
+                <a:schemeClr val="accent1"/>
+              </a:fillRef>
+              <a:effectRef idx="0">
+                <a:schemeClr val="accent1"/>
+              </a:effectRef>
+              <a:fontRef idx="minor">
+                <a:schemeClr val="tx1"/>
+              </a:fontRef>
+            </p:style>
+          </p:cxnSp>
+          <p:sp>
+            <p:nvSpPr>
+              <p:cNvPr id="202" name="任意多边形 201"/>
+              <p:cNvSpPr/>
+              <p:nvPr/>
+            </p:nvSpPr>
+            <p:spPr>
+              <a:xfrm>
+                <a:off x="9406" y="5117"/>
+                <a:ext cx="526" cy="1442"/>
+              </a:xfrm>
+              <a:custGeom>
+                <a:avLst/>
+                <a:gdLst>
+                  <a:gd name="connisteX0" fmla="*/ 343473 w 343473"/>
+                  <a:gd name="connsiteY0" fmla="*/ 0 h 942975"/>
+                  <a:gd name="connisteX1" fmla="*/ 14543 w 343473"/>
+                  <a:gd name="connsiteY1" fmla="*/ 271780 h 942975"/>
+                  <a:gd name="connisteX2" fmla="*/ 95823 w 343473"/>
+                  <a:gd name="connsiteY2" fmla="*/ 590550 h 942975"/>
+                  <a:gd name="connisteX3" fmla="*/ 219648 w 343473"/>
+                  <a:gd name="connsiteY3" fmla="*/ 942975 h 942975"/>
+                  <a:gd name="connisteX4" fmla="*/ 205043 w 343473"/>
+                  <a:gd name="connsiteY4" fmla="*/ 914400 h 942975"/>
+                </a:gdLst>
+                <a:ahLst/>
+                <a:cxnLst>
+                  <a:cxn ang="0">
+                    <a:pos x="connisteX0" y="connsiteY0"/>
+                  </a:cxn>
+                  <a:cxn ang="0">
+                    <a:pos x="connisteX1" y="connsiteY1"/>
+                  </a:cxn>
+                  <a:cxn ang="0">
+                    <a:pos x="connisteX2" y="connsiteY2"/>
+                  </a:cxn>
+                  <a:cxn ang="0">
+                    <a:pos x="connisteX3" y="connsiteY3"/>
+                  </a:cxn>
+                  <a:cxn ang="0">
+                    <a:pos x="connisteX4" y="connsiteY4"/>
+                  </a:cxn>
+                </a:cxnLst>
+                <a:rect l="l" t="t" r="r" b="b"/>
+                <a:pathLst>
+                  <a:path w="343473" h="942975">
+                    <a:moveTo>
+                      <a:pt x="343473" y="0"/>
+                    </a:moveTo>
+                    <a:cubicBezTo>
+                      <a:pt x="276163" y="48260"/>
+                      <a:pt x="64073" y="153670"/>
+                      <a:pt x="14543" y="271780"/>
+                    </a:cubicBezTo>
+                    <a:cubicBezTo>
+                      <a:pt x="-34987" y="389890"/>
+                      <a:pt x="54548" y="456565"/>
+                      <a:pt x="95823" y="590550"/>
+                    </a:cubicBezTo>
+                    <a:cubicBezTo>
+                      <a:pt x="137098" y="724535"/>
+                      <a:pt x="198058" y="878205"/>
+                      <a:pt x="219648" y="942975"/>
+                    </a:cubicBezTo>
+                  </a:path>
+                </a:pathLst>
+              </a:custGeom>
+              <a:noFill/>
+              <a:ln w="38100">
+                <a:gradFill>
+                  <a:gsLst>
+                    <a:gs pos="0">
+                      <a:srgbClr val="7B32B2"/>
+                    </a:gs>
+                    <a:gs pos="100000">
+                      <a:srgbClr val="401A5D"/>
+                    </a:gs>
+                  </a:gsLst>
+                </a:gradFill>
+                <a:headEnd type="none"/>
+                <a:tailEnd type="triangle" w="med" len="med"/>
+              </a:ln>
+            </p:spPr>
+            <p:style>
+              <a:lnRef idx="2">
+                <a:schemeClr val="accent1">
+                  <a:shade val="50000"/>
+                </a:schemeClr>
+              </a:lnRef>
+              <a:fillRef idx="1">
+                <a:schemeClr val="accent1"/>
+              </a:fillRef>
+              <a:effectRef idx="0">
+                <a:schemeClr val="accent1"/>
+              </a:effectRef>
+              <a:fontRef idx="minor">
+                <a:schemeClr val="lt1"/>
+              </a:fontRef>
+            </p:style>
+            <p:txBody>
+              <a:bodyPr rtlCol="0" anchor="ctr"/>
+              <a:p>
+                <a:pPr algn="ctr"/>
+                <a:endParaRPr lang="zh-CN" altLang="en-US"/>
+              </a:p>
+            </p:txBody>
+          </p:sp>
+          <p:sp>
+            <p:nvSpPr>
+              <p:cNvPr id="203" name="任意多边形 202"/>
+              <p:cNvSpPr/>
+              <p:nvPr/>
+            </p:nvSpPr>
+            <p:spPr>
+              <a:xfrm>
+                <a:off x="9924" y="5125"/>
+                <a:ext cx="984" cy="1420"/>
+              </a:xfrm>
+              <a:custGeom>
+                <a:avLst/>
+                <a:gdLst>
+                  <a:gd name="connisteX0" fmla="*/ 0 w 643255"/>
+                  <a:gd name="connsiteY0" fmla="*/ 0 h 928370"/>
+                  <a:gd name="connisteX1" fmla="*/ 304800 w 643255"/>
+                  <a:gd name="connsiteY1" fmla="*/ 271145 h 928370"/>
+                  <a:gd name="connisteX2" fmla="*/ 485775 w 643255"/>
+                  <a:gd name="connsiteY2" fmla="*/ 575945 h 928370"/>
+                  <a:gd name="connisteX3" fmla="*/ 643255 w 643255"/>
+                  <a:gd name="connsiteY3" fmla="*/ 928370 h 928370"/>
+                  <a:gd name="connisteX4" fmla="*/ 586105 w 643255"/>
+                  <a:gd name="connsiteY4" fmla="*/ 895350 h 928370"/>
+                </a:gdLst>
+                <a:ahLst/>
+                <a:cxnLst>
+                  <a:cxn ang="0">
+                    <a:pos x="connisteX0" y="connsiteY0"/>
+                  </a:cxn>
+                  <a:cxn ang="0">
+                    <a:pos x="connisteX1" y="connsiteY1"/>
+                  </a:cxn>
+                  <a:cxn ang="0">
+                    <a:pos x="connisteX2" y="connsiteY2"/>
+                  </a:cxn>
+                  <a:cxn ang="0">
+                    <a:pos x="connisteX3" y="connsiteY3"/>
+                  </a:cxn>
+                  <a:cxn ang="0">
+                    <a:pos x="connisteX4" y="connsiteY4"/>
+                  </a:cxn>
+                </a:cxnLst>
+                <a:rect l="l" t="t" r="r" b="b"/>
+                <a:pathLst>
+                  <a:path w="643255" h="928370">
+                    <a:moveTo>
+                      <a:pt x="0" y="0"/>
+                    </a:moveTo>
+                    <a:cubicBezTo>
+                      <a:pt x="57150" y="48260"/>
+                      <a:pt x="207645" y="156210"/>
+                      <a:pt x="304800" y="271145"/>
+                    </a:cubicBezTo>
+                    <a:cubicBezTo>
+                      <a:pt x="401955" y="386080"/>
+                      <a:pt x="417830" y="444500"/>
+                      <a:pt x="485775" y="575945"/>
+                    </a:cubicBezTo>
+                    <a:cubicBezTo>
+                      <a:pt x="553720" y="707390"/>
+                      <a:pt x="622935" y="864235"/>
+                      <a:pt x="643255" y="928370"/>
+                    </a:cubicBezTo>
+                  </a:path>
+                </a:pathLst>
+              </a:custGeom>
+              <a:noFill/>
+              <a:ln w="38100">
+                <a:solidFill>
+                  <a:srgbClr val="C00000"/>
+                </a:solidFill>
+                <a:headEnd type="none"/>
+                <a:tailEnd type="triangle" w="med" len="med"/>
+              </a:ln>
+            </p:spPr>
+            <p:style>
+              <a:lnRef idx="2">
+                <a:schemeClr val="accent1">
+                  <a:shade val="50000"/>
+                </a:schemeClr>
+              </a:lnRef>
+              <a:fillRef idx="1">
+                <a:schemeClr val="accent1"/>
+              </a:fillRef>
+              <a:effectRef idx="0">
+                <a:schemeClr val="accent1"/>
+              </a:effectRef>
+              <a:fontRef idx="minor">
+                <a:schemeClr val="lt1"/>
+              </a:fontRef>
+            </p:style>
+            <p:txBody>
+              <a:bodyPr rtlCol="0" anchor="ctr"/>
+              <a:p>
+                <a:pPr algn="ctr"/>
+                <a:endParaRPr lang="zh-CN" altLang="en-US"/>
+              </a:p>
+            </p:txBody>
+          </p:sp>
+        </p:grpSp>
       </p:grpSp>
-      <p:sp>
-        <p:nvSpPr>
-          <p:cNvPr id="37" name="文本框 36"/>
-          <p:cNvSpPr txBox="1"/>
-          <p:nvPr/>
-        </p:nvSpPr>
-        <p:spPr>
-          <a:xfrm>
-            <a:off x="2552065" y="3263900"/>
-            <a:ext cx="435610" cy="275590"/>
-          </a:xfrm>
-          <a:prstGeom prst="rect">
-            <a:avLst/>
-          </a:prstGeom>
-          <a:solidFill>
-            <a:schemeClr val="accent4">
-              <a:lumMod val="60000"/>
-              <a:lumOff val="40000"/>
-            </a:schemeClr>
-          </a:solidFill>
-          <a:ln>
-            <a:solidFill>
-              <a:schemeClr val="tx1"/>
-            </a:solidFill>
-          </a:ln>
-        </p:spPr>
-        <p:txBody>
-          <a:bodyPr wrap="square" rtlCol="0">
-            <a:spAutoFit/>
-          </a:bodyPr>
-          <a:p>
-            <a:pPr algn="ctr"/>
-            <a:r>
-              <a:rPr lang="en-US" altLang="zh-CN" sz="1200">
-                <a:latin typeface="Times New Roman" panose="02020603050405020304" charset="0"/>
-                <a:cs typeface="Times New Roman" panose="02020603050405020304" charset="0"/>
-              </a:rPr>
-              <a:t>cat</a:t>
-            </a:r>
-            <a:endParaRPr lang="en-US" altLang="zh-CN" sz="1200">
-              <a:latin typeface="Times New Roman" panose="02020603050405020304" charset="0"/>
-              <a:cs typeface="Times New Roman" panose="02020603050405020304" charset="0"/>
-            </a:endParaRPr>
-          </a:p>
-        </p:txBody>
-      </p:sp>
-      <p:sp>
-        <p:nvSpPr>
-          <p:cNvPr id="38" name="文本框 37"/>
-          <p:cNvSpPr txBox="1"/>
-          <p:nvPr/>
-        </p:nvSpPr>
-        <p:spPr>
-          <a:xfrm>
-            <a:off x="2552065" y="3607435"/>
-            <a:ext cx="436245" cy="275590"/>
-          </a:xfrm>
-          <a:prstGeom prst="rect">
-            <a:avLst/>
-          </a:prstGeom>
-          <a:solidFill>
-            <a:schemeClr val="accent4">
-              <a:lumMod val="60000"/>
-              <a:lumOff val="40000"/>
-            </a:schemeClr>
-          </a:solidFill>
-          <a:ln>
-            <a:solidFill>
-              <a:schemeClr val="tx1"/>
-            </a:solidFill>
-          </a:ln>
-        </p:spPr>
-        <p:txBody>
-          <a:bodyPr wrap="square" rtlCol="0">
-            <a:spAutoFit/>
-          </a:bodyPr>
-          <a:p>
-            <a:pPr algn="ctr"/>
-            <a:r>
-              <a:rPr lang="en-US" altLang="zh-CN" sz="1200">
-                <a:latin typeface="Times New Roman" panose="02020603050405020304" charset="0"/>
-                <a:cs typeface="Times New Roman" panose="02020603050405020304" charset="0"/>
-              </a:rPr>
-              <a:t>dog</a:t>
-            </a:r>
-            <a:endParaRPr lang="en-US" altLang="zh-CN" sz="1200">
-              <a:latin typeface="Times New Roman" panose="02020603050405020304" charset="0"/>
-              <a:cs typeface="Times New Roman" panose="02020603050405020304" charset="0"/>
-            </a:endParaRPr>
-          </a:p>
-        </p:txBody>
-      </p:sp>
-      <p:sp>
-        <p:nvSpPr>
-          <p:cNvPr id="50" name="圆角矩形 49"/>
-          <p:cNvSpPr/>
-          <p:nvPr/>
-        </p:nvSpPr>
-        <p:spPr>
-          <a:xfrm>
-            <a:off x="2348230" y="3136265"/>
-            <a:ext cx="723265" cy="885190"/>
-          </a:xfrm>
-          <a:prstGeom prst="roundRect">
-            <a:avLst>
-              <a:gd name="adj" fmla="val 33274"/>
-            </a:avLst>
-          </a:prstGeom>
-          <a:noFill/>
-          <a:ln>
-            <a:solidFill>
-              <a:srgbClr val="002060"/>
-            </a:solidFill>
-            <a:prstDash val="lgDash"/>
-          </a:ln>
-          <a:extLst>
-            <a:ext uri="{909E8E84-426E-40DD-AFC4-6F175D3DCCD1}">
-              <a14:hiddenFill xmlns:a14="http://schemas.microsoft.com/office/drawing/2010/main">
-                <a:solidFill>
-                  <a:schemeClr val="accent1"/>
-                </a:solidFill>
-              </a14:hiddenFill>
-            </a:ext>
-          </a:extLst>
-        </p:spPr>
-        <p:style>
-          <a:lnRef idx="2">
-            <a:schemeClr val="accent1">
-              <a:shade val="50000"/>
-            </a:schemeClr>
-          </a:lnRef>
-          <a:fillRef idx="1">
-            <a:schemeClr val="accent1"/>
-          </a:fillRef>
-          <a:effectRef idx="0">
-            <a:schemeClr val="accent1"/>
-          </a:effectRef>
-          <a:fontRef idx="minor">
-            <a:schemeClr val="lt1"/>
-          </a:fontRef>
-        </p:style>
-        <p:txBody>
-          <a:bodyPr rtlCol="0" anchor="ctr"/>
-          <a:p>
-            <a:pPr algn="ctr"/>
-            <a:endParaRPr lang="zh-CN" altLang="en-US"/>
-          </a:p>
-        </p:txBody>
-      </p:sp>
-      <p:cxnSp>
-        <p:nvCxnSpPr>
-          <p:cNvPr id="58" name="直接箭头连接符 57"/>
-          <p:cNvCxnSpPr>
-            <a:stCxn id="50" idx="3"/>
-            <a:endCxn id="206" idx="1"/>
-          </p:cNvCxnSpPr>
-          <p:nvPr/>
-        </p:nvCxnSpPr>
-        <p:spPr>
-          <a:xfrm flipV="1">
-            <a:off x="3071495" y="3576955"/>
-            <a:ext cx="401955" cy="1905"/>
-          </a:xfrm>
-          <a:prstGeom prst="straightConnector1">
-            <a:avLst/>
-          </a:prstGeom>
-          <a:ln>
-            <a:headEnd type="none" w="med" len="med"/>
-            <a:tailEnd type="triangle" w="med" len="med"/>
-          </a:ln>
-        </p:spPr>
-        <p:style>
-          <a:lnRef idx="2">
-            <a:schemeClr val="dk1"/>
-          </a:lnRef>
-          <a:fillRef idx="0">
-            <a:schemeClr val="dk1"/>
-          </a:fillRef>
-          <a:effectRef idx="1">
-            <a:schemeClr val="dk1"/>
-          </a:effectRef>
-          <a:fontRef idx="minor">
-            <a:schemeClr val="tx1"/>
-          </a:fontRef>
-        </p:style>
-      </p:cxnSp>
-      <p:sp>
-        <p:nvSpPr>
-          <p:cNvPr id="206" name="圆角矩形 205"/>
-          <p:cNvSpPr/>
-          <p:nvPr/>
-        </p:nvSpPr>
-        <p:spPr>
-          <a:xfrm>
-            <a:off x="3473450" y="2792730"/>
-            <a:ext cx="1522095" cy="1568450"/>
-          </a:xfrm>
-          <a:prstGeom prst="roundRect">
-            <a:avLst>
-              <a:gd name="adj" fmla="val 8093"/>
-            </a:avLst>
-          </a:prstGeom>
-          <a:solidFill>
-            <a:schemeClr val="bg1">
-              <a:lumMod val="95000"/>
-            </a:schemeClr>
-          </a:solidFill>
-          <a:ln>
-            <a:noFill/>
-          </a:ln>
-        </p:spPr>
-        <p:style>
-          <a:lnRef idx="2">
-            <a:schemeClr val="accent1">
-              <a:shade val="50000"/>
-            </a:schemeClr>
-          </a:lnRef>
-          <a:fillRef idx="1">
-            <a:schemeClr val="accent1"/>
-          </a:fillRef>
-          <a:effectRef idx="0">
-            <a:schemeClr val="accent1"/>
-          </a:effectRef>
-          <a:fontRef idx="minor">
-            <a:schemeClr val="lt1"/>
-          </a:fontRef>
-        </p:style>
-        <p:txBody>
-          <a:bodyPr rtlCol="0" anchor="ctr"/>
-          <a:p>
-            <a:pPr algn="ctr"/>
-            <a:endParaRPr lang="zh-CN" altLang="en-US"/>
-          </a:p>
-        </p:txBody>
-      </p:sp>
-      <p:grpSp>
-        <p:nvGrpSpPr>
-          <p:cNvPr id="204" name="组合 203"/>
-          <p:cNvGrpSpPr/>
-          <p:nvPr/>
-        </p:nvGrpSpPr>
-        <p:grpSpPr>
-          <a:xfrm rot="0">
-            <a:off x="3573145" y="3180080"/>
-            <a:ext cx="1322705" cy="1096010"/>
-            <a:chOff x="5699" y="5013"/>
-            <a:chExt cx="2083" cy="1726"/>
-          </a:xfrm>
-        </p:grpSpPr>
-        <p:sp>
-          <p:nvSpPr>
-            <p:cNvPr id="70" name="椭圆 69"/>
-            <p:cNvSpPr/>
-            <p:nvPr/>
-          </p:nvSpPr>
-          <p:spPr>
-            <a:xfrm>
-              <a:off x="6498" y="5013"/>
-              <a:ext cx="315" cy="315"/>
-            </a:xfrm>
-            <a:prstGeom prst="ellipse">
-              <a:avLst/>
-            </a:prstGeom>
-            <a:solidFill>
-              <a:schemeClr val="bg1">
-                <a:lumMod val="75000"/>
-              </a:schemeClr>
-            </a:solidFill>
-            <a:ln>
-              <a:solidFill>
-                <a:schemeClr val="tx1"/>
-              </a:solidFill>
-            </a:ln>
-          </p:spPr>
-          <p:style>
-            <a:lnRef idx="2">
-              <a:schemeClr val="accent1">
-                <a:shade val="50000"/>
-              </a:schemeClr>
-            </a:lnRef>
-            <a:fillRef idx="1">
-              <a:schemeClr val="accent1"/>
-            </a:fillRef>
-            <a:effectRef idx="0">
-              <a:schemeClr val="accent1"/>
-            </a:effectRef>
-            <a:fontRef idx="minor">
-              <a:schemeClr val="lt1"/>
-            </a:fontRef>
-          </p:style>
-          <p:txBody>
-            <a:bodyPr rtlCol="0" anchor="ctr"/>
-            <a:p>
-              <a:pPr algn="ctr"/>
-              <a:endParaRPr lang="zh-CN" altLang="en-US"/>
-            </a:p>
-          </p:txBody>
-        </p:sp>
-        <p:sp>
-          <p:nvSpPr>
-            <p:cNvPr id="71" name="椭圆 70"/>
-            <p:cNvSpPr/>
-            <p:nvPr/>
-          </p:nvSpPr>
-          <p:spPr>
-            <a:xfrm>
-              <a:off x="6001" y="5428"/>
-              <a:ext cx="315" cy="315"/>
-            </a:xfrm>
-            <a:prstGeom prst="ellipse">
-              <a:avLst/>
-            </a:prstGeom>
-            <a:solidFill>
-              <a:schemeClr val="bg1">
-                <a:lumMod val="75000"/>
-              </a:schemeClr>
-            </a:solidFill>
-            <a:ln>
-              <a:solidFill>
-                <a:schemeClr val="tx1"/>
-              </a:solidFill>
-            </a:ln>
-          </p:spPr>
-          <p:style>
-            <a:lnRef idx="2">
-              <a:schemeClr val="accent1">
-                <a:shade val="50000"/>
-              </a:schemeClr>
-            </a:lnRef>
-            <a:fillRef idx="1">
-              <a:schemeClr val="accent1"/>
-            </a:fillRef>
-            <a:effectRef idx="0">
-              <a:schemeClr val="accent1"/>
-            </a:effectRef>
-            <a:fontRef idx="minor">
-              <a:schemeClr val="lt1"/>
-            </a:fontRef>
-          </p:style>
-          <p:txBody>
-            <a:bodyPr rtlCol="0" anchor="ctr"/>
-            <a:p>
-              <a:pPr algn="ctr"/>
-              <a:endParaRPr lang="zh-CN" altLang="en-US"/>
-            </a:p>
-          </p:txBody>
-        </p:sp>
-        <p:sp>
-          <p:nvSpPr>
-            <p:cNvPr id="72" name="椭圆 71"/>
-            <p:cNvSpPr/>
-            <p:nvPr/>
-          </p:nvSpPr>
-          <p:spPr>
-            <a:xfrm>
-              <a:off x="6962" y="5428"/>
-              <a:ext cx="315" cy="315"/>
-            </a:xfrm>
-            <a:prstGeom prst="ellipse">
-              <a:avLst/>
-            </a:prstGeom>
-            <a:solidFill>
-              <a:schemeClr val="bg1">
-                <a:lumMod val="75000"/>
-              </a:schemeClr>
-            </a:solidFill>
-            <a:ln>
-              <a:solidFill>
-                <a:schemeClr val="tx1"/>
-              </a:solidFill>
-            </a:ln>
-          </p:spPr>
-          <p:style>
-            <a:lnRef idx="2">
-              <a:schemeClr val="accent1">
-                <a:shade val="50000"/>
-              </a:schemeClr>
-            </a:lnRef>
-            <a:fillRef idx="1">
-              <a:schemeClr val="accent1"/>
-            </a:fillRef>
-            <a:effectRef idx="0">
-              <a:schemeClr val="accent1"/>
-            </a:effectRef>
-            <a:fontRef idx="minor">
-              <a:schemeClr val="lt1"/>
-            </a:fontRef>
-          </p:style>
-          <p:txBody>
-            <a:bodyPr rtlCol="0" anchor="ctr"/>
-            <a:p>
-              <a:pPr algn="ctr"/>
-              <a:endParaRPr lang="zh-CN" altLang="en-US"/>
-            </a:p>
-          </p:txBody>
-        </p:sp>
-        <p:sp>
-          <p:nvSpPr>
-            <p:cNvPr id="77" name="椭圆 76"/>
-            <p:cNvSpPr/>
-            <p:nvPr/>
-          </p:nvSpPr>
-          <p:spPr>
-            <a:xfrm>
-              <a:off x="6104" y="5905"/>
-              <a:ext cx="315" cy="315"/>
-            </a:xfrm>
-            <a:prstGeom prst="ellipse">
-              <a:avLst/>
-            </a:prstGeom>
-            <a:solidFill>
-              <a:schemeClr val="bg1">
-                <a:lumMod val="75000"/>
-              </a:schemeClr>
-            </a:solidFill>
-            <a:ln>
-              <a:solidFill>
-                <a:schemeClr val="tx1"/>
-              </a:solidFill>
-            </a:ln>
-          </p:spPr>
-          <p:style>
-            <a:lnRef idx="2">
-              <a:schemeClr val="accent1">
-                <a:shade val="50000"/>
-              </a:schemeClr>
-            </a:lnRef>
-            <a:fillRef idx="1">
-              <a:schemeClr val="accent1"/>
-            </a:fillRef>
-            <a:effectRef idx="0">
-              <a:schemeClr val="accent1"/>
-            </a:effectRef>
-            <a:fontRef idx="minor">
-              <a:schemeClr val="lt1"/>
-            </a:fontRef>
-          </p:style>
-          <p:txBody>
-            <a:bodyPr rtlCol="0" anchor="ctr"/>
-            <a:p>
-              <a:pPr algn="ctr"/>
-              <a:endParaRPr lang="zh-CN" altLang="en-US"/>
-            </a:p>
-          </p:txBody>
-        </p:sp>
-        <p:sp>
-          <p:nvSpPr>
-            <p:cNvPr id="78" name="椭圆 77"/>
-            <p:cNvSpPr/>
-            <p:nvPr/>
-          </p:nvSpPr>
-          <p:spPr>
-            <a:xfrm>
-              <a:off x="7250" y="5905"/>
-              <a:ext cx="315" cy="315"/>
-            </a:xfrm>
-            <a:prstGeom prst="ellipse">
-              <a:avLst/>
-            </a:prstGeom>
-            <a:solidFill>
-              <a:schemeClr val="bg1">
-                <a:lumMod val="75000"/>
-              </a:schemeClr>
-            </a:solidFill>
-            <a:ln>
-              <a:solidFill>
-                <a:schemeClr val="tx1"/>
-              </a:solidFill>
-            </a:ln>
-          </p:spPr>
-          <p:style>
-            <a:lnRef idx="2">
-              <a:schemeClr val="accent1">
-                <a:shade val="50000"/>
-              </a:schemeClr>
-            </a:lnRef>
-            <a:fillRef idx="1">
-              <a:schemeClr val="accent1"/>
-            </a:fillRef>
-            <a:effectRef idx="0">
-              <a:schemeClr val="accent1"/>
-            </a:effectRef>
-            <a:fontRef idx="minor">
-              <a:schemeClr val="lt1"/>
-            </a:fontRef>
-          </p:style>
-          <p:txBody>
-            <a:bodyPr rtlCol="0" anchor="ctr"/>
-            <a:p>
-              <a:pPr algn="ctr"/>
-              <a:endParaRPr lang="zh-CN" altLang="en-US"/>
-            </a:p>
-          </p:txBody>
-        </p:sp>
-        <p:sp>
-          <p:nvSpPr>
-            <p:cNvPr id="80" name="矩形 79"/>
-            <p:cNvSpPr/>
-            <p:nvPr/>
-          </p:nvSpPr>
-          <p:spPr>
-            <a:xfrm>
-              <a:off x="5699" y="5926"/>
-              <a:ext cx="293" cy="293"/>
-            </a:xfrm>
-            <a:prstGeom prst="rect">
-              <a:avLst/>
-            </a:prstGeom>
-            <a:solidFill>
-              <a:srgbClr val="FFC000"/>
-            </a:solidFill>
-            <a:ln>
-              <a:solidFill>
-                <a:schemeClr val="tx1"/>
-              </a:solidFill>
-            </a:ln>
-          </p:spPr>
-          <p:style>
-            <a:lnRef idx="2">
-              <a:schemeClr val="accent1">
-                <a:shade val="50000"/>
-              </a:schemeClr>
-            </a:lnRef>
-            <a:fillRef idx="1">
-              <a:schemeClr val="accent1"/>
-            </a:fillRef>
-            <a:effectRef idx="0">
-              <a:schemeClr val="accent1"/>
-            </a:effectRef>
-            <a:fontRef idx="minor">
-              <a:schemeClr val="lt1"/>
-            </a:fontRef>
-          </p:style>
-          <p:txBody>
-            <a:bodyPr rtlCol="0" anchor="ctr"/>
-            <a:p>
-              <a:pPr algn="ctr"/>
-              <a:endParaRPr lang="zh-CN" altLang="en-US"/>
-            </a:p>
-          </p:txBody>
-        </p:sp>
-        <p:sp>
-          <p:nvSpPr>
-            <p:cNvPr id="81" name="矩形 80"/>
-            <p:cNvSpPr/>
-            <p:nvPr/>
-          </p:nvSpPr>
-          <p:spPr>
-            <a:xfrm>
-              <a:off x="6845" y="5926"/>
-              <a:ext cx="293" cy="293"/>
-            </a:xfrm>
-            <a:prstGeom prst="rect">
-              <a:avLst/>
-            </a:prstGeom>
-            <a:solidFill>
-              <a:srgbClr val="FFC000"/>
-            </a:solidFill>
-            <a:ln>
-              <a:solidFill>
-                <a:schemeClr val="tx1"/>
-              </a:solidFill>
-            </a:ln>
-          </p:spPr>
-          <p:style>
-            <a:lnRef idx="2">
-              <a:schemeClr val="accent1">
-                <a:shade val="50000"/>
-              </a:schemeClr>
-            </a:lnRef>
-            <a:fillRef idx="1">
-              <a:schemeClr val="accent1"/>
-            </a:fillRef>
-            <a:effectRef idx="0">
-              <a:schemeClr val="accent1"/>
-            </a:effectRef>
-            <a:fontRef idx="minor">
-              <a:schemeClr val="lt1"/>
-            </a:fontRef>
-          </p:style>
-          <p:txBody>
-            <a:bodyPr rtlCol="0" anchor="ctr"/>
-            <a:p>
-              <a:pPr algn="ctr"/>
-              <a:endParaRPr lang="zh-CN" altLang="en-US"/>
-            </a:p>
-          </p:txBody>
-        </p:sp>
-        <p:sp>
-          <p:nvSpPr>
-            <p:cNvPr id="82" name="矩形 81"/>
-            <p:cNvSpPr/>
-            <p:nvPr/>
-          </p:nvSpPr>
-          <p:spPr>
-            <a:xfrm>
-              <a:off x="5899" y="6447"/>
-              <a:ext cx="293" cy="293"/>
-            </a:xfrm>
-            <a:prstGeom prst="rect">
-              <a:avLst/>
-            </a:prstGeom>
-            <a:solidFill>
-              <a:srgbClr val="FFC000"/>
-            </a:solidFill>
-            <a:ln>
-              <a:solidFill>
-                <a:schemeClr val="tx1"/>
-              </a:solidFill>
-            </a:ln>
-          </p:spPr>
-          <p:style>
-            <a:lnRef idx="2">
-              <a:schemeClr val="accent1">
-                <a:shade val="50000"/>
-              </a:schemeClr>
-            </a:lnRef>
-            <a:fillRef idx="1">
-              <a:schemeClr val="accent1"/>
-            </a:fillRef>
-            <a:effectRef idx="0">
-              <a:schemeClr val="accent1"/>
-            </a:effectRef>
-            <a:fontRef idx="minor">
-              <a:schemeClr val="lt1"/>
-            </a:fontRef>
-          </p:style>
-          <p:txBody>
-            <a:bodyPr rtlCol="0" anchor="ctr"/>
-            <a:p>
-              <a:pPr algn="ctr"/>
-              <a:endParaRPr lang="zh-CN" altLang="en-US"/>
-            </a:p>
-          </p:txBody>
-        </p:sp>
-        <p:sp>
-          <p:nvSpPr>
-            <p:cNvPr id="83" name="矩形 82"/>
-            <p:cNvSpPr/>
-            <p:nvPr/>
-          </p:nvSpPr>
-          <p:spPr>
-            <a:xfrm>
-              <a:off x="6316" y="6447"/>
-              <a:ext cx="293" cy="293"/>
-            </a:xfrm>
-            <a:prstGeom prst="rect">
-              <a:avLst/>
-            </a:prstGeom>
-            <a:solidFill>
-              <a:srgbClr val="FFC000"/>
-            </a:solidFill>
-            <a:ln>
-              <a:solidFill>
-                <a:schemeClr val="tx1"/>
-              </a:solidFill>
-            </a:ln>
-          </p:spPr>
-          <p:style>
-            <a:lnRef idx="2">
-              <a:schemeClr val="accent1">
-                <a:shade val="50000"/>
-              </a:schemeClr>
-            </a:lnRef>
-            <a:fillRef idx="1">
-              <a:schemeClr val="accent1"/>
-            </a:fillRef>
-            <a:effectRef idx="0">
-              <a:schemeClr val="accent1"/>
-            </a:effectRef>
-            <a:fontRef idx="minor">
-              <a:schemeClr val="lt1"/>
-            </a:fontRef>
-          </p:style>
-          <p:txBody>
-            <a:bodyPr rtlCol="0" anchor="ctr"/>
-            <a:p>
-              <a:pPr algn="ctr"/>
-              <a:endParaRPr lang="zh-CN" altLang="en-US"/>
-            </a:p>
-          </p:txBody>
-        </p:sp>
-        <p:sp>
-          <p:nvSpPr>
-            <p:cNvPr id="84" name="矩形 83"/>
-            <p:cNvSpPr/>
-            <p:nvPr/>
-          </p:nvSpPr>
-          <p:spPr>
-            <a:xfrm>
-              <a:off x="7064" y="6447"/>
-              <a:ext cx="293" cy="293"/>
-            </a:xfrm>
-            <a:prstGeom prst="rect">
-              <a:avLst/>
-            </a:prstGeom>
-            <a:solidFill>
-              <a:srgbClr val="FFC000"/>
-            </a:solidFill>
-            <a:ln>
-              <a:solidFill>
-                <a:schemeClr val="tx1"/>
-              </a:solidFill>
-            </a:ln>
-          </p:spPr>
-          <p:style>
-            <a:lnRef idx="2">
-              <a:schemeClr val="accent1">
-                <a:shade val="50000"/>
-              </a:schemeClr>
-            </a:lnRef>
-            <a:fillRef idx="1">
-              <a:schemeClr val="accent1"/>
-            </a:fillRef>
-            <a:effectRef idx="0">
-              <a:schemeClr val="accent1"/>
-            </a:effectRef>
-            <a:fontRef idx="minor">
-              <a:schemeClr val="lt1"/>
-            </a:fontRef>
-          </p:style>
-          <p:txBody>
-            <a:bodyPr rtlCol="0" anchor="ctr"/>
-            <a:p>
-              <a:pPr algn="ctr"/>
-              <a:endParaRPr lang="zh-CN" altLang="en-US"/>
-            </a:p>
-          </p:txBody>
-        </p:sp>
-        <p:sp>
-          <p:nvSpPr>
-            <p:cNvPr id="85" name="矩形 84"/>
-            <p:cNvSpPr/>
-            <p:nvPr/>
-          </p:nvSpPr>
-          <p:spPr>
-            <a:xfrm>
-              <a:off x="7490" y="6447"/>
-              <a:ext cx="293" cy="293"/>
-            </a:xfrm>
-            <a:prstGeom prst="rect">
-              <a:avLst/>
-            </a:prstGeom>
-            <a:solidFill>
-              <a:srgbClr val="FFC000"/>
-            </a:solidFill>
-            <a:ln>
-              <a:solidFill>
-                <a:schemeClr val="tx1"/>
-              </a:solidFill>
-            </a:ln>
-          </p:spPr>
-          <p:style>
-            <a:lnRef idx="2">
-              <a:schemeClr val="accent1">
-                <a:shade val="50000"/>
-              </a:schemeClr>
-            </a:lnRef>
-            <a:fillRef idx="1">
-              <a:schemeClr val="accent1"/>
-            </a:fillRef>
-            <a:effectRef idx="0">
-              <a:schemeClr val="accent1"/>
-            </a:effectRef>
-            <a:fontRef idx="minor">
-              <a:schemeClr val="lt1"/>
-            </a:fontRef>
-          </p:style>
-          <p:txBody>
-            <a:bodyPr rtlCol="0" anchor="ctr"/>
-            <a:p>
-              <a:pPr algn="ctr"/>
-              <a:endParaRPr lang="zh-CN" altLang="en-US"/>
-            </a:p>
-          </p:txBody>
-        </p:sp>
-        <p:cxnSp>
-          <p:nvCxnSpPr>
-            <p:cNvPr id="86" name="直接箭头连接符 85"/>
-            <p:cNvCxnSpPr>
-              <a:stCxn id="70" idx="4"/>
-              <a:endCxn id="71" idx="0"/>
-            </p:cNvCxnSpPr>
-            <p:nvPr/>
-          </p:nvCxnSpPr>
-          <p:spPr>
-            <a:xfrm flipH="1">
-              <a:off x="6159" y="5328"/>
-              <a:ext cx="496" cy="100"/>
-            </a:xfrm>
-            <a:prstGeom prst="straightConnector1">
-              <a:avLst/>
-            </a:prstGeom>
-            <a:solidFill>
-              <a:srgbClr val="00B0F0"/>
-            </a:solidFill>
-            <a:ln>
-              <a:solidFill>
-                <a:schemeClr val="tx1"/>
-              </a:solidFill>
-              <a:headEnd type="none"/>
-              <a:tailEnd type="triangle" w="med" len="med"/>
-            </a:ln>
-          </p:spPr>
-          <p:style>
-            <a:lnRef idx="1">
-              <a:schemeClr val="accent1"/>
-            </a:lnRef>
-            <a:fillRef idx="0">
-              <a:schemeClr val="accent1"/>
-            </a:fillRef>
-            <a:effectRef idx="0">
-              <a:schemeClr val="accent1"/>
-            </a:effectRef>
-            <a:fontRef idx="minor">
-              <a:schemeClr val="tx1"/>
-            </a:fontRef>
-          </p:style>
-        </p:cxnSp>
-        <p:cxnSp>
-          <p:nvCxnSpPr>
-            <p:cNvPr id="87" name="直接箭头连接符 86"/>
-            <p:cNvCxnSpPr>
-              <a:stCxn id="70" idx="4"/>
-              <a:endCxn id="72" idx="0"/>
-            </p:cNvCxnSpPr>
-            <p:nvPr/>
-          </p:nvCxnSpPr>
-          <p:spPr>
-            <a:xfrm>
-              <a:off x="6655" y="5328"/>
-              <a:ext cx="464" cy="100"/>
-            </a:xfrm>
-            <a:prstGeom prst="straightConnector1">
-              <a:avLst/>
-            </a:prstGeom>
-            <a:solidFill>
-              <a:srgbClr val="00B0F0"/>
-            </a:solidFill>
-            <a:ln>
-              <a:solidFill>
-                <a:schemeClr val="tx1"/>
-              </a:solidFill>
-              <a:headEnd type="none"/>
-              <a:tailEnd type="triangle" w="med" len="med"/>
-            </a:ln>
-          </p:spPr>
-          <p:style>
-            <a:lnRef idx="1">
-              <a:schemeClr val="accent1"/>
-            </a:lnRef>
-            <a:fillRef idx="0">
-              <a:schemeClr val="accent1"/>
-            </a:fillRef>
-            <a:effectRef idx="0">
-              <a:schemeClr val="accent1"/>
-            </a:effectRef>
-            <a:fontRef idx="minor">
-              <a:schemeClr val="tx1"/>
-            </a:fontRef>
-          </p:style>
-        </p:cxnSp>
-        <p:cxnSp>
-          <p:nvCxnSpPr>
-            <p:cNvPr id="88" name="直接箭头连接符 87"/>
-            <p:cNvCxnSpPr>
-              <a:stCxn id="71" idx="4"/>
-              <a:endCxn id="80" idx="0"/>
-            </p:cNvCxnSpPr>
-            <p:nvPr/>
-          </p:nvCxnSpPr>
-          <p:spPr>
-            <a:xfrm flipH="1">
-              <a:off x="5846" y="5742"/>
-              <a:ext cx="313" cy="184"/>
-            </a:xfrm>
-            <a:prstGeom prst="straightConnector1">
-              <a:avLst/>
-            </a:prstGeom>
-            <a:solidFill>
-              <a:schemeClr val="accent3">
-                <a:lumMod val="75000"/>
-              </a:schemeClr>
-            </a:solidFill>
-            <a:ln>
-              <a:solidFill>
-                <a:schemeClr val="tx1"/>
-              </a:solidFill>
-              <a:headEnd type="none"/>
-              <a:tailEnd type="triangle" w="med" len="med"/>
-            </a:ln>
-          </p:spPr>
-          <p:style>
-            <a:lnRef idx="1">
-              <a:schemeClr val="accent1"/>
-            </a:lnRef>
-            <a:fillRef idx="0">
-              <a:schemeClr val="accent1"/>
-            </a:fillRef>
-            <a:effectRef idx="0">
-              <a:schemeClr val="accent1"/>
-            </a:effectRef>
-            <a:fontRef idx="minor">
-              <a:schemeClr val="tx1"/>
-            </a:fontRef>
-          </p:style>
-        </p:cxnSp>
-        <p:cxnSp>
-          <p:nvCxnSpPr>
-            <p:cNvPr id="89" name="直接箭头连接符 88"/>
-            <p:cNvCxnSpPr>
-              <a:stCxn id="71" idx="4"/>
-              <a:endCxn id="77" idx="0"/>
-            </p:cNvCxnSpPr>
-            <p:nvPr/>
-          </p:nvCxnSpPr>
-          <p:spPr>
-            <a:xfrm>
-              <a:off x="6159" y="5742"/>
-              <a:ext cx="103" cy="162"/>
-            </a:xfrm>
-            <a:prstGeom prst="straightConnector1">
-              <a:avLst/>
-            </a:prstGeom>
-            <a:solidFill>
-              <a:srgbClr val="00B0F0"/>
-            </a:solidFill>
-            <a:ln>
-              <a:solidFill>
-                <a:schemeClr val="tx1"/>
-              </a:solidFill>
-              <a:headEnd type="none"/>
-              <a:tailEnd type="triangle" w="med" len="med"/>
-            </a:ln>
-          </p:spPr>
-          <p:style>
-            <a:lnRef idx="1">
-              <a:schemeClr val="accent1"/>
-            </a:lnRef>
-            <a:fillRef idx="0">
-              <a:schemeClr val="accent1"/>
-            </a:fillRef>
-            <a:effectRef idx="0">
-              <a:schemeClr val="accent1"/>
-            </a:effectRef>
-            <a:fontRef idx="minor">
-              <a:schemeClr val="tx1"/>
-            </a:fontRef>
-          </p:style>
-        </p:cxnSp>
-        <p:cxnSp>
-          <p:nvCxnSpPr>
-            <p:cNvPr id="90" name="直接箭头连接符 89"/>
-            <p:cNvCxnSpPr>
-              <a:stCxn id="72" idx="4"/>
-              <a:endCxn id="81" idx="0"/>
-            </p:cNvCxnSpPr>
-            <p:nvPr/>
-          </p:nvCxnSpPr>
-          <p:spPr>
-            <a:xfrm flipH="1">
-              <a:off x="6992" y="5742"/>
-              <a:ext cx="127" cy="184"/>
-            </a:xfrm>
-            <a:prstGeom prst="straightConnector1">
-              <a:avLst/>
-            </a:prstGeom>
-            <a:solidFill>
-              <a:srgbClr val="00B0F0"/>
-            </a:solidFill>
-            <a:ln>
-              <a:solidFill>
-                <a:schemeClr val="tx1"/>
-              </a:solidFill>
-              <a:headEnd type="none"/>
-              <a:tailEnd type="triangle" w="med" len="med"/>
-            </a:ln>
-          </p:spPr>
-          <p:style>
-            <a:lnRef idx="1">
-              <a:schemeClr val="accent1"/>
-            </a:lnRef>
-            <a:fillRef idx="0">
-              <a:schemeClr val="accent1"/>
-            </a:fillRef>
-            <a:effectRef idx="0">
-              <a:schemeClr val="accent1"/>
-            </a:effectRef>
-            <a:fontRef idx="minor">
-              <a:schemeClr val="tx1"/>
-            </a:fontRef>
-          </p:style>
-        </p:cxnSp>
-        <p:cxnSp>
-          <p:nvCxnSpPr>
-            <p:cNvPr id="91" name="直接箭头连接符 90"/>
-            <p:cNvCxnSpPr>
-              <a:stCxn id="72" idx="4"/>
-              <a:endCxn id="78" idx="0"/>
-            </p:cNvCxnSpPr>
-            <p:nvPr/>
-          </p:nvCxnSpPr>
-          <p:spPr>
-            <a:xfrm>
-              <a:off x="7119" y="5742"/>
-              <a:ext cx="288" cy="162"/>
-            </a:xfrm>
-            <a:prstGeom prst="straightConnector1">
-              <a:avLst/>
-            </a:prstGeom>
-            <a:solidFill>
-              <a:srgbClr val="00B0F0"/>
-            </a:solidFill>
-            <a:ln>
-              <a:solidFill>
-                <a:schemeClr val="tx1"/>
-              </a:solidFill>
-              <a:headEnd type="none"/>
-              <a:tailEnd type="triangle" w="med" len="med"/>
-            </a:ln>
-          </p:spPr>
-          <p:style>
-            <a:lnRef idx="1">
-              <a:schemeClr val="accent1"/>
-            </a:lnRef>
-            <a:fillRef idx="0">
-              <a:schemeClr val="accent1"/>
-            </a:fillRef>
-            <a:effectRef idx="0">
-              <a:schemeClr val="accent1"/>
-            </a:effectRef>
-            <a:fontRef idx="minor">
-              <a:schemeClr val="tx1"/>
-            </a:fontRef>
-          </p:style>
-        </p:cxnSp>
-        <p:cxnSp>
-          <p:nvCxnSpPr>
-            <p:cNvPr id="92" name="直接箭头连接符 91"/>
-            <p:cNvCxnSpPr>
-              <a:stCxn id="77" idx="4"/>
-              <a:endCxn id="82" idx="0"/>
-            </p:cNvCxnSpPr>
-            <p:nvPr/>
-          </p:nvCxnSpPr>
-          <p:spPr>
-            <a:xfrm flipH="1">
-              <a:off x="6046" y="6219"/>
-              <a:ext cx="216" cy="227"/>
-            </a:xfrm>
-            <a:prstGeom prst="straightConnector1">
-              <a:avLst/>
-            </a:prstGeom>
-            <a:solidFill>
-              <a:schemeClr val="bg1">
-                <a:lumMod val="75000"/>
-              </a:schemeClr>
-            </a:solidFill>
-            <a:ln>
-              <a:solidFill>
-                <a:schemeClr val="tx1"/>
-              </a:solidFill>
-              <a:headEnd type="none"/>
-              <a:tailEnd type="triangle" w="med" len="med"/>
-            </a:ln>
-          </p:spPr>
-          <p:style>
-            <a:lnRef idx="1">
-              <a:schemeClr val="accent1"/>
-            </a:lnRef>
-            <a:fillRef idx="0">
-              <a:schemeClr val="accent1"/>
-            </a:fillRef>
-            <a:effectRef idx="0">
-              <a:schemeClr val="accent1"/>
-            </a:effectRef>
-            <a:fontRef idx="minor">
-              <a:schemeClr val="tx1"/>
-            </a:fontRef>
-          </p:style>
-        </p:cxnSp>
-        <p:cxnSp>
-          <p:nvCxnSpPr>
-            <p:cNvPr id="93" name="直接箭头连接符 92"/>
-            <p:cNvCxnSpPr>
-              <a:stCxn id="77" idx="4"/>
-              <a:endCxn id="83" idx="0"/>
-            </p:cNvCxnSpPr>
-            <p:nvPr/>
-          </p:nvCxnSpPr>
-          <p:spPr>
-            <a:xfrm>
-              <a:off x="6262" y="6219"/>
-              <a:ext cx="201" cy="227"/>
-            </a:xfrm>
-            <a:prstGeom prst="straightConnector1">
-              <a:avLst/>
-            </a:prstGeom>
-            <a:solidFill>
-              <a:schemeClr val="bg1">
-                <a:lumMod val="75000"/>
-              </a:schemeClr>
-            </a:solidFill>
-            <a:ln>
-              <a:solidFill>
-                <a:schemeClr val="tx1"/>
-              </a:solidFill>
-              <a:headEnd type="none"/>
-              <a:tailEnd type="triangle" w="med" len="med"/>
-            </a:ln>
-          </p:spPr>
-          <p:style>
-            <a:lnRef idx="1">
-              <a:schemeClr val="accent1"/>
-            </a:lnRef>
-            <a:fillRef idx="0">
-              <a:schemeClr val="accent1"/>
-            </a:fillRef>
-            <a:effectRef idx="0">
-              <a:schemeClr val="accent1"/>
-            </a:effectRef>
-            <a:fontRef idx="minor">
-              <a:schemeClr val="tx1"/>
-            </a:fontRef>
-          </p:style>
-        </p:cxnSp>
-        <p:cxnSp>
-          <p:nvCxnSpPr>
-            <p:cNvPr id="94" name="直接箭头连接符 93"/>
-            <p:cNvCxnSpPr>
-              <a:stCxn id="78" idx="4"/>
-              <a:endCxn id="84" idx="0"/>
-            </p:cNvCxnSpPr>
-            <p:nvPr/>
-          </p:nvCxnSpPr>
-          <p:spPr>
-            <a:xfrm flipH="1">
-              <a:off x="7211" y="6219"/>
-              <a:ext cx="196" cy="227"/>
-            </a:xfrm>
-            <a:prstGeom prst="straightConnector1">
-              <a:avLst/>
-            </a:prstGeom>
-            <a:solidFill>
-              <a:schemeClr val="bg1">
-                <a:lumMod val="75000"/>
-              </a:schemeClr>
-            </a:solidFill>
-            <a:ln>
-              <a:solidFill>
-                <a:schemeClr val="tx1"/>
-              </a:solidFill>
-              <a:headEnd type="none"/>
-              <a:tailEnd type="triangle" w="med" len="med"/>
-            </a:ln>
-          </p:spPr>
-          <p:style>
-            <a:lnRef idx="1">
-              <a:schemeClr val="accent1"/>
-            </a:lnRef>
-            <a:fillRef idx="0">
-              <a:schemeClr val="accent1"/>
-            </a:fillRef>
-            <a:effectRef idx="0">
-              <a:schemeClr val="accent1"/>
-            </a:effectRef>
-            <a:fontRef idx="minor">
-              <a:schemeClr val="tx1"/>
-            </a:fontRef>
-          </p:style>
-        </p:cxnSp>
-        <p:cxnSp>
-          <p:nvCxnSpPr>
-            <p:cNvPr id="95" name="直接箭头连接符 94"/>
-            <p:cNvCxnSpPr>
-              <a:stCxn id="78" idx="4"/>
-              <a:endCxn id="85" idx="0"/>
-            </p:cNvCxnSpPr>
-            <p:nvPr/>
-          </p:nvCxnSpPr>
-          <p:spPr>
-            <a:xfrm>
-              <a:off x="7407" y="6219"/>
-              <a:ext cx="229" cy="227"/>
-            </a:xfrm>
-            <a:prstGeom prst="straightConnector1">
-              <a:avLst/>
-            </a:prstGeom>
-            <a:solidFill>
-              <a:schemeClr val="bg1">
-                <a:lumMod val="75000"/>
-              </a:schemeClr>
-            </a:solidFill>
-            <a:ln>
-              <a:solidFill>
-                <a:schemeClr val="tx1"/>
-              </a:solidFill>
-              <a:headEnd type="none"/>
-              <a:tailEnd type="triangle" w="med" len="med"/>
-            </a:ln>
-          </p:spPr>
-          <p:style>
-            <a:lnRef idx="1">
-              <a:schemeClr val="accent1"/>
-            </a:lnRef>
-            <a:fillRef idx="0">
-              <a:schemeClr val="accent1"/>
-            </a:fillRef>
-            <a:effectRef idx="0">
-              <a:schemeClr val="accent1"/>
-            </a:effectRef>
-            <a:fontRef idx="minor">
-              <a:schemeClr val="tx1"/>
-            </a:fontRef>
-          </p:style>
-        </p:cxnSp>
-      </p:grpSp>
-      <p:sp>
-        <p:nvSpPr>
-          <p:cNvPr id="148" name="文本框 147"/>
-          <p:cNvSpPr txBox="1"/>
-          <p:nvPr/>
-        </p:nvSpPr>
-        <p:spPr>
-          <a:xfrm>
-            <a:off x="3609340" y="2792730"/>
-            <a:ext cx="1249680" cy="306705"/>
-          </a:xfrm>
-          <a:prstGeom prst="rect">
-            <a:avLst/>
-          </a:prstGeom>
-          <a:noFill/>
-        </p:spPr>
-        <p:txBody>
-          <a:bodyPr wrap="none" rtlCol="0" anchor="t">
-            <a:spAutoFit/>
-          </a:bodyPr>
-          <a:p>
-            <a:pPr algn="ctr"/>
-            <a:r>
-              <a:rPr lang="zh-CN" altLang="en-US" sz="1400">
-                <a:latin typeface="+mj-ea"/>
-                <a:ea typeface="+mj-ea"/>
-                <a:sym typeface="+mn-ea"/>
-              </a:rPr>
-              <a:t>预测</a:t>
-            </a:r>
-            <a:r>
-              <a:rPr lang="zh-CN" altLang="en-US" sz="1400">
-                <a:latin typeface="+mj-ea"/>
-                <a:ea typeface="+mj-ea"/>
-                <a:sym typeface="+mn-ea"/>
-              </a:rPr>
-              <a:t>行为模拟</a:t>
-            </a:r>
-            <a:endParaRPr lang="zh-CN" altLang="en-US" sz="1400">
-              <a:latin typeface="+mj-ea"/>
-              <a:ea typeface="+mj-ea"/>
-              <a:sym typeface="+mn-ea"/>
-            </a:endParaRPr>
-          </a:p>
-        </p:txBody>
-      </p:sp>
-      <p:sp>
-        <p:nvSpPr>
-          <p:cNvPr id="208" name="圆角矩形 207"/>
-          <p:cNvSpPr/>
-          <p:nvPr/>
-        </p:nvSpPr>
-        <p:spPr>
-          <a:xfrm>
-            <a:off x="5374640" y="2792730"/>
-            <a:ext cx="1522095" cy="1568450"/>
-          </a:xfrm>
-          <a:prstGeom prst="roundRect">
-            <a:avLst>
-              <a:gd name="adj" fmla="val 8093"/>
-            </a:avLst>
-          </a:prstGeom>
-          <a:solidFill>
-            <a:schemeClr val="bg1">
-              <a:lumMod val="95000"/>
-            </a:schemeClr>
-          </a:solidFill>
-          <a:ln>
-            <a:noFill/>
-          </a:ln>
-        </p:spPr>
-        <p:style>
-          <a:lnRef idx="2">
-            <a:schemeClr val="accent1">
-              <a:shade val="50000"/>
-            </a:schemeClr>
-          </a:lnRef>
-          <a:fillRef idx="1">
-            <a:schemeClr val="accent1"/>
-          </a:fillRef>
-          <a:effectRef idx="0">
-            <a:schemeClr val="accent1"/>
-          </a:effectRef>
-          <a:fontRef idx="minor">
-            <a:schemeClr val="lt1"/>
-          </a:fontRef>
-        </p:style>
-        <p:txBody>
-          <a:bodyPr rtlCol="0" anchor="ctr"/>
-          <a:p>
-            <a:pPr algn="ctr"/>
-            <a:endParaRPr lang="zh-CN" altLang="en-US"/>
-          </a:p>
-        </p:txBody>
-      </p:sp>
-      <p:sp>
-        <p:nvSpPr>
-          <p:cNvPr id="149" name="文本框 148"/>
-          <p:cNvSpPr txBox="1"/>
-          <p:nvPr/>
-        </p:nvSpPr>
-        <p:spPr>
-          <a:xfrm>
-            <a:off x="5422265" y="2792730"/>
-            <a:ext cx="1427480" cy="306705"/>
-          </a:xfrm>
-          <a:prstGeom prst="rect">
-            <a:avLst/>
-          </a:prstGeom>
-          <a:noFill/>
-        </p:spPr>
-        <p:txBody>
-          <a:bodyPr wrap="none" rtlCol="0" anchor="t">
-            <a:spAutoFit/>
-          </a:bodyPr>
-          <a:p>
-            <a:pPr algn="ctr"/>
-            <a:r>
-              <a:rPr lang="zh-CN" altLang="en-US" sz="1400">
-                <a:latin typeface="+mj-ea"/>
-                <a:ea typeface="+mj-ea"/>
-                <a:sym typeface="+mn-ea"/>
-              </a:rPr>
-              <a:t>决策路径</a:t>
-            </a:r>
-            <a:r>
-              <a:rPr lang="zh-CN" altLang="en-US" sz="1400">
-                <a:latin typeface="+mj-ea"/>
-                <a:ea typeface="+mj-ea"/>
-                <a:sym typeface="+mn-ea"/>
-              </a:rPr>
-              <a:t>覆盖度</a:t>
-            </a:r>
-            <a:endParaRPr lang="zh-CN" altLang="en-US" sz="1400">
-              <a:latin typeface="+mj-ea"/>
-              <a:ea typeface="+mj-ea"/>
-              <a:sym typeface="+mn-ea"/>
-            </a:endParaRPr>
-          </a:p>
-        </p:txBody>
-      </p:sp>
-      <p:grpSp>
-        <p:nvGrpSpPr>
-          <p:cNvPr id="205" name="组合 204"/>
-          <p:cNvGrpSpPr/>
-          <p:nvPr/>
-        </p:nvGrpSpPr>
-        <p:grpSpPr>
-          <a:xfrm rot="0">
-            <a:off x="5474335" y="3145155"/>
-            <a:ext cx="1322705" cy="1096010"/>
-            <a:chOff x="8959" y="4958"/>
-            <a:chExt cx="2083" cy="1726"/>
-          </a:xfrm>
-        </p:grpSpPr>
-        <p:sp>
-          <p:nvSpPr>
-            <p:cNvPr id="181" name="椭圆 180"/>
-            <p:cNvSpPr/>
-            <p:nvPr/>
-          </p:nvSpPr>
-          <p:spPr>
-            <a:xfrm>
-              <a:off x="9758" y="4958"/>
-              <a:ext cx="315" cy="315"/>
-            </a:xfrm>
-            <a:prstGeom prst="ellipse">
-              <a:avLst/>
-            </a:prstGeom>
-            <a:solidFill>
-              <a:schemeClr val="bg1">
-                <a:lumMod val="75000"/>
-              </a:schemeClr>
-            </a:solidFill>
-            <a:ln>
-              <a:solidFill>
-                <a:schemeClr val="tx1"/>
-              </a:solidFill>
-            </a:ln>
-          </p:spPr>
-          <p:style>
-            <a:lnRef idx="2">
-              <a:schemeClr val="accent1">
-                <a:shade val="50000"/>
-              </a:schemeClr>
-            </a:lnRef>
-            <a:fillRef idx="1">
-              <a:schemeClr val="accent1"/>
-            </a:fillRef>
-            <a:effectRef idx="0">
-              <a:schemeClr val="accent1"/>
-            </a:effectRef>
-            <a:fontRef idx="minor">
-              <a:schemeClr val="lt1"/>
-            </a:fontRef>
-          </p:style>
-          <p:txBody>
-            <a:bodyPr rtlCol="0" anchor="ctr"/>
-            <a:p>
-              <a:pPr algn="ctr"/>
-              <a:endParaRPr lang="zh-CN" altLang="en-US"/>
-            </a:p>
-          </p:txBody>
-        </p:sp>
-        <p:sp>
-          <p:nvSpPr>
-            <p:cNvPr id="182" name="椭圆 181"/>
-            <p:cNvSpPr/>
-            <p:nvPr/>
-          </p:nvSpPr>
-          <p:spPr>
-            <a:xfrm>
-              <a:off x="9261" y="5373"/>
-              <a:ext cx="315" cy="315"/>
-            </a:xfrm>
-            <a:prstGeom prst="ellipse">
-              <a:avLst/>
-            </a:prstGeom>
-            <a:solidFill>
-              <a:schemeClr val="bg1">
-                <a:lumMod val="75000"/>
-              </a:schemeClr>
-            </a:solidFill>
-            <a:ln>
-              <a:solidFill>
-                <a:schemeClr val="tx1"/>
-              </a:solidFill>
-            </a:ln>
-          </p:spPr>
-          <p:style>
-            <a:lnRef idx="2">
-              <a:schemeClr val="accent1">
-                <a:shade val="50000"/>
-              </a:schemeClr>
-            </a:lnRef>
-            <a:fillRef idx="1">
-              <a:schemeClr val="accent1"/>
-            </a:fillRef>
-            <a:effectRef idx="0">
-              <a:schemeClr val="accent1"/>
-            </a:effectRef>
-            <a:fontRef idx="minor">
-              <a:schemeClr val="lt1"/>
-            </a:fontRef>
-          </p:style>
-          <p:txBody>
-            <a:bodyPr rtlCol="0" anchor="ctr"/>
-            <a:p>
-              <a:pPr algn="ctr"/>
-              <a:endParaRPr lang="zh-CN" altLang="en-US"/>
-            </a:p>
-          </p:txBody>
-        </p:sp>
-        <p:sp>
-          <p:nvSpPr>
-            <p:cNvPr id="183" name="椭圆 182"/>
-            <p:cNvSpPr/>
-            <p:nvPr/>
-          </p:nvSpPr>
-          <p:spPr>
-            <a:xfrm>
-              <a:off x="10222" y="5373"/>
-              <a:ext cx="315" cy="315"/>
-            </a:xfrm>
-            <a:prstGeom prst="ellipse">
-              <a:avLst/>
-            </a:prstGeom>
-            <a:solidFill>
-              <a:schemeClr val="bg1">
-                <a:lumMod val="75000"/>
-              </a:schemeClr>
-            </a:solidFill>
-            <a:ln>
-              <a:solidFill>
-                <a:schemeClr val="tx1"/>
-              </a:solidFill>
-            </a:ln>
-          </p:spPr>
-          <p:style>
-            <a:lnRef idx="2">
-              <a:schemeClr val="accent1">
-                <a:shade val="50000"/>
-              </a:schemeClr>
-            </a:lnRef>
-            <a:fillRef idx="1">
-              <a:schemeClr val="accent1"/>
-            </a:fillRef>
-            <a:effectRef idx="0">
-              <a:schemeClr val="accent1"/>
-            </a:effectRef>
-            <a:fontRef idx="minor">
-              <a:schemeClr val="lt1"/>
-            </a:fontRef>
-          </p:style>
-          <p:txBody>
-            <a:bodyPr rtlCol="0" anchor="ctr"/>
-            <a:p>
-              <a:pPr algn="ctr"/>
-              <a:endParaRPr lang="zh-CN" altLang="en-US"/>
-            </a:p>
-          </p:txBody>
-        </p:sp>
-        <p:sp>
-          <p:nvSpPr>
-            <p:cNvPr id="184" name="椭圆 183"/>
-            <p:cNvSpPr/>
-            <p:nvPr/>
-          </p:nvSpPr>
-          <p:spPr>
-            <a:xfrm>
-              <a:off x="9364" y="5850"/>
-              <a:ext cx="315" cy="315"/>
-            </a:xfrm>
-            <a:prstGeom prst="ellipse">
-              <a:avLst/>
-            </a:prstGeom>
-            <a:solidFill>
-              <a:schemeClr val="bg1">
-                <a:lumMod val="75000"/>
-              </a:schemeClr>
-            </a:solidFill>
-            <a:ln>
-              <a:solidFill>
-                <a:schemeClr val="tx1"/>
-              </a:solidFill>
-            </a:ln>
-          </p:spPr>
-          <p:style>
-            <a:lnRef idx="2">
-              <a:schemeClr val="accent1">
-                <a:shade val="50000"/>
-              </a:schemeClr>
-            </a:lnRef>
-            <a:fillRef idx="1">
-              <a:schemeClr val="accent1"/>
-            </a:fillRef>
-            <a:effectRef idx="0">
-              <a:schemeClr val="accent1"/>
-            </a:effectRef>
-            <a:fontRef idx="minor">
-              <a:schemeClr val="lt1"/>
-            </a:fontRef>
-          </p:style>
-          <p:txBody>
-            <a:bodyPr rtlCol="0" anchor="ctr"/>
-            <a:p>
-              <a:pPr algn="ctr"/>
-              <a:endParaRPr lang="zh-CN" altLang="en-US"/>
-            </a:p>
-          </p:txBody>
-        </p:sp>
-        <p:sp>
-          <p:nvSpPr>
-            <p:cNvPr id="185" name="椭圆 184"/>
-            <p:cNvSpPr/>
-            <p:nvPr/>
-          </p:nvSpPr>
-          <p:spPr>
-            <a:xfrm>
-              <a:off x="10510" y="5850"/>
-              <a:ext cx="315" cy="315"/>
-            </a:xfrm>
-            <a:prstGeom prst="ellipse">
-              <a:avLst/>
-            </a:prstGeom>
-            <a:solidFill>
-              <a:schemeClr val="bg1">
-                <a:lumMod val="75000"/>
-              </a:schemeClr>
-            </a:solidFill>
-            <a:ln>
-              <a:solidFill>
-                <a:schemeClr val="tx1"/>
-              </a:solidFill>
-            </a:ln>
-          </p:spPr>
-          <p:style>
-            <a:lnRef idx="2">
-              <a:schemeClr val="accent1">
-                <a:shade val="50000"/>
-              </a:schemeClr>
-            </a:lnRef>
-            <a:fillRef idx="1">
-              <a:schemeClr val="accent1"/>
-            </a:fillRef>
-            <a:effectRef idx="0">
-              <a:schemeClr val="accent1"/>
-            </a:effectRef>
-            <a:fontRef idx="minor">
-              <a:schemeClr val="lt1"/>
-            </a:fontRef>
-          </p:style>
-          <p:txBody>
-            <a:bodyPr rtlCol="0" anchor="ctr"/>
-            <a:p>
-              <a:pPr algn="ctr"/>
-              <a:endParaRPr lang="zh-CN" altLang="en-US"/>
-            </a:p>
-          </p:txBody>
-        </p:sp>
-        <p:sp>
-          <p:nvSpPr>
-            <p:cNvPr id="186" name="矩形 185"/>
-            <p:cNvSpPr/>
-            <p:nvPr/>
-          </p:nvSpPr>
-          <p:spPr>
-            <a:xfrm>
-              <a:off x="8959" y="5871"/>
-              <a:ext cx="293" cy="293"/>
-            </a:xfrm>
-            <a:prstGeom prst="rect">
-              <a:avLst/>
-            </a:prstGeom>
-            <a:solidFill>
-              <a:srgbClr val="FFC000"/>
-            </a:solidFill>
-            <a:ln>
-              <a:solidFill>
-                <a:schemeClr val="tx1"/>
-              </a:solidFill>
-            </a:ln>
-          </p:spPr>
-          <p:style>
-            <a:lnRef idx="2">
-              <a:schemeClr val="accent1">
-                <a:shade val="50000"/>
-              </a:schemeClr>
-            </a:lnRef>
-            <a:fillRef idx="1">
-              <a:schemeClr val="accent1"/>
-            </a:fillRef>
-            <a:effectRef idx="0">
-              <a:schemeClr val="accent1"/>
-            </a:effectRef>
-            <a:fontRef idx="minor">
-              <a:schemeClr val="lt1"/>
-            </a:fontRef>
-          </p:style>
-          <p:txBody>
-            <a:bodyPr rtlCol="0" anchor="ctr"/>
-            <a:p>
-              <a:pPr algn="ctr"/>
-              <a:endParaRPr lang="zh-CN" altLang="en-US"/>
-            </a:p>
-          </p:txBody>
-        </p:sp>
-        <p:sp>
-          <p:nvSpPr>
-            <p:cNvPr id="187" name="矩形 186"/>
-            <p:cNvSpPr/>
-            <p:nvPr/>
-          </p:nvSpPr>
-          <p:spPr>
-            <a:xfrm>
-              <a:off x="10105" y="5871"/>
-              <a:ext cx="293" cy="293"/>
-            </a:xfrm>
-            <a:prstGeom prst="rect">
-              <a:avLst/>
-            </a:prstGeom>
-            <a:solidFill>
-              <a:srgbClr val="FFC000"/>
-            </a:solidFill>
-            <a:ln>
-              <a:solidFill>
-                <a:schemeClr val="tx1"/>
-              </a:solidFill>
-            </a:ln>
-          </p:spPr>
-          <p:style>
-            <a:lnRef idx="2">
-              <a:schemeClr val="accent1">
-                <a:shade val="50000"/>
-              </a:schemeClr>
-            </a:lnRef>
-            <a:fillRef idx="1">
-              <a:schemeClr val="accent1"/>
-            </a:fillRef>
-            <a:effectRef idx="0">
-              <a:schemeClr val="accent1"/>
-            </a:effectRef>
-            <a:fontRef idx="minor">
-              <a:schemeClr val="lt1"/>
-            </a:fontRef>
-          </p:style>
-          <p:txBody>
-            <a:bodyPr rtlCol="0" anchor="ctr"/>
-            <a:p>
-              <a:pPr algn="ctr"/>
-              <a:endParaRPr lang="zh-CN" altLang="en-US"/>
-            </a:p>
-          </p:txBody>
-        </p:sp>
-        <p:sp>
-          <p:nvSpPr>
-            <p:cNvPr id="188" name="矩形 187"/>
-            <p:cNvSpPr/>
-            <p:nvPr/>
-          </p:nvSpPr>
-          <p:spPr>
-            <a:xfrm>
-              <a:off x="9159" y="6392"/>
-              <a:ext cx="293" cy="293"/>
-            </a:xfrm>
-            <a:prstGeom prst="rect">
-              <a:avLst/>
-            </a:prstGeom>
-            <a:solidFill>
-              <a:srgbClr val="FFC000"/>
-            </a:solidFill>
-            <a:ln>
-              <a:solidFill>
-                <a:schemeClr val="tx1"/>
-              </a:solidFill>
-            </a:ln>
-          </p:spPr>
-          <p:style>
-            <a:lnRef idx="2">
-              <a:schemeClr val="accent1">
-                <a:shade val="50000"/>
-              </a:schemeClr>
-            </a:lnRef>
-            <a:fillRef idx="1">
-              <a:schemeClr val="accent1"/>
-            </a:fillRef>
-            <a:effectRef idx="0">
-              <a:schemeClr val="accent1"/>
-            </a:effectRef>
-            <a:fontRef idx="minor">
-              <a:schemeClr val="lt1"/>
-            </a:fontRef>
-          </p:style>
-          <p:txBody>
-            <a:bodyPr rtlCol="0" anchor="ctr"/>
-            <a:p>
-              <a:pPr algn="ctr"/>
-              <a:endParaRPr lang="zh-CN" altLang="en-US"/>
-            </a:p>
-          </p:txBody>
-        </p:sp>
-        <p:sp>
-          <p:nvSpPr>
-            <p:cNvPr id="189" name="矩形 188"/>
-            <p:cNvSpPr/>
-            <p:nvPr/>
-          </p:nvSpPr>
-          <p:spPr>
-            <a:xfrm>
-              <a:off x="9576" y="6392"/>
-              <a:ext cx="293" cy="293"/>
-            </a:xfrm>
-            <a:prstGeom prst="rect">
-              <a:avLst/>
-            </a:prstGeom>
-            <a:solidFill>
-              <a:srgbClr val="FFC000"/>
-            </a:solidFill>
-            <a:ln>
-              <a:solidFill>
-                <a:schemeClr val="tx1"/>
-              </a:solidFill>
-            </a:ln>
-          </p:spPr>
-          <p:style>
-            <a:lnRef idx="2">
-              <a:schemeClr val="accent1">
-                <a:shade val="50000"/>
-              </a:schemeClr>
-            </a:lnRef>
-            <a:fillRef idx="1">
-              <a:schemeClr val="accent1"/>
-            </a:fillRef>
-            <a:effectRef idx="0">
-              <a:schemeClr val="accent1"/>
-            </a:effectRef>
-            <a:fontRef idx="minor">
-              <a:schemeClr val="lt1"/>
-            </a:fontRef>
-          </p:style>
-          <p:txBody>
-            <a:bodyPr rtlCol="0" anchor="ctr"/>
-            <a:p>
-              <a:pPr algn="ctr"/>
-              <a:endParaRPr lang="zh-CN" altLang="en-US"/>
-            </a:p>
-          </p:txBody>
-        </p:sp>
-        <p:sp>
-          <p:nvSpPr>
-            <p:cNvPr id="190" name="矩形 189"/>
-            <p:cNvSpPr/>
-            <p:nvPr/>
-          </p:nvSpPr>
-          <p:spPr>
-            <a:xfrm>
-              <a:off x="10324" y="6392"/>
-              <a:ext cx="293" cy="293"/>
-            </a:xfrm>
-            <a:prstGeom prst="rect">
-              <a:avLst/>
-            </a:prstGeom>
-            <a:solidFill>
-              <a:srgbClr val="FFC000"/>
-            </a:solidFill>
-            <a:ln>
-              <a:solidFill>
-                <a:schemeClr val="tx1"/>
-              </a:solidFill>
-            </a:ln>
-          </p:spPr>
-          <p:style>
-            <a:lnRef idx="2">
-              <a:schemeClr val="accent1">
-                <a:shade val="50000"/>
-              </a:schemeClr>
-            </a:lnRef>
-            <a:fillRef idx="1">
-              <a:schemeClr val="accent1"/>
-            </a:fillRef>
-            <a:effectRef idx="0">
-              <a:schemeClr val="accent1"/>
-            </a:effectRef>
-            <a:fontRef idx="minor">
-              <a:schemeClr val="lt1"/>
-            </a:fontRef>
-          </p:style>
-          <p:txBody>
-            <a:bodyPr rtlCol="0" anchor="ctr"/>
-            <a:p>
-              <a:pPr algn="ctr"/>
-              <a:endParaRPr lang="zh-CN" altLang="en-US"/>
-            </a:p>
-          </p:txBody>
-        </p:sp>
-        <p:sp>
-          <p:nvSpPr>
-            <p:cNvPr id="191" name="矩形 190"/>
-            <p:cNvSpPr/>
-            <p:nvPr/>
-          </p:nvSpPr>
-          <p:spPr>
-            <a:xfrm>
-              <a:off x="10750" y="6392"/>
-              <a:ext cx="293" cy="293"/>
-            </a:xfrm>
-            <a:prstGeom prst="rect">
-              <a:avLst/>
-            </a:prstGeom>
-            <a:solidFill>
-              <a:srgbClr val="FFC000"/>
-            </a:solidFill>
-            <a:ln>
-              <a:solidFill>
-                <a:schemeClr val="tx1"/>
-              </a:solidFill>
-            </a:ln>
-          </p:spPr>
-          <p:style>
-            <a:lnRef idx="2">
-              <a:schemeClr val="accent1">
-                <a:shade val="50000"/>
-              </a:schemeClr>
-            </a:lnRef>
-            <a:fillRef idx="1">
-              <a:schemeClr val="accent1"/>
-            </a:fillRef>
-            <a:effectRef idx="0">
-              <a:schemeClr val="accent1"/>
-            </a:effectRef>
-            <a:fontRef idx="minor">
-              <a:schemeClr val="lt1"/>
-            </a:fontRef>
-          </p:style>
-          <p:txBody>
-            <a:bodyPr rtlCol="0" anchor="ctr"/>
-            <a:p>
-              <a:pPr algn="ctr"/>
-              <a:endParaRPr lang="zh-CN" altLang="en-US"/>
-            </a:p>
-          </p:txBody>
-        </p:sp>
-        <p:cxnSp>
-          <p:nvCxnSpPr>
-            <p:cNvPr id="192" name="直接箭头连接符 191"/>
-            <p:cNvCxnSpPr>
-              <a:stCxn id="181" idx="4"/>
-              <a:endCxn id="182" idx="0"/>
-            </p:cNvCxnSpPr>
-            <p:nvPr/>
-          </p:nvCxnSpPr>
-          <p:spPr>
-            <a:xfrm flipH="1">
-              <a:off x="9419" y="5273"/>
-              <a:ext cx="497" cy="100"/>
-            </a:xfrm>
-            <a:prstGeom prst="straightConnector1">
-              <a:avLst/>
-            </a:prstGeom>
-            <a:solidFill>
-              <a:srgbClr val="00B0F0"/>
-            </a:solidFill>
-            <a:ln>
-              <a:solidFill>
-                <a:schemeClr val="tx1"/>
-              </a:solidFill>
-              <a:headEnd type="none"/>
-              <a:tailEnd type="triangle" w="med" len="med"/>
-            </a:ln>
-          </p:spPr>
-          <p:style>
-            <a:lnRef idx="1">
-              <a:schemeClr val="accent1"/>
-            </a:lnRef>
-            <a:fillRef idx="0">
-              <a:schemeClr val="accent1"/>
-            </a:fillRef>
-            <a:effectRef idx="0">
-              <a:schemeClr val="accent1"/>
-            </a:effectRef>
-            <a:fontRef idx="minor">
-              <a:schemeClr val="tx1"/>
-            </a:fontRef>
-          </p:style>
-        </p:cxnSp>
-        <p:cxnSp>
-          <p:nvCxnSpPr>
-            <p:cNvPr id="193" name="直接箭头连接符 192"/>
-            <p:cNvCxnSpPr>
-              <a:stCxn id="181" idx="4"/>
-              <a:endCxn id="183" idx="0"/>
-            </p:cNvCxnSpPr>
-            <p:nvPr/>
-          </p:nvCxnSpPr>
-          <p:spPr>
-            <a:xfrm>
-              <a:off x="9916" y="5273"/>
-              <a:ext cx="464" cy="100"/>
-            </a:xfrm>
-            <a:prstGeom prst="straightConnector1">
-              <a:avLst/>
-            </a:prstGeom>
-            <a:solidFill>
-              <a:srgbClr val="00B0F0"/>
-            </a:solidFill>
-            <a:ln>
-              <a:solidFill>
-                <a:schemeClr val="tx1"/>
-              </a:solidFill>
-              <a:headEnd type="none"/>
-              <a:tailEnd type="triangle" w="med" len="med"/>
-            </a:ln>
-          </p:spPr>
-          <p:style>
-            <a:lnRef idx="1">
-              <a:schemeClr val="accent1"/>
-            </a:lnRef>
-            <a:fillRef idx="0">
-              <a:schemeClr val="accent1"/>
-            </a:fillRef>
-            <a:effectRef idx="0">
-              <a:schemeClr val="accent1"/>
-            </a:effectRef>
-            <a:fontRef idx="minor">
-              <a:schemeClr val="tx1"/>
-            </a:fontRef>
-          </p:style>
-        </p:cxnSp>
-        <p:cxnSp>
-          <p:nvCxnSpPr>
-            <p:cNvPr id="194" name="直接箭头连接符 193"/>
-            <p:cNvCxnSpPr>
-              <a:stCxn id="182" idx="4"/>
-              <a:endCxn id="186" idx="0"/>
-            </p:cNvCxnSpPr>
-            <p:nvPr/>
-          </p:nvCxnSpPr>
-          <p:spPr>
-            <a:xfrm flipH="1">
-              <a:off x="9106" y="5688"/>
-              <a:ext cx="313" cy="183"/>
-            </a:xfrm>
-            <a:prstGeom prst="straightConnector1">
-              <a:avLst/>
-            </a:prstGeom>
-            <a:solidFill>
-              <a:schemeClr val="accent3">
-                <a:lumMod val="75000"/>
-              </a:schemeClr>
-            </a:solidFill>
-            <a:ln>
-              <a:solidFill>
-                <a:schemeClr val="tx1"/>
-              </a:solidFill>
-              <a:headEnd type="none"/>
-              <a:tailEnd type="triangle" w="med" len="med"/>
-            </a:ln>
-          </p:spPr>
-          <p:style>
-            <a:lnRef idx="1">
-              <a:schemeClr val="accent1"/>
-            </a:lnRef>
-            <a:fillRef idx="0">
-              <a:schemeClr val="accent1"/>
-            </a:fillRef>
-            <a:effectRef idx="0">
-              <a:schemeClr val="accent1"/>
-            </a:effectRef>
-            <a:fontRef idx="minor">
-              <a:schemeClr val="tx1"/>
-            </a:fontRef>
-          </p:style>
-        </p:cxnSp>
-        <p:cxnSp>
-          <p:nvCxnSpPr>
-            <p:cNvPr id="195" name="直接箭头连接符 194"/>
-            <p:cNvCxnSpPr>
-              <a:stCxn id="182" idx="4"/>
-              <a:endCxn id="184" idx="0"/>
-            </p:cNvCxnSpPr>
-            <p:nvPr/>
-          </p:nvCxnSpPr>
-          <p:spPr>
-            <a:xfrm>
-              <a:off x="9419" y="5688"/>
-              <a:ext cx="103" cy="162"/>
-            </a:xfrm>
-            <a:prstGeom prst="straightConnector1">
-              <a:avLst/>
-            </a:prstGeom>
-            <a:solidFill>
-              <a:srgbClr val="00B0F0"/>
-            </a:solidFill>
-            <a:ln>
-              <a:solidFill>
-                <a:schemeClr val="tx1"/>
-              </a:solidFill>
-              <a:headEnd type="none"/>
-              <a:tailEnd type="triangle" w="med" len="med"/>
-            </a:ln>
-          </p:spPr>
-          <p:style>
-            <a:lnRef idx="1">
-              <a:schemeClr val="accent1"/>
-            </a:lnRef>
-            <a:fillRef idx="0">
-              <a:schemeClr val="accent1"/>
-            </a:fillRef>
-            <a:effectRef idx="0">
-              <a:schemeClr val="accent1"/>
-            </a:effectRef>
-            <a:fontRef idx="minor">
-              <a:schemeClr val="tx1"/>
-            </a:fontRef>
-          </p:style>
-        </p:cxnSp>
-        <p:cxnSp>
-          <p:nvCxnSpPr>
-            <p:cNvPr id="196" name="直接箭头连接符 195"/>
-            <p:cNvCxnSpPr>
-              <a:stCxn id="183" idx="4"/>
-              <a:endCxn id="187" idx="0"/>
-            </p:cNvCxnSpPr>
-            <p:nvPr/>
-          </p:nvCxnSpPr>
-          <p:spPr>
-            <a:xfrm flipH="1">
-              <a:off x="10252" y="5688"/>
-              <a:ext cx="128" cy="183"/>
-            </a:xfrm>
-            <a:prstGeom prst="straightConnector1">
-              <a:avLst/>
-            </a:prstGeom>
-            <a:solidFill>
-              <a:srgbClr val="00B0F0"/>
-            </a:solidFill>
-            <a:ln>
-              <a:solidFill>
-                <a:schemeClr val="tx1"/>
-              </a:solidFill>
-              <a:headEnd type="none"/>
-              <a:tailEnd type="triangle" w="med" len="med"/>
-            </a:ln>
-          </p:spPr>
-          <p:style>
-            <a:lnRef idx="1">
-              <a:schemeClr val="accent1"/>
-            </a:lnRef>
-            <a:fillRef idx="0">
-              <a:schemeClr val="accent1"/>
-            </a:fillRef>
-            <a:effectRef idx="0">
-              <a:schemeClr val="accent1"/>
-            </a:effectRef>
-            <a:fontRef idx="minor">
-              <a:schemeClr val="tx1"/>
-            </a:fontRef>
-          </p:style>
-        </p:cxnSp>
-        <p:cxnSp>
-          <p:nvCxnSpPr>
-            <p:cNvPr id="197" name="直接箭头连接符 196"/>
-            <p:cNvCxnSpPr>
-              <a:stCxn id="183" idx="4"/>
-              <a:endCxn id="185" idx="0"/>
-            </p:cNvCxnSpPr>
-            <p:nvPr/>
-          </p:nvCxnSpPr>
-          <p:spPr>
-            <a:xfrm>
-              <a:off x="10380" y="5688"/>
-              <a:ext cx="288" cy="162"/>
-            </a:xfrm>
-            <a:prstGeom prst="straightConnector1">
-              <a:avLst/>
-            </a:prstGeom>
-            <a:solidFill>
-              <a:srgbClr val="00B0F0"/>
-            </a:solidFill>
-            <a:ln>
-              <a:solidFill>
-                <a:schemeClr val="tx1"/>
-              </a:solidFill>
-              <a:headEnd type="none"/>
-              <a:tailEnd type="triangle" w="med" len="med"/>
-            </a:ln>
-          </p:spPr>
-          <p:style>
-            <a:lnRef idx="1">
-              <a:schemeClr val="accent1"/>
-            </a:lnRef>
-            <a:fillRef idx="0">
-              <a:schemeClr val="accent1"/>
-            </a:fillRef>
-            <a:effectRef idx="0">
-              <a:schemeClr val="accent1"/>
-            </a:effectRef>
-            <a:fontRef idx="minor">
-              <a:schemeClr val="tx1"/>
-            </a:fontRef>
-          </p:style>
-        </p:cxnSp>
-        <p:cxnSp>
-          <p:nvCxnSpPr>
-            <p:cNvPr id="198" name="直接箭头连接符 197"/>
-            <p:cNvCxnSpPr>
-              <a:stCxn id="184" idx="4"/>
-              <a:endCxn id="188" idx="0"/>
-            </p:cNvCxnSpPr>
-            <p:nvPr/>
-          </p:nvCxnSpPr>
-          <p:spPr>
-            <a:xfrm flipH="1">
-              <a:off x="9306" y="6165"/>
-              <a:ext cx="216" cy="227"/>
-            </a:xfrm>
-            <a:prstGeom prst="straightConnector1">
-              <a:avLst/>
-            </a:prstGeom>
-            <a:solidFill>
-              <a:schemeClr val="bg1">
-                <a:lumMod val="75000"/>
-              </a:schemeClr>
-            </a:solidFill>
-            <a:ln>
-              <a:solidFill>
-                <a:schemeClr val="tx1"/>
-              </a:solidFill>
-              <a:headEnd type="none"/>
-              <a:tailEnd type="triangle" w="med" len="med"/>
-            </a:ln>
-          </p:spPr>
-          <p:style>
-            <a:lnRef idx="1">
-              <a:schemeClr val="accent1"/>
-            </a:lnRef>
-            <a:fillRef idx="0">
-              <a:schemeClr val="accent1"/>
-            </a:fillRef>
-            <a:effectRef idx="0">
-              <a:schemeClr val="accent1"/>
-            </a:effectRef>
-            <a:fontRef idx="minor">
-              <a:schemeClr val="tx1"/>
-            </a:fontRef>
-          </p:style>
-        </p:cxnSp>
-        <p:cxnSp>
-          <p:nvCxnSpPr>
-            <p:cNvPr id="199" name="直接箭头连接符 198"/>
-            <p:cNvCxnSpPr>
-              <a:stCxn id="184" idx="4"/>
-              <a:endCxn id="189" idx="0"/>
-            </p:cNvCxnSpPr>
-            <p:nvPr/>
-          </p:nvCxnSpPr>
-          <p:spPr>
-            <a:xfrm>
-              <a:off x="9522" y="6165"/>
-              <a:ext cx="201" cy="227"/>
-            </a:xfrm>
-            <a:prstGeom prst="straightConnector1">
-              <a:avLst/>
-            </a:prstGeom>
-            <a:solidFill>
-              <a:schemeClr val="bg1">
-                <a:lumMod val="75000"/>
-              </a:schemeClr>
-            </a:solidFill>
-            <a:ln>
-              <a:solidFill>
-                <a:schemeClr val="tx1"/>
-              </a:solidFill>
-              <a:headEnd type="none"/>
-              <a:tailEnd type="triangle" w="med" len="med"/>
-            </a:ln>
-          </p:spPr>
-          <p:style>
-            <a:lnRef idx="1">
-              <a:schemeClr val="accent1"/>
-            </a:lnRef>
-            <a:fillRef idx="0">
-              <a:schemeClr val="accent1"/>
-            </a:fillRef>
-            <a:effectRef idx="0">
-              <a:schemeClr val="accent1"/>
-            </a:effectRef>
-            <a:fontRef idx="minor">
-              <a:schemeClr val="tx1"/>
-            </a:fontRef>
-          </p:style>
-        </p:cxnSp>
-        <p:cxnSp>
-          <p:nvCxnSpPr>
-            <p:cNvPr id="200" name="直接箭头连接符 199"/>
-            <p:cNvCxnSpPr>
-              <a:stCxn id="185" idx="4"/>
-              <a:endCxn id="190" idx="0"/>
-            </p:cNvCxnSpPr>
-            <p:nvPr/>
-          </p:nvCxnSpPr>
-          <p:spPr>
-            <a:xfrm flipH="1">
-              <a:off x="10471" y="6165"/>
-              <a:ext cx="197" cy="227"/>
-            </a:xfrm>
-            <a:prstGeom prst="straightConnector1">
-              <a:avLst/>
-            </a:prstGeom>
-            <a:solidFill>
-              <a:schemeClr val="bg1">
-                <a:lumMod val="75000"/>
-              </a:schemeClr>
-            </a:solidFill>
-            <a:ln>
-              <a:solidFill>
-                <a:schemeClr val="tx1"/>
-              </a:solidFill>
-              <a:headEnd type="none"/>
-              <a:tailEnd type="triangle" w="med" len="med"/>
-            </a:ln>
-          </p:spPr>
-          <p:style>
-            <a:lnRef idx="1">
-              <a:schemeClr val="accent1"/>
-            </a:lnRef>
-            <a:fillRef idx="0">
-              <a:schemeClr val="accent1"/>
-            </a:fillRef>
-            <a:effectRef idx="0">
-              <a:schemeClr val="accent1"/>
-            </a:effectRef>
-            <a:fontRef idx="minor">
-              <a:schemeClr val="tx1"/>
-            </a:fontRef>
-          </p:style>
-        </p:cxnSp>
-        <p:cxnSp>
-          <p:nvCxnSpPr>
-            <p:cNvPr id="201" name="直接箭头连接符 200"/>
-            <p:cNvCxnSpPr>
-              <a:stCxn id="185" idx="4"/>
-              <a:endCxn id="191" idx="0"/>
-            </p:cNvCxnSpPr>
-            <p:nvPr/>
-          </p:nvCxnSpPr>
-          <p:spPr>
-            <a:xfrm>
-              <a:off x="10668" y="6165"/>
-              <a:ext cx="229" cy="227"/>
-            </a:xfrm>
-            <a:prstGeom prst="straightConnector1">
-              <a:avLst/>
-            </a:prstGeom>
-            <a:solidFill>
-              <a:schemeClr val="bg1">
-                <a:lumMod val="75000"/>
-              </a:schemeClr>
-            </a:solidFill>
-            <a:ln>
-              <a:solidFill>
-                <a:schemeClr val="tx1"/>
-              </a:solidFill>
-              <a:headEnd type="none"/>
-              <a:tailEnd type="triangle" w="med" len="med"/>
-            </a:ln>
-          </p:spPr>
-          <p:style>
-            <a:lnRef idx="1">
-              <a:schemeClr val="accent1"/>
-            </a:lnRef>
-            <a:fillRef idx="0">
-              <a:schemeClr val="accent1"/>
-            </a:fillRef>
-            <a:effectRef idx="0">
-              <a:schemeClr val="accent1"/>
-            </a:effectRef>
-            <a:fontRef idx="minor">
-              <a:schemeClr val="tx1"/>
-            </a:fontRef>
-          </p:style>
-        </p:cxnSp>
-        <p:sp>
-          <p:nvSpPr>
-            <p:cNvPr id="202" name="任意多边形 201"/>
-            <p:cNvSpPr/>
-            <p:nvPr/>
-          </p:nvSpPr>
-          <p:spPr>
-            <a:xfrm>
-              <a:off x="9406" y="5117"/>
-              <a:ext cx="526" cy="1442"/>
-            </a:xfrm>
-            <a:custGeom>
-              <a:avLst/>
-              <a:gdLst>
-                <a:gd name="connisteX0" fmla="*/ 343473 w 343473"/>
-                <a:gd name="connsiteY0" fmla="*/ 0 h 942975"/>
-                <a:gd name="connisteX1" fmla="*/ 14543 w 343473"/>
-                <a:gd name="connsiteY1" fmla="*/ 271780 h 942975"/>
-                <a:gd name="connisteX2" fmla="*/ 95823 w 343473"/>
-                <a:gd name="connsiteY2" fmla="*/ 590550 h 942975"/>
-                <a:gd name="connisteX3" fmla="*/ 219648 w 343473"/>
-                <a:gd name="connsiteY3" fmla="*/ 942975 h 942975"/>
-                <a:gd name="connisteX4" fmla="*/ 205043 w 343473"/>
-                <a:gd name="connsiteY4" fmla="*/ 914400 h 942975"/>
-              </a:gdLst>
-              <a:ahLst/>
-              <a:cxnLst>
-                <a:cxn ang="0">
-                  <a:pos x="connisteX0" y="connsiteY0"/>
-                </a:cxn>
-                <a:cxn ang="0">
-                  <a:pos x="connisteX1" y="connsiteY1"/>
-                </a:cxn>
-                <a:cxn ang="0">
-                  <a:pos x="connisteX2" y="connsiteY2"/>
-                </a:cxn>
-                <a:cxn ang="0">
-                  <a:pos x="connisteX3" y="connsiteY3"/>
-                </a:cxn>
-                <a:cxn ang="0">
-                  <a:pos x="connisteX4" y="connsiteY4"/>
-                </a:cxn>
-              </a:cxnLst>
-              <a:rect l="l" t="t" r="r" b="b"/>
-              <a:pathLst>
-                <a:path w="343473" h="942975">
-                  <a:moveTo>
-                    <a:pt x="343473" y="0"/>
-                  </a:moveTo>
-                  <a:cubicBezTo>
-                    <a:pt x="276163" y="48260"/>
-                    <a:pt x="64073" y="153670"/>
-                    <a:pt x="14543" y="271780"/>
-                  </a:cubicBezTo>
-                  <a:cubicBezTo>
-                    <a:pt x="-34987" y="389890"/>
-                    <a:pt x="54548" y="456565"/>
-                    <a:pt x="95823" y="590550"/>
-                  </a:cubicBezTo>
-                  <a:cubicBezTo>
-                    <a:pt x="137098" y="724535"/>
-                    <a:pt x="198058" y="878205"/>
-                    <a:pt x="219648" y="942975"/>
-                  </a:cubicBezTo>
-                </a:path>
-              </a:pathLst>
-            </a:custGeom>
-            <a:noFill/>
-            <a:ln w="38100">
-              <a:gradFill>
-                <a:gsLst>
-                  <a:gs pos="0">
-                    <a:srgbClr val="7B32B2"/>
-                  </a:gs>
-                  <a:gs pos="100000">
-                    <a:srgbClr val="401A5D"/>
-                  </a:gs>
-                </a:gsLst>
-              </a:gradFill>
-              <a:headEnd type="none"/>
-              <a:tailEnd type="triangle" w="med" len="med"/>
-            </a:ln>
-          </p:spPr>
-          <p:style>
-            <a:lnRef idx="2">
-              <a:schemeClr val="accent1">
-                <a:shade val="50000"/>
-              </a:schemeClr>
-            </a:lnRef>
-            <a:fillRef idx="1">
-              <a:schemeClr val="accent1"/>
-            </a:fillRef>
-            <a:effectRef idx="0">
-              <a:schemeClr val="accent1"/>
-            </a:effectRef>
-            <a:fontRef idx="minor">
-              <a:schemeClr val="lt1"/>
-            </a:fontRef>
-          </p:style>
-          <p:txBody>
-            <a:bodyPr rtlCol="0" anchor="ctr"/>
-            <a:p>
-              <a:pPr algn="ctr"/>
-              <a:endParaRPr lang="zh-CN" altLang="en-US"/>
-            </a:p>
-          </p:txBody>
-        </p:sp>
-        <p:sp>
-          <p:nvSpPr>
-            <p:cNvPr id="203" name="任意多边形 202"/>
-            <p:cNvSpPr/>
-            <p:nvPr/>
-          </p:nvSpPr>
-          <p:spPr>
-            <a:xfrm>
-              <a:off x="9924" y="5125"/>
-              <a:ext cx="984" cy="1420"/>
-            </a:xfrm>
-            <a:custGeom>
-              <a:avLst/>
-              <a:gdLst>
-                <a:gd name="connisteX0" fmla="*/ 0 w 643255"/>
-                <a:gd name="connsiteY0" fmla="*/ 0 h 928370"/>
-                <a:gd name="connisteX1" fmla="*/ 304800 w 643255"/>
-                <a:gd name="connsiteY1" fmla="*/ 271145 h 928370"/>
-                <a:gd name="connisteX2" fmla="*/ 485775 w 643255"/>
-                <a:gd name="connsiteY2" fmla="*/ 575945 h 928370"/>
-                <a:gd name="connisteX3" fmla="*/ 643255 w 643255"/>
-                <a:gd name="connsiteY3" fmla="*/ 928370 h 928370"/>
-                <a:gd name="connisteX4" fmla="*/ 586105 w 643255"/>
-                <a:gd name="connsiteY4" fmla="*/ 895350 h 928370"/>
-              </a:gdLst>
-              <a:ahLst/>
-              <a:cxnLst>
-                <a:cxn ang="0">
-                  <a:pos x="connisteX0" y="connsiteY0"/>
-                </a:cxn>
-                <a:cxn ang="0">
-                  <a:pos x="connisteX1" y="connsiteY1"/>
-                </a:cxn>
-                <a:cxn ang="0">
-                  <a:pos x="connisteX2" y="connsiteY2"/>
-                </a:cxn>
-                <a:cxn ang="0">
-                  <a:pos x="connisteX3" y="connsiteY3"/>
-                </a:cxn>
-                <a:cxn ang="0">
-                  <a:pos x="connisteX4" y="connsiteY4"/>
-                </a:cxn>
-              </a:cxnLst>
-              <a:rect l="l" t="t" r="r" b="b"/>
-              <a:pathLst>
-                <a:path w="643255" h="928370">
-                  <a:moveTo>
-                    <a:pt x="0" y="0"/>
-                  </a:moveTo>
-                  <a:cubicBezTo>
-                    <a:pt x="57150" y="48260"/>
-                    <a:pt x="207645" y="156210"/>
-                    <a:pt x="304800" y="271145"/>
-                  </a:cubicBezTo>
-                  <a:cubicBezTo>
-                    <a:pt x="401955" y="386080"/>
-                    <a:pt x="417830" y="444500"/>
-                    <a:pt x="485775" y="575945"/>
-                  </a:cubicBezTo>
-                  <a:cubicBezTo>
-                    <a:pt x="553720" y="707390"/>
-                    <a:pt x="622935" y="864235"/>
-                    <a:pt x="643255" y="928370"/>
-                  </a:cubicBezTo>
-                </a:path>
-              </a:pathLst>
-            </a:custGeom>
-            <a:noFill/>
-            <a:ln w="38100">
-              <a:solidFill>
-                <a:srgbClr val="C00000"/>
-              </a:solidFill>
-              <a:headEnd type="none"/>
-              <a:tailEnd type="triangle" w="med" len="med"/>
-            </a:ln>
-          </p:spPr>
-          <p:style>
-            <a:lnRef idx="2">
-              <a:schemeClr val="accent1">
-                <a:shade val="50000"/>
-              </a:schemeClr>
-            </a:lnRef>
-            <a:fillRef idx="1">
-              <a:schemeClr val="accent1"/>
-            </a:fillRef>
-            <a:effectRef idx="0">
-              <a:schemeClr val="accent1"/>
-            </a:effectRef>
-            <a:fontRef idx="minor">
-              <a:schemeClr val="lt1"/>
-            </a:fontRef>
-          </p:style>
-          <p:txBody>
-            <a:bodyPr rtlCol="0" anchor="ctr"/>
-            <a:p>
-              <a:pPr algn="ctr"/>
-              <a:endParaRPr lang="zh-CN" altLang="en-US"/>
-            </a:p>
-          </p:txBody>
-        </p:sp>
-      </p:grpSp>
-      <p:cxnSp>
-        <p:nvCxnSpPr>
-          <p:cNvPr id="239" name="直接箭头连接符 238"/>
-          <p:cNvCxnSpPr/>
-          <p:nvPr/>
-        </p:nvCxnSpPr>
-        <p:spPr>
-          <a:xfrm>
-            <a:off x="2379345" y="3418840"/>
-            <a:ext cx="172720" cy="0"/>
-          </a:xfrm>
-          <a:prstGeom prst="straightConnector1">
-            <a:avLst/>
-          </a:prstGeom>
-          <a:ln>
-            <a:tailEnd type="arrow" w="med" len="med"/>
-          </a:ln>
-        </p:spPr>
-        <p:style>
-          <a:lnRef idx="2">
-            <a:schemeClr val="dk1"/>
-          </a:lnRef>
-          <a:fillRef idx="0">
-            <a:schemeClr val="dk1"/>
-          </a:fillRef>
-          <a:effectRef idx="1">
-            <a:schemeClr val="dk1"/>
-          </a:effectRef>
-          <a:fontRef idx="minor">
-            <a:schemeClr val="tx1"/>
-          </a:fontRef>
-        </p:style>
-      </p:cxnSp>
-      <p:cxnSp>
-        <p:nvCxnSpPr>
-          <p:cNvPr id="240" name="直接箭头连接符 239"/>
-          <p:cNvCxnSpPr/>
-          <p:nvPr/>
-        </p:nvCxnSpPr>
-        <p:spPr>
-          <a:xfrm>
-            <a:off x="2378710" y="3745230"/>
-            <a:ext cx="172720" cy="0"/>
-          </a:xfrm>
-          <a:prstGeom prst="straightConnector1">
-            <a:avLst/>
-          </a:prstGeom>
-          <a:ln>
-            <a:tailEnd type="arrow" w="med" len="med"/>
-          </a:ln>
-        </p:spPr>
-        <p:style>
-          <a:lnRef idx="2">
-            <a:schemeClr val="dk1"/>
-          </a:lnRef>
-          <a:fillRef idx="0">
-            <a:schemeClr val="dk1"/>
-          </a:fillRef>
-          <a:effectRef idx="1">
-            <a:schemeClr val="dk1"/>
-          </a:effectRef>
-          <a:fontRef idx="minor">
-            <a:schemeClr val="tx1"/>
-          </a:fontRef>
-        </p:style>
-      </p:cxnSp>
-      <p:sp>
-        <p:nvSpPr>
-          <p:cNvPr id="241" name="任意多边形 240"/>
-          <p:cNvSpPr/>
-          <p:nvPr/>
-        </p:nvSpPr>
-        <p:spPr>
-          <a:xfrm>
-            <a:off x="946785" y="2705100"/>
-            <a:ext cx="2511425" cy="830580"/>
-          </a:xfrm>
-          <a:custGeom>
-            <a:avLst/>
-            <a:gdLst>
-              <a:gd name="connisteX0" fmla="*/ 0 w 2511425"/>
-              <a:gd name="connsiteY0" fmla="*/ 512805 h 830305"/>
-              <a:gd name="connisteX1" fmla="*/ 373380 w 2511425"/>
-              <a:gd name="connsiteY1" fmla="*/ 121010 h 830305"/>
-              <a:gd name="connisteX2" fmla="*/ 1951355 w 2511425"/>
-              <a:gd name="connsiteY2" fmla="*/ 69575 h 830305"/>
-              <a:gd name="connisteX3" fmla="*/ 2511425 w 2511425"/>
-              <a:gd name="connsiteY3" fmla="*/ 830305 h 830305"/>
-              <a:gd name="connisteX4" fmla="*/ 2473960 w 2511425"/>
-              <a:gd name="connsiteY4" fmla="*/ 858245 h 830305"/>
-            </a:gdLst>
-            <a:ahLst/>
-            <a:cxnLst>
-              <a:cxn ang="0">
-                <a:pos x="connisteX0" y="connsiteY0"/>
-              </a:cxn>
-              <a:cxn ang="0">
-                <a:pos x="connisteX1" y="connsiteY1"/>
-              </a:cxn>
-              <a:cxn ang="0">
-                <a:pos x="connisteX2" y="connsiteY2"/>
-              </a:cxn>
-              <a:cxn ang="0">
-                <a:pos x="connisteX3" y="connsiteY3"/>
-              </a:cxn>
-              <a:cxn ang="0">
-                <a:pos x="connisteX4" y="connsiteY4"/>
-              </a:cxn>
-            </a:cxnLst>
-            <a:rect l="l" t="t" r="r" b="b"/>
-            <a:pathLst>
-              <a:path w="2511425" h="830305">
-                <a:moveTo>
-                  <a:pt x="0" y="512805"/>
-                </a:moveTo>
-                <a:cubicBezTo>
-                  <a:pt x="43180" y="435335"/>
-                  <a:pt x="-17145" y="209910"/>
-                  <a:pt x="373380" y="121010"/>
-                </a:cubicBezTo>
-                <a:cubicBezTo>
-                  <a:pt x="763905" y="32110"/>
-                  <a:pt x="1524000" y="-72030"/>
-                  <a:pt x="1951355" y="69575"/>
-                </a:cubicBezTo>
-                <a:cubicBezTo>
-                  <a:pt x="2378710" y="211180"/>
-                  <a:pt x="2406650" y="672825"/>
-                  <a:pt x="2511425" y="830305"/>
-                </a:cubicBezTo>
-              </a:path>
-            </a:pathLst>
-          </a:custGeom>
-          <a:ln>
-            <a:headEnd type="none" w="med" len="med"/>
-            <a:tailEnd type="triangle" w="med" len="med"/>
-          </a:ln>
-        </p:spPr>
-        <p:style>
-          <a:lnRef idx="2">
-            <a:schemeClr val="dk1"/>
-          </a:lnRef>
-          <a:fillRef idx="0">
-            <a:schemeClr val="dk1"/>
-          </a:fillRef>
-          <a:effectRef idx="1">
-            <a:schemeClr val="dk1"/>
-          </a:effectRef>
-          <a:fontRef idx="minor">
-            <a:schemeClr val="tx1"/>
-          </a:fontRef>
-        </p:style>
-        <p:txBody>
-          <a:bodyPr rtlCol="0" anchor="ctr"/>
-          <a:p>
-            <a:pPr algn="ctr"/>
-            <a:endParaRPr lang="zh-CN" altLang="en-US"/>
-          </a:p>
-        </p:txBody>
-      </p:sp>
       <p:cxnSp>
         <p:nvCxnSpPr>
           <p:cNvPr id="242" name="直接箭头连接符 241"/>
           <p:cNvCxnSpPr>
             <a:stCxn id="206" idx="3"/>
-            <a:endCxn id="208" idx="1"/>
           </p:cNvCxnSpPr>
           <p:nvPr/>
         </p:nvCxnSpPr>
         <p:spPr>
           <a:xfrm>
-            <a:off x="4995545" y="3576955"/>
-            <a:ext cx="379095" cy="0"/>
+            <a:off x="4498975" y="3425825"/>
+            <a:ext cx="494665" cy="2540"/>
           </a:xfrm>
           <a:prstGeom prst="straightConnector1">
             <a:avLst/>
@@ -7224,19 +5495,1766 @@
           <p:cNvPr id="245" name="肘形连接符 244"/>
           <p:cNvCxnSpPr>
             <a:stCxn id="208" idx="2"/>
-            <a:endCxn id="41" idx="2"/>
+            <a:endCxn id="51" idx="2"/>
           </p:cNvCxnSpPr>
           <p:nvPr/>
         </p:nvCxnSpPr>
         <p:spPr>
-          <a:xfrm rot="5400000" flipH="1">
-            <a:off x="3890010" y="2115185"/>
-            <a:ext cx="187325" cy="4304030"/>
+          <a:xfrm rot="5400000">
+            <a:off x="3731895" y="2324735"/>
+            <a:ext cx="124460" cy="3901440"/>
           </a:xfrm>
           <a:prstGeom prst="bentConnector3">
             <a:avLst>
-              <a:gd name="adj1" fmla="val -94406"/>
+              <a:gd name="adj1" fmla="val 291327"/>
             </a:avLst>
+          </a:prstGeom>
+          <a:ln>
+            <a:headEnd type="none" w="med" len="med"/>
+            <a:tailEnd type="triangle" w="med" len="med"/>
+          </a:ln>
+        </p:spPr>
+        <p:style>
+          <a:lnRef idx="2">
+            <a:schemeClr val="accent1"/>
+          </a:lnRef>
+          <a:fillRef idx="0">
+            <a:schemeClr val="accent1"/>
+          </a:fillRef>
+          <a:effectRef idx="1">
+            <a:schemeClr val="accent1"/>
+          </a:effectRef>
+          <a:fontRef idx="minor">
+            <a:schemeClr val="tx1"/>
+          </a:fontRef>
+        </p:style>
+      </p:cxnSp>
+      <p:sp>
+        <p:nvSpPr>
+          <p:cNvPr id="246" name="文本框 245"/>
+          <p:cNvSpPr txBox="1"/>
+          <p:nvPr/>
+        </p:nvSpPr>
+        <p:spPr>
+          <a:xfrm>
+            <a:off x="3262630" y="4566285"/>
+            <a:ext cx="894080" cy="306705"/>
+          </a:xfrm>
+          <a:prstGeom prst="rect">
+            <a:avLst/>
+          </a:prstGeom>
+          <a:noFill/>
+        </p:spPr>
+        <p:txBody>
+          <a:bodyPr wrap="none" rtlCol="0">
+            <a:spAutoFit/>
+          </a:bodyPr>
+          <a:p>
+            <a:r>
+              <a:rPr lang="zh-CN" altLang="en-US" sz="1400"/>
+              <a:t>测试反馈</a:t>
+            </a:r>
+            <a:endParaRPr lang="zh-CN" altLang="en-US" sz="1400"/>
+          </a:p>
+        </p:txBody>
+      </p:sp>
+      <p:sp>
+        <p:nvSpPr>
+          <p:cNvPr id="49" name="文本框 48"/>
+          <p:cNvSpPr txBox="1"/>
+          <p:nvPr/>
+        </p:nvSpPr>
+        <p:spPr>
+          <a:xfrm>
+            <a:off x="758190" y="2922905"/>
+            <a:ext cx="459740" cy="1005840"/>
+          </a:xfrm>
+          <a:prstGeom prst="rect">
+            <a:avLst/>
+          </a:prstGeom>
+          <a:noFill/>
+        </p:spPr>
+        <p:txBody>
+          <a:bodyPr vert="eaVert" wrap="none" rtlCol="0">
+            <a:spAutoFit/>
+          </a:bodyPr>
+          <a:p>
+            <a:r>
+              <a:rPr lang="zh-CN" altLang="en-US"/>
+              <a:t>黑盒模型</a:t>
+            </a:r>
+            <a:endParaRPr lang="zh-CN" altLang="en-US"/>
+          </a:p>
+        </p:txBody>
+      </p:sp>
+      <p:grpSp>
+        <p:nvGrpSpPr>
+          <p:cNvPr id="54" name="组合 53"/>
+          <p:cNvGrpSpPr/>
+          <p:nvPr/>
+        </p:nvGrpSpPr>
+        <p:grpSpPr>
+          <a:xfrm>
+            <a:off x="1217930" y="2520950"/>
+            <a:ext cx="1250950" cy="1816100"/>
+            <a:chOff x="1918" y="4185"/>
+            <a:chExt cx="1970" cy="2860"/>
+          </a:xfrm>
+        </p:grpSpPr>
+        <p:sp>
+          <p:nvSpPr>
+            <p:cNvPr id="39" name="圆角矩形 38"/>
+            <p:cNvSpPr/>
+            <p:nvPr/>
+          </p:nvSpPr>
+          <p:spPr>
+            <a:xfrm>
+              <a:off x="2364" y="6579"/>
+              <a:ext cx="1071" cy="391"/>
+            </a:xfrm>
+            <a:prstGeom prst="roundRect">
+              <a:avLst>
+                <a:gd name="adj" fmla="val 36477"/>
+              </a:avLst>
+            </a:prstGeom>
+            <a:solidFill>
+              <a:schemeClr val="accent6">
+                <a:lumMod val="60000"/>
+                <a:lumOff val="40000"/>
+              </a:schemeClr>
+            </a:solidFill>
+          </p:spPr>
+          <p:style>
+            <a:lnRef idx="1">
+              <a:schemeClr val="accent6"/>
+            </a:lnRef>
+            <a:fillRef idx="2">
+              <a:schemeClr val="accent6"/>
+            </a:fillRef>
+            <a:effectRef idx="1">
+              <a:schemeClr val="accent6"/>
+            </a:effectRef>
+            <a:fontRef idx="minor">
+              <a:schemeClr val="dk1"/>
+            </a:fontRef>
+          </p:style>
+          <p:txBody>
+            <a:bodyPr rtlCol="0" anchor="ctr"/>
+            <a:p>
+              <a:pPr algn="ctr"/>
+              <a:r>
+                <a:rPr lang="en-US" altLang="zh-CN" sz="1200">
+                  <a:latin typeface="Times New Roman" panose="02020603050405020304" charset="0"/>
+                  <a:cs typeface="Times New Roman" panose="02020603050405020304" charset="0"/>
+                </a:rPr>
+                <a:t>input</a:t>
+              </a:r>
+              <a:endParaRPr lang="en-US" altLang="zh-CN" sz="1200">
+                <a:latin typeface="Times New Roman" panose="02020603050405020304" charset="0"/>
+                <a:cs typeface="Times New Roman" panose="02020603050405020304" charset="0"/>
+              </a:endParaRPr>
+            </a:p>
+          </p:txBody>
+        </p:sp>
+        <p:cxnSp>
+          <p:nvCxnSpPr>
+            <p:cNvPr id="40" name="直接箭头连接符 39"/>
+            <p:cNvCxnSpPr>
+              <a:stCxn id="39" idx="0"/>
+              <a:endCxn id="41" idx="2"/>
+            </p:cNvCxnSpPr>
+            <p:nvPr/>
+          </p:nvCxnSpPr>
+          <p:spPr>
+            <a:xfrm flipV="1">
+              <a:off x="2900" y="6337"/>
+              <a:ext cx="0" cy="242"/>
+            </a:xfrm>
+            <a:prstGeom prst="straightConnector1">
+              <a:avLst/>
+            </a:prstGeom>
+            <a:ln>
+              <a:solidFill>
+                <a:schemeClr val="tx1"/>
+              </a:solidFill>
+              <a:headEnd type="none"/>
+              <a:tailEnd type="triangle" w="med" len="med"/>
+            </a:ln>
+          </p:spPr>
+          <p:style>
+            <a:lnRef idx="2">
+              <a:schemeClr val="dk1"/>
+            </a:lnRef>
+            <a:fillRef idx="0">
+              <a:schemeClr val="dk1"/>
+            </a:fillRef>
+            <a:effectRef idx="1">
+              <a:schemeClr val="dk1"/>
+            </a:effectRef>
+            <a:fontRef idx="minor">
+              <a:schemeClr val="tx1"/>
+            </a:fontRef>
+          </p:style>
+        </p:cxnSp>
+        <p:grpSp>
+          <p:nvGrpSpPr>
+            <p:cNvPr id="45" name="组合 44"/>
+            <p:cNvGrpSpPr/>
+            <p:nvPr/>
+          </p:nvGrpSpPr>
+          <p:grpSpPr>
+            <a:xfrm rot="0">
+              <a:off x="2038" y="4986"/>
+              <a:ext cx="1722" cy="1297"/>
+              <a:chOff x="2036" y="4986"/>
+              <a:chExt cx="1722" cy="1297"/>
+            </a:xfrm>
+          </p:grpSpPr>
+          <p:grpSp>
+            <p:nvGrpSpPr>
+              <p:cNvPr id="15" name="组合 14"/>
+              <p:cNvGrpSpPr/>
+              <p:nvPr/>
+            </p:nvGrpSpPr>
+            <p:grpSpPr>
+              <a:xfrm rot="0">
+                <a:off x="2518" y="4986"/>
+                <a:ext cx="758" cy="282"/>
+                <a:chOff x="4041" y="4127"/>
+                <a:chExt cx="989" cy="360"/>
+              </a:xfrm>
+            </p:grpSpPr>
+            <p:sp>
+              <p:nvSpPr>
+                <p:cNvPr id="4" name="椭圆 3"/>
+                <p:cNvSpPr/>
+                <p:nvPr/>
+              </p:nvSpPr>
+              <p:spPr>
+                <a:xfrm>
+                  <a:off x="4041" y="4127"/>
+                  <a:ext cx="360" cy="360"/>
+                </a:xfrm>
+                <a:prstGeom prst="ellipse">
+                  <a:avLst/>
+                </a:prstGeom>
+              </p:spPr>
+              <p:style>
+                <a:lnRef idx="2">
+                  <a:schemeClr val="accent3">
+                    <a:shade val="50000"/>
+                  </a:schemeClr>
+                </a:lnRef>
+                <a:fillRef idx="1">
+                  <a:schemeClr val="accent3"/>
+                </a:fillRef>
+                <a:effectRef idx="0">
+                  <a:schemeClr val="accent3"/>
+                </a:effectRef>
+                <a:fontRef idx="minor">
+                  <a:schemeClr val="lt1"/>
+                </a:fontRef>
+              </p:style>
+              <p:txBody>
+                <a:bodyPr rtlCol="0" anchor="ctr"/>
+                <a:p>
+                  <a:pPr algn="ctr"/>
+                  <a:endParaRPr lang="zh-CN" altLang="en-US"/>
+                </a:p>
+              </p:txBody>
+            </p:sp>
+            <p:sp>
+              <p:nvSpPr>
+                <p:cNvPr id="5" name="椭圆 4"/>
+                <p:cNvSpPr/>
+                <p:nvPr/>
+              </p:nvSpPr>
+              <p:spPr>
+                <a:xfrm>
+                  <a:off x="4670" y="4127"/>
+                  <a:ext cx="360" cy="360"/>
+                </a:xfrm>
+                <a:prstGeom prst="ellipse">
+                  <a:avLst/>
+                </a:prstGeom>
+              </p:spPr>
+              <p:style>
+                <a:lnRef idx="2">
+                  <a:schemeClr val="accent3">
+                    <a:shade val="50000"/>
+                  </a:schemeClr>
+                </a:lnRef>
+                <a:fillRef idx="1">
+                  <a:schemeClr val="accent3"/>
+                </a:fillRef>
+                <a:effectRef idx="0">
+                  <a:schemeClr val="accent3"/>
+                </a:effectRef>
+                <a:fontRef idx="minor">
+                  <a:schemeClr val="lt1"/>
+                </a:fontRef>
+              </p:style>
+              <p:txBody>
+                <a:bodyPr rtlCol="0" anchor="ctr"/>
+                <a:p>
+                  <a:pPr algn="ctr"/>
+                  <a:endParaRPr lang="zh-CN" altLang="en-US"/>
+                </a:p>
+              </p:txBody>
+            </p:sp>
+          </p:grpSp>
+          <p:grpSp>
+            <p:nvGrpSpPr>
+              <p:cNvPr id="14" name="组合 13"/>
+              <p:cNvGrpSpPr/>
+              <p:nvPr/>
+            </p:nvGrpSpPr>
+            <p:grpSpPr>
+              <a:xfrm rot="0">
+                <a:off x="2036" y="5469"/>
+                <a:ext cx="1723" cy="282"/>
+                <a:chOff x="3412" y="5025"/>
+                <a:chExt cx="2247" cy="360"/>
+              </a:xfrm>
+            </p:grpSpPr>
+            <p:sp>
+              <p:nvSpPr>
+                <p:cNvPr id="6" name="椭圆 5"/>
+                <p:cNvSpPr/>
+                <p:nvPr/>
+              </p:nvSpPr>
+              <p:spPr>
+                <a:xfrm>
+                  <a:off x="3412" y="5025"/>
+                  <a:ext cx="360" cy="360"/>
+                </a:xfrm>
+                <a:prstGeom prst="ellipse">
+                  <a:avLst/>
+                </a:prstGeom>
+              </p:spPr>
+              <p:style>
+                <a:lnRef idx="2">
+                  <a:schemeClr val="accent4">
+                    <a:shade val="50000"/>
+                  </a:schemeClr>
+                </a:lnRef>
+                <a:fillRef idx="1">
+                  <a:schemeClr val="accent4"/>
+                </a:fillRef>
+                <a:effectRef idx="0">
+                  <a:schemeClr val="accent4"/>
+                </a:effectRef>
+                <a:fontRef idx="minor">
+                  <a:schemeClr val="lt1"/>
+                </a:fontRef>
+              </p:style>
+              <p:txBody>
+                <a:bodyPr rtlCol="0" anchor="ctr"/>
+                <a:p>
+                  <a:pPr algn="ctr"/>
+                  <a:endParaRPr lang="zh-CN" altLang="en-US"/>
+                </a:p>
+              </p:txBody>
+            </p:sp>
+            <p:sp>
+              <p:nvSpPr>
+                <p:cNvPr id="7" name="椭圆 6"/>
+                <p:cNvSpPr/>
+                <p:nvPr/>
+              </p:nvSpPr>
+              <p:spPr>
+                <a:xfrm>
+                  <a:off x="4041" y="5025"/>
+                  <a:ext cx="360" cy="360"/>
+                </a:xfrm>
+                <a:prstGeom prst="ellipse">
+                  <a:avLst/>
+                </a:prstGeom>
+              </p:spPr>
+              <p:style>
+                <a:lnRef idx="2">
+                  <a:schemeClr val="accent4">
+                    <a:shade val="50000"/>
+                  </a:schemeClr>
+                </a:lnRef>
+                <a:fillRef idx="1">
+                  <a:schemeClr val="accent4"/>
+                </a:fillRef>
+                <a:effectRef idx="0">
+                  <a:schemeClr val="accent4"/>
+                </a:effectRef>
+                <a:fontRef idx="minor">
+                  <a:schemeClr val="lt1"/>
+                </a:fontRef>
+              </p:style>
+              <p:txBody>
+                <a:bodyPr rtlCol="0" anchor="ctr"/>
+                <a:p>
+                  <a:pPr algn="ctr"/>
+                  <a:endParaRPr lang="zh-CN" altLang="en-US"/>
+                </a:p>
+              </p:txBody>
+            </p:sp>
+            <p:sp>
+              <p:nvSpPr>
+                <p:cNvPr id="8" name="椭圆 7"/>
+                <p:cNvSpPr/>
+                <p:nvPr/>
+              </p:nvSpPr>
+              <p:spPr>
+                <a:xfrm>
+                  <a:off x="4670" y="5025"/>
+                  <a:ext cx="360" cy="360"/>
+                </a:xfrm>
+                <a:prstGeom prst="ellipse">
+                  <a:avLst/>
+                </a:prstGeom>
+              </p:spPr>
+              <p:style>
+                <a:lnRef idx="2">
+                  <a:schemeClr val="accent4">
+                    <a:shade val="50000"/>
+                  </a:schemeClr>
+                </a:lnRef>
+                <a:fillRef idx="1">
+                  <a:schemeClr val="accent4"/>
+                </a:fillRef>
+                <a:effectRef idx="0">
+                  <a:schemeClr val="accent4"/>
+                </a:effectRef>
+                <a:fontRef idx="minor">
+                  <a:schemeClr val="lt1"/>
+                </a:fontRef>
+              </p:style>
+              <p:txBody>
+                <a:bodyPr rtlCol="0" anchor="ctr"/>
+                <a:p>
+                  <a:pPr algn="ctr"/>
+                  <a:endParaRPr lang="zh-CN" altLang="en-US"/>
+                </a:p>
+              </p:txBody>
+            </p:sp>
+            <p:sp>
+              <p:nvSpPr>
+                <p:cNvPr id="9" name="椭圆 8"/>
+                <p:cNvSpPr/>
+                <p:nvPr/>
+              </p:nvSpPr>
+              <p:spPr>
+                <a:xfrm>
+                  <a:off x="5299" y="5025"/>
+                  <a:ext cx="360" cy="360"/>
+                </a:xfrm>
+                <a:prstGeom prst="ellipse">
+                  <a:avLst/>
+                </a:prstGeom>
+              </p:spPr>
+              <p:style>
+                <a:lnRef idx="2">
+                  <a:schemeClr val="accent4">
+                    <a:shade val="50000"/>
+                  </a:schemeClr>
+                </a:lnRef>
+                <a:fillRef idx="1">
+                  <a:schemeClr val="accent4"/>
+                </a:fillRef>
+                <a:effectRef idx="0">
+                  <a:schemeClr val="accent4"/>
+                </a:effectRef>
+                <a:fontRef idx="minor">
+                  <a:schemeClr val="lt1"/>
+                </a:fontRef>
+              </p:style>
+              <p:txBody>
+                <a:bodyPr rtlCol="0" anchor="ctr"/>
+                <a:p>
+                  <a:pPr algn="ctr"/>
+                  <a:endParaRPr lang="zh-CN" altLang="en-US"/>
+                </a:p>
+              </p:txBody>
+            </p:sp>
+          </p:grpSp>
+          <p:grpSp>
+            <p:nvGrpSpPr>
+              <p:cNvPr id="13" name="组合 12"/>
+              <p:cNvGrpSpPr/>
+              <p:nvPr/>
+            </p:nvGrpSpPr>
+            <p:grpSpPr>
+              <a:xfrm rot="0">
+                <a:off x="2294" y="6001"/>
+                <a:ext cx="1207" cy="282"/>
+                <a:chOff x="3623" y="5760"/>
+                <a:chExt cx="1574" cy="360"/>
+              </a:xfrm>
+            </p:grpSpPr>
+            <p:sp>
+              <p:nvSpPr>
+                <p:cNvPr id="10" name="椭圆 9"/>
+                <p:cNvSpPr/>
+                <p:nvPr/>
+              </p:nvSpPr>
+              <p:spPr>
+                <a:xfrm>
+                  <a:off x="3623" y="5760"/>
+                  <a:ext cx="360" cy="360"/>
+                </a:xfrm>
+                <a:prstGeom prst="ellipse">
+                  <a:avLst/>
+                </a:prstGeom>
+              </p:spPr>
+              <p:style>
+                <a:lnRef idx="2">
+                  <a:schemeClr val="accent1">
+                    <a:shade val="50000"/>
+                  </a:schemeClr>
+                </a:lnRef>
+                <a:fillRef idx="1">
+                  <a:schemeClr val="accent1"/>
+                </a:fillRef>
+                <a:effectRef idx="0">
+                  <a:schemeClr val="accent1"/>
+                </a:effectRef>
+                <a:fontRef idx="minor">
+                  <a:schemeClr val="lt1"/>
+                </a:fontRef>
+              </p:style>
+              <p:txBody>
+                <a:bodyPr rtlCol="0" anchor="ctr"/>
+                <a:p>
+                  <a:pPr algn="ctr"/>
+                  <a:endParaRPr lang="zh-CN" altLang="en-US"/>
+                </a:p>
+              </p:txBody>
+            </p:sp>
+            <p:sp>
+              <p:nvSpPr>
+                <p:cNvPr id="11" name="椭圆 10"/>
+                <p:cNvSpPr/>
+                <p:nvPr/>
+              </p:nvSpPr>
+              <p:spPr>
+                <a:xfrm>
+                  <a:off x="4230" y="5760"/>
+                  <a:ext cx="360" cy="360"/>
+                </a:xfrm>
+                <a:prstGeom prst="ellipse">
+                  <a:avLst/>
+                </a:prstGeom>
+              </p:spPr>
+              <p:style>
+                <a:lnRef idx="2">
+                  <a:schemeClr val="accent1">
+                    <a:shade val="50000"/>
+                  </a:schemeClr>
+                </a:lnRef>
+                <a:fillRef idx="1">
+                  <a:schemeClr val="accent1"/>
+                </a:fillRef>
+                <a:effectRef idx="0">
+                  <a:schemeClr val="accent1"/>
+                </a:effectRef>
+                <a:fontRef idx="minor">
+                  <a:schemeClr val="lt1"/>
+                </a:fontRef>
+              </p:style>
+              <p:txBody>
+                <a:bodyPr rtlCol="0" anchor="ctr"/>
+                <a:p>
+                  <a:pPr algn="ctr"/>
+                  <a:endParaRPr lang="zh-CN" altLang="en-US"/>
+                </a:p>
+              </p:txBody>
+            </p:sp>
+            <p:sp>
+              <p:nvSpPr>
+                <p:cNvPr id="12" name="椭圆 11"/>
+                <p:cNvSpPr/>
+                <p:nvPr/>
+              </p:nvSpPr>
+              <p:spPr>
+                <a:xfrm>
+                  <a:off x="4837" y="5760"/>
+                  <a:ext cx="360" cy="360"/>
+                </a:xfrm>
+                <a:prstGeom prst="ellipse">
+                  <a:avLst/>
+                </a:prstGeom>
+              </p:spPr>
+              <p:style>
+                <a:lnRef idx="2">
+                  <a:schemeClr val="accent1">
+                    <a:shade val="50000"/>
+                  </a:schemeClr>
+                </a:lnRef>
+                <a:fillRef idx="1">
+                  <a:schemeClr val="accent1"/>
+                </a:fillRef>
+                <a:effectRef idx="0">
+                  <a:schemeClr val="accent1"/>
+                </a:effectRef>
+                <a:fontRef idx="minor">
+                  <a:schemeClr val="lt1"/>
+                </a:fontRef>
+              </p:style>
+              <p:txBody>
+                <a:bodyPr rtlCol="0" anchor="ctr"/>
+                <a:p>
+                  <a:pPr algn="ctr"/>
+                  <a:endParaRPr lang="zh-CN" altLang="en-US"/>
+                </a:p>
+              </p:txBody>
+            </p:sp>
+          </p:grpSp>
+          <p:cxnSp>
+            <p:nvCxnSpPr>
+              <p:cNvPr id="16" name="直接连接符 15"/>
+              <p:cNvCxnSpPr>
+                <a:stCxn id="10" idx="0"/>
+                <a:endCxn id="7" idx="4"/>
+              </p:cNvCxnSpPr>
+              <p:nvPr/>
+            </p:nvCxnSpPr>
+            <p:spPr>
+              <a:xfrm flipV="1">
+                <a:off x="2432" y="5751"/>
+                <a:ext cx="224" cy="250"/>
+              </a:xfrm>
+              <a:prstGeom prst="line">
+                <a:avLst/>
+              </a:prstGeom>
+              <a:ln>
+                <a:solidFill>
+                  <a:schemeClr val="bg1">
+                    <a:lumMod val="50000"/>
+                  </a:schemeClr>
+                </a:solidFill>
+              </a:ln>
+            </p:spPr>
+            <p:style>
+              <a:lnRef idx="1">
+                <a:schemeClr val="accent1"/>
+              </a:lnRef>
+              <a:fillRef idx="0">
+                <a:schemeClr val="accent1"/>
+              </a:fillRef>
+              <a:effectRef idx="0">
+                <a:schemeClr val="accent1"/>
+              </a:effectRef>
+              <a:fontRef idx="minor">
+                <a:schemeClr val="tx1"/>
+              </a:fontRef>
+            </p:style>
+          </p:cxnSp>
+          <p:cxnSp>
+            <p:nvCxnSpPr>
+              <p:cNvPr id="17" name="直接连接符 16"/>
+              <p:cNvCxnSpPr>
+                <a:stCxn id="10" idx="0"/>
+                <a:endCxn id="6" idx="4"/>
+              </p:cNvCxnSpPr>
+              <p:nvPr/>
+            </p:nvCxnSpPr>
+            <p:spPr>
+              <a:xfrm flipH="1" flipV="1">
+                <a:off x="2174" y="5751"/>
+                <a:ext cx="258" cy="250"/>
+              </a:xfrm>
+              <a:prstGeom prst="line">
+                <a:avLst/>
+              </a:prstGeom>
+              <a:ln>
+                <a:solidFill>
+                  <a:schemeClr val="bg1">
+                    <a:lumMod val="50000"/>
+                  </a:schemeClr>
+                </a:solidFill>
+              </a:ln>
+            </p:spPr>
+            <p:style>
+              <a:lnRef idx="1">
+                <a:schemeClr val="accent1"/>
+              </a:lnRef>
+              <a:fillRef idx="0">
+                <a:schemeClr val="accent1"/>
+              </a:fillRef>
+              <a:effectRef idx="0">
+                <a:schemeClr val="accent1"/>
+              </a:effectRef>
+              <a:fontRef idx="minor">
+                <a:schemeClr val="tx1"/>
+              </a:fontRef>
+            </p:style>
+          </p:cxnSp>
+          <p:cxnSp>
+            <p:nvCxnSpPr>
+              <p:cNvPr id="18" name="直接连接符 17"/>
+              <p:cNvCxnSpPr>
+                <a:stCxn id="10" idx="0"/>
+                <a:endCxn id="8" idx="4"/>
+              </p:cNvCxnSpPr>
+              <p:nvPr/>
+            </p:nvCxnSpPr>
+            <p:spPr>
+              <a:xfrm flipV="1">
+                <a:off x="2432" y="5751"/>
+                <a:ext cx="707" cy="250"/>
+              </a:xfrm>
+              <a:prstGeom prst="line">
+                <a:avLst/>
+              </a:prstGeom>
+              <a:ln>
+                <a:solidFill>
+                  <a:schemeClr val="bg1">
+                    <a:lumMod val="50000"/>
+                  </a:schemeClr>
+                </a:solidFill>
+              </a:ln>
+            </p:spPr>
+            <p:style>
+              <a:lnRef idx="1">
+                <a:schemeClr val="accent1"/>
+              </a:lnRef>
+              <a:fillRef idx="0">
+                <a:schemeClr val="accent1"/>
+              </a:fillRef>
+              <a:effectRef idx="0">
+                <a:schemeClr val="accent1"/>
+              </a:effectRef>
+              <a:fontRef idx="minor">
+                <a:schemeClr val="tx1"/>
+              </a:fontRef>
+            </p:style>
+          </p:cxnSp>
+          <p:cxnSp>
+            <p:nvCxnSpPr>
+              <p:cNvPr id="19" name="直接连接符 18"/>
+              <p:cNvCxnSpPr>
+                <a:stCxn id="10" idx="0"/>
+                <a:endCxn id="9" idx="4"/>
+              </p:cNvCxnSpPr>
+              <p:nvPr/>
+            </p:nvCxnSpPr>
+            <p:spPr>
+              <a:xfrm flipV="1">
+                <a:off x="2432" y="5751"/>
+                <a:ext cx="1189" cy="250"/>
+              </a:xfrm>
+              <a:prstGeom prst="line">
+                <a:avLst/>
+              </a:prstGeom>
+              <a:ln>
+                <a:solidFill>
+                  <a:schemeClr val="bg1">
+                    <a:lumMod val="50000"/>
+                  </a:schemeClr>
+                </a:solidFill>
+              </a:ln>
+            </p:spPr>
+            <p:style>
+              <a:lnRef idx="1">
+                <a:schemeClr val="accent1"/>
+              </a:lnRef>
+              <a:fillRef idx="0">
+                <a:schemeClr val="accent1"/>
+              </a:fillRef>
+              <a:effectRef idx="0">
+                <a:schemeClr val="accent1"/>
+              </a:effectRef>
+              <a:fontRef idx="minor">
+                <a:schemeClr val="tx1"/>
+              </a:fontRef>
+            </p:style>
+          </p:cxnSp>
+          <p:cxnSp>
+            <p:nvCxnSpPr>
+              <p:cNvPr id="20" name="直接连接符 19"/>
+              <p:cNvCxnSpPr>
+                <a:stCxn id="11" idx="0"/>
+                <a:endCxn id="6" idx="4"/>
+              </p:cNvCxnSpPr>
+              <p:nvPr/>
+            </p:nvCxnSpPr>
+            <p:spPr>
+              <a:xfrm flipH="1" flipV="1">
+                <a:off x="2174" y="5751"/>
+                <a:ext cx="723" cy="250"/>
+              </a:xfrm>
+              <a:prstGeom prst="line">
+                <a:avLst/>
+              </a:prstGeom>
+              <a:ln>
+                <a:solidFill>
+                  <a:schemeClr val="bg1">
+                    <a:lumMod val="50000"/>
+                  </a:schemeClr>
+                </a:solidFill>
+              </a:ln>
+            </p:spPr>
+            <p:style>
+              <a:lnRef idx="1">
+                <a:schemeClr val="accent1"/>
+              </a:lnRef>
+              <a:fillRef idx="0">
+                <a:schemeClr val="accent1"/>
+              </a:fillRef>
+              <a:effectRef idx="0">
+                <a:schemeClr val="accent1"/>
+              </a:effectRef>
+              <a:fontRef idx="minor">
+                <a:schemeClr val="tx1"/>
+              </a:fontRef>
+            </p:style>
+          </p:cxnSp>
+          <p:cxnSp>
+            <p:nvCxnSpPr>
+              <p:cNvPr id="21" name="直接连接符 20"/>
+              <p:cNvCxnSpPr>
+                <a:stCxn id="12" idx="0"/>
+                <a:endCxn id="6" idx="4"/>
+              </p:cNvCxnSpPr>
+              <p:nvPr/>
+            </p:nvCxnSpPr>
+            <p:spPr>
+              <a:xfrm flipH="1" flipV="1">
+                <a:off x="2174" y="5751"/>
+                <a:ext cx="1189" cy="250"/>
+              </a:xfrm>
+              <a:prstGeom prst="line">
+                <a:avLst/>
+              </a:prstGeom>
+              <a:ln>
+                <a:solidFill>
+                  <a:schemeClr val="bg1">
+                    <a:lumMod val="50000"/>
+                  </a:schemeClr>
+                </a:solidFill>
+              </a:ln>
+            </p:spPr>
+            <p:style>
+              <a:lnRef idx="1">
+                <a:schemeClr val="accent1"/>
+              </a:lnRef>
+              <a:fillRef idx="0">
+                <a:schemeClr val="accent1"/>
+              </a:fillRef>
+              <a:effectRef idx="0">
+                <a:schemeClr val="accent1"/>
+              </a:effectRef>
+              <a:fontRef idx="minor">
+                <a:schemeClr val="tx1"/>
+              </a:fontRef>
+            </p:style>
+          </p:cxnSp>
+          <p:cxnSp>
+            <p:nvCxnSpPr>
+              <p:cNvPr id="22" name="直接连接符 21"/>
+              <p:cNvCxnSpPr>
+                <a:stCxn id="11" idx="0"/>
+                <a:endCxn id="7" idx="4"/>
+              </p:cNvCxnSpPr>
+              <p:nvPr/>
+            </p:nvCxnSpPr>
+            <p:spPr>
+              <a:xfrm flipH="1" flipV="1">
+                <a:off x="2656" y="5751"/>
+                <a:ext cx="241" cy="250"/>
+              </a:xfrm>
+              <a:prstGeom prst="line">
+                <a:avLst/>
+              </a:prstGeom>
+              <a:ln>
+                <a:solidFill>
+                  <a:schemeClr val="bg1">
+                    <a:lumMod val="50000"/>
+                  </a:schemeClr>
+                </a:solidFill>
+              </a:ln>
+            </p:spPr>
+            <p:style>
+              <a:lnRef idx="1">
+                <a:schemeClr val="accent1"/>
+              </a:lnRef>
+              <a:fillRef idx="0">
+                <a:schemeClr val="accent1"/>
+              </a:fillRef>
+              <a:effectRef idx="0">
+                <a:schemeClr val="accent1"/>
+              </a:effectRef>
+              <a:fontRef idx="minor">
+                <a:schemeClr val="tx1"/>
+              </a:fontRef>
+            </p:style>
+          </p:cxnSp>
+          <p:cxnSp>
+            <p:nvCxnSpPr>
+              <p:cNvPr id="23" name="直接连接符 22"/>
+              <p:cNvCxnSpPr>
+                <a:endCxn id="8" idx="4"/>
+              </p:cNvCxnSpPr>
+              <p:nvPr/>
+            </p:nvCxnSpPr>
+            <p:spPr>
+              <a:xfrm flipV="1">
+                <a:off x="2909" y="5751"/>
+                <a:ext cx="230" cy="365"/>
+              </a:xfrm>
+              <a:prstGeom prst="line">
+                <a:avLst/>
+              </a:prstGeom>
+              <a:ln>
+                <a:solidFill>
+                  <a:schemeClr val="bg1">
+                    <a:lumMod val="50000"/>
+                  </a:schemeClr>
+                </a:solidFill>
+              </a:ln>
+            </p:spPr>
+            <p:style>
+              <a:lnRef idx="1">
+                <a:schemeClr val="accent1"/>
+              </a:lnRef>
+              <a:fillRef idx="0">
+                <a:schemeClr val="accent1"/>
+              </a:fillRef>
+              <a:effectRef idx="0">
+                <a:schemeClr val="accent1"/>
+              </a:effectRef>
+              <a:fontRef idx="minor">
+                <a:schemeClr val="tx1"/>
+              </a:fontRef>
+            </p:style>
+          </p:cxnSp>
+          <p:cxnSp>
+            <p:nvCxnSpPr>
+              <p:cNvPr id="24" name="直接连接符 23"/>
+              <p:cNvCxnSpPr>
+                <a:stCxn id="11" idx="0"/>
+                <a:endCxn id="9" idx="4"/>
+              </p:cNvCxnSpPr>
+              <p:nvPr/>
+            </p:nvCxnSpPr>
+            <p:spPr>
+              <a:xfrm flipV="1">
+                <a:off x="2897" y="5751"/>
+                <a:ext cx="724" cy="250"/>
+              </a:xfrm>
+              <a:prstGeom prst="line">
+                <a:avLst/>
+              </a:prstGeom>
+              <a:ln>
+                <a:solidFill>
+                  <a:schemeClr val="bg1">
+                    <a:lumMod val="50000"/>
+                  </a:schemeClr>
+                </a:solidFill>
+              </a:ln>
+            </p:spPr>
+            <p:style>
+              <a:lnRef idx="1">
+                <a:schemeClr val="accent1"/>
+              </a:lnRef>
+              <a:fillRef idx="0">
+                <a:schemeClr val="accent1"/>
+              </a:fillRef>
+              <a:effectRef idx="0">
+                <a:schemeClr val="accent1"/>
+              </a:effectRef>
+              <a:fontRef idx="minor">
+                <a:schemeClr val="tx1"/>
+              </a:fontRef>
+            </p:style>
+          </p:cxnSp>
+          <p:cxnSp>
+            <p:nvCxnSpPr>
+              <p:cNvPr id="25" name="直接连接符 24"/>
+              <p:cNvCxnSpPr>
+                <a:stCxn id="12" idx="0"/>
+                <a:endCxn id="8" idx="4"/>
+              </p:cNvCxnSpPr>
+              <p:nvPr/>
+            </p:nvCxnSpPr>
+            <p:spPr>
+              <a:xfrm flipH="1" flipV="1">
+                <a:off x="3139" y="5751"/>
+                <a:ext cx="224" cy="250"/>
+              </a:xfrm>
+              <a:prstGeom prst="line">
+                <a:avLst/>
+              </a:prstGeom>
+              <a:ln>
+                <a:solidFill>
+                  <a:schemeClr val="bg1">
+                    <a:lumMod val="50000"/>
+                  </a:schemeClr>
+                </a:solidFill>
+              </a:ln>
+            </p:spPr>
+            <p:style>
+              <a:lnRef idx="1">
+                <a:schemeClr val="accent1"/>
+              </a:lnRef>
+              <a:fillRef idx="0">
+                <a:schemeClr val="accent1"/>
+              </a:fillRef>
+              <a:effectRef idx="0">
+                <a:schemeClr val="accent1"/>
+              </a:effectRef>
+              <a:fontRef idx="minor">
+                <a:schemeClr val="tx1"/>
+              </a:fontRef>
+            </p:style>
+          </p:cxnSp>
+          <p:cxnSp>
+            <p:nvCxnSpPr>
+              <p:cNvPr id="26" name="直接连接符 25"/>
+              <p:cNvCxnSpPr>
+                <a:stCxn id="12" idx="0"/>
+                <a:endCxn id="7" idx="4"/>
+              </p:cNvCxnSpPr>
+              <p:nvPr/>
+            </p:nvCxnSpPr>
+            <p:spPr>
+              <a:xfrm flipH="1" flipV="1">
+                <a:off x="2656" y="5751"/>
+                <a:ext cx="707" cy="250"/>
+              </a:xfrm>
+              <a:prstGeom prst="line">
+                <a:avLst/>
+              </a:prstGeom>
+              <a:ln>
+                <a:solidFill>
+                  <a:schemeClr val="bg1">
+                    <a:lumMod val="50000"/>
+                  </a:schemeClr>
+                </a:solidFill>
+              </a:ln>
+            </p:spPr>
+            <p:style>
+              <a:lnRef idx="1">
+                <a:schemeClr val="accent1"/>
+              </a:lnRef>
+              <a:fillRef idx="0">
+                <a:schemeClr val="accent1"/>
+              </a:fillRef>
+              <a:effectRef idx="0">
+                <a:schemeClr val="accent1"/>
+              </a:effectRef>
+              <a:fontRef idx="minor">
+                <a:schemeClr val="tx1"/>
+              </a:fontRef>
+            </p:style>
+          </p:cxnSp>
+          <p:cxnSp>
+            <p:nvCxnSpPr>
+              <p:cNvPr id="27" name="直接连接符 26"/>
+              <p:cNvCxnSpPr>
+                <a:stCxn id="12" idx="0"/>
+                <a:endCxn id="9" idx="4"/>
+              </p:cNvCxnSpPr>
+              <p:nvPr/>
+            </p:nvCxnSpPr>
+            <p:spPr>
+              <a:xfrm flipV="1">
+                <a:off x="3363" y="5751"/>
+                <a:ext cx="258" cy="250"/>
+              </a:xfrm>
+              <a:prstGeom prst="line">
+                <a:avLst/>
+              </a:prstGeom>
+              <a:ln>
+                <a:solidFill>
+                  <a:schemeClr val="bg1">
+                    <a:lumMod val="50000"/>
+                  </a:schemeClr>
+                </a:solidFill>
+              </a:ln>
+            </p:spPr>
+            <p:style>
+              <a:lnRef idx="1">
+                <a:schemeClr val="accent1"/>
+              </a:lnRef>
+              <a:fillRef idx="0">
+                <a:schemeClr val="accent1"/>
+              </a:fillRef>
+              <a:effectRef idx="0">
+                <a:schemeClr val="accent1"/>
+              </a:effectRef>
+              <a:fontRef idx="minor">
+                <a:schemeClr val="tx1"/>
+              </a:fontRef>
+            </p:style>
+          </p:cxnSp>
+          <p:cxnSp>
+            <p:nvCxnSpPr>
+              <p:cNvPr id="28" name="直接连接符 27"/>
+              <p:cNvCxnSpPr>
+                <a:stCxn id="7" idx="0"/>
+                <a:endCxn id="4" idx="4"/>
+              </p:cNvCxnSpPr>
+              <p:nvPr/>
+            </p:nvCxnSpPr>
+            <p:spPr>
+              <a:xfrm flipV="1">
+                <a:off x="2656" y="5268"/>
+                <a:ext cx="0" cy="201"/>
+              </a:xfrm>
+              <a:prstGeom prst="line">
+                <a:avLst/>
+              </a:prstGeom>
+              <a:ln>
+                <a:solidFill>
+                  <a:schemeClr val="bg1">
+                    <a:lumMod val="50000"/>
+                  </a:schemeClr>
+                </a:solidFill>
+              </a:ln>
+            </p:spPr>
+            <p:style>
+              <a:lnRef idx="1">
+                <a:schemeClr val="accent1"/>
+              </a:lnRef>
+              <a:fillRef idx="0">
+                <a:schemeClr val="accent1"/>
+              </a:fillRef>
+              <a:effectRef idx="0">
+                <a:schemeClr val="accent1"/>
+              </a:effectRef>
+              <a:fontRef idx="minor">
+                <a:schemeClr val="tx1"/>
+              </a:fontRef>
+            </p:style>
+          </p:cxnSp>
+          <p:cxnSp>
+            <p:nvCxnSpPr>
+              <p:cNvPr id="29" name="直接连接符 28"/>
+              <p:cNvCxnSpPr>
+                <a:stCxn id="8" idx="0"/>
+                <a:endCxn id="5" idx="4"/>
+              </p:cNvCxnSpPr>
+              <p:nvPr/>
+            </p:nvCxnSpPr>
+            <p:spPr>
+              <a:xfrm flipH="1" flipV="1">
+                <a:off x="3138" y="5268"/>
+                <a:ext cx="1" cy="201"/>
+              </a:xfrm>
+              <a:prstGeom prst="line">
+                <a:avLst/>
+              </a:prstGeom>
+              <a:ln>
+                <a:solidFill>
+                  <a:schemeClr val="bg1">
+                    <a:lumMod val="50000"/>
+                  </a:schemeClr>
+                </a:solidFill>
+              </a:ln>
+            </p:spPr>
+            <p:style>
+              <a:lnRef idx="1">
+                <a:schemeClr val="accent1"/>
+              </a:lnRef>
+              <a:fillRef idx="0">
+                <a:schemeClr val="accent1"/>
+              </a:fillRef>
+              <a:effectRef idx="0">
+                <a:schemeClr val="accent1"/>
+              </a:effectRef>
+              <a:fontRef idx="minor">
+                <a:schemeClr val="tx1"/>
+              </a:fontRef>
+            </p:style>
+          </p:cxnSp>
+          <p:cxnSp>
+            <p:nvCxnSpPr>
+              <p:cNvPr id="30" name="直接连接符 29"/>
+              <p:cNvCxnSpPr>
+                <a:stCxn id="8" idx="0"/>
+                <a:endCxn id="4" idx="4"/>
+              </p:cNvCxnSpPr>
+              <p:nvPr/>
+            </p:nvCxnSpPr>
+            <p:spPr>
+              <a:xfrm flipH="1" flipV="1">
+                <a:off x="2656" y="5268"/>
+                <a:ext cx="483" cy="201"/>
+              </a:xfrm>
+              <a:prstGeom prst="line">
+                <a:avLst/>
+              </a:prstGeom>
+              <a:ln>
+                <a:solidFill>
+                  <a:schemeClr val="bg1">
+                    <a:lumMod val="50000"/>
+                  </a:schemeClr>
+                </a:solidFill>
+              </a:ln>
+            </p:spPr>
+            <p:style>
+              <a:lnRef idx="1">
+                <a:schemeClr val="accent1"/>
+              </a:lnRef>
+              <a:fillRef idx="0">
+                <a:schemeClr val="accent1"/>
+              </a:fillRef>
+              <a:effectRef idx="0">
+                <a:schemeClr val="accent1"/>
+              </a:effectRef>
+              <a:fontRef idx="minor">
+                <a:schemeClr val="tx1"/>
+              </a:fontRef>
+            </p:style>
+          </p:cxnSp>
+          <p:cxnSp>
+            <p:nvCxnSpPr>
+              <p:cNvPr id="31" name="直接连接符 30"/>
+              <p:cNvCxnSpPr>
+                <a:stCxn id="7" idx="0"/>
+                <a:endCxn id="5" idx="4"/>
+              </p:cNvCxnSpPr>
+              <p:nvPr/>
+            </p:nvCxnSpPr>
+            <p:spPr>
+              <a:xfrm flipV="1">
+                <a:off x="2656" y="5268"/>
+                <a:ext cx="482" cy="201"/>
+              </a:xfrm>
+              <a:prstGeom prst="line">
+                <a:avLst/>
+              </a:prstGeom>
+              <a:ln>
+                <a:solidFill>
+                  <a:schemeClr val="bg1">
+                    <a:lumMod val="50000"/>
+                  </a:schemeClr>
+                </a:solidFill>
+              </a:ln>
+            </p:spPr>
+            <p:style>
+              <a:lnRef idx="1">
+                <a:schemeClr val="accent1"/>
+              </a:lnRef>
+              <a:fillRef idx="0">
+                <a:schemeClr val="accent1"/>
+              </a:fillRef>
+              <a:effectRef idx="0">
+                <a:schemeClr val="accent1"/>
+              </a:effectRef>
+              <a:fontRef idx="minor">
+                <a:schemeClr val="tx1"/>
+              </a:fontRef>
+            </p:style>
+          </p:cxnSp>
+          <p:cxnSp>
+            <p:nvCxnSpPr>
+              <p:cNvPr id="32" name="直接连接符 31"/>
+              <p:cNvCxnSpPr>
+                <a:stCxn id="9" idx="0"/>
+                <a:endCxn id="5" idx="4"/>
+              </p:cNvCxnSpPr>
+              <p:nvPr/>
+            </p:nvCxnSpPr>
+            <p:spPr>
+              <a:xfrm flipH="1" flipV="1">
+                <a:off x="3138" y="5268"/>
+                <a:ext cx="483" cy="201"/>
+              </a:xfrm>
+              <a:prstGeom prst="line">
+                <a:avLst/>
+              </a:prstGeom>
+              <a:ln>
+                <a:solidFill>
+                  <a:schemeClr val="bg1">
+                    <a:lumMod val="50000"/>
+                  </a:schemeClr>
+                </a:solidFill>
+              </a:ln>
+            </p:spPr>
+            <p:style>
+              <a:lnRef idx="1">
+                <a:schemeClr val="accent1"/>
+              </a:lnRef>
+              <a:fillRef idx="0">
+                <a:schemeClr val="accent1"/>
+              </a:fillRef>
+              <a:effectRef idx="0">
+                <a:schemeClr val="accent1"/>
+              </a:effectRef>
+              <a:fontRef idx="minor">
+                <a:schemeClr val="tx1"/>
+              </a:fontRef>
+            </p:style>
+          </p:cxnSp>
+          <p:cxnSp>
+            <p:nvCxnSpPr>
+              <p:cNvPr id="33" name="直接连接符 32"/>
+              <p:cNvCxnSpPr>
+                <a:stCxn id="9" idx="0"/>
+                <a:endCxn id="4" idx="4"/>
+              </p:cNvCxnSpPr>
+              <p:nvPr/>
+            </p:nvCxnSpPr>
+            <p:spPr>
+              <a:xfrm flipH="1" flipV="1">
+                <a:off x="2656" y="5268"/>
+                <a:ext cx="965" cy="201"/>
+              </a:xfrm>
+              <a:prstGeom prst="line">
+                <a:avLst/>
+              </a:prstGeom>
+              <a:ln>
+                <a:solidFill>
+                  <a:schemeClr val="bg1">
+                    <a:lumMod val="50000"/>
+                  </a:schemeClr>
+                </a:solidFill>
+              </a:ln>
+            </p:spPr>
+            <p:style>
+              <a:lnRef idx="1">
+                <a:schemeClr val="accent1"/>
+              </a:lnRef>
+              <a:fillRef idx="0">
+                <a:schemeClr val="accent1"/>
+              </a:fillRef>
+              <a:effectRef idx="0">
+                <a:schemeClr val="accent1"/>
+              </a:effectRef>
+              <a:fontRef idx="minor">
+                <a:schemeClr val="tx1"/>
+              </a:fontRef>
+            </p:style>
+          </p:cxnSp>
+          <p:cxnSp>
+            <p:nvCxnSpPr>
+              <p:cNvPr id="34" name="直接连接符 33"/>
+              <p:cNvCxnSpPr>
+                <a:stCxn id="6" idx="0"/>
+                <a:endCxn id="4" idx="4"/>
+              </p:cNvCxnSpPr>
+              <p:nvPr/>
+            </p:nvCxnSpPr>
+            <p:spPr>
+              <a:xfrm flipV="1">
+                <a:off x="2174" y="5268"/>
+                <a:ext cx="482" cy="201"/>
+              </a:xfrm>
+              <a:prstGeom prst="line">
+                <a:avLst/>
+              </a:prstGeom>
+              <a:ln>
+                <a:solidFill>
+                  <a:schemeClr val="bg1">
+                    <a:lumMod val="50000"/>
+                  </a:schemeClr>
+                </a:solidFill>
+              </a:ln>
+            </p:spPr>
+            <p:style>
+              <a:lnRef idx="1">
+                <a:schemeClr val="accent1"/>
+              </a:lnRef>
+              <a:fillRef idx="0">
+                <a:schemeClr val="accent1"/>
+              </a:fillRef>
+              <a:effectRef idx="0">
+                <a:schemeClr val="accent1"/>
+              </a:effectRef>
+              <a:fontRef idx="minor">
+                <a:schemeClr val="tx1"/>
+              </a:fontRef>
+            </p:style>
+          </p:cxnSp>
+          <p:cxnSp>
+            <p:nvCxnSpPr>
+              <p:cNvPr id="35" name="直接连接符 34"/>
+              <p:cNvCxnSpPr>
+                <a:stCxn id="6" idx="0"/>
+                <a:endCxn id="5" idx="4"/>
+              </p:cNvCxnSpPr>
+              <p:nvPr/>
+            </p:nvCxnSpPr>
+            <p:spPr>
+              <a:xfrm flipV="1">
+                <a:off x="2174" y="5268"/>
+                <a:ext cx="964" cy="201"/>
+              </a:xfrm>
+              <a:prstGeom prst="line">
+                <a:avLst/>
+              </a:prstGeom>
+              <a:ln>
+                <a:solidFill>
+                  <a:schemeClr val="bg1">
+                    <a:lumMod val="50000"/>
+                  </a:schemeClr>
+                </a:solidFill>
+              </a:ln>
+            </p:spPr>
+            <p:style>
+              <a:lnRef idx="1">
+                <a:schemeClr val="accent1"/>
+              </a:lnRef>
+              <a:fillRef idx="0">
+                <a:schemeClr val="accent1"/>
+              </a:fillRef>
+              <a:effectRef idx="0">
+                <a:schemeClr val="accent1"/>
+              </a:effectRef>
+              <a:fontRef idx="minor">
+                <a:schemeClr val="tx1"/>
+              </a:fontRef>
+            </p:style>
+          </p:cxnSp>
+        </p:grpSp>
+        <p:grpSp>
+          <p:nvGrpSpPr>
+            <p:cNvPr id="238" name="组合 237"/>
+            <p:cNvGrpSpPr/>
+            <p:nvPr/>
+          </p:nvGrpSpPr>
+          <p:grpSpPr>
+            <a:xfrm rot="0">
+              <a:off x="1971" y="4953"/>
+              <a:ext cx="1857" cy="1384"/>
+              <a:chOff x="6916" y="2084"/>
+              <a:chExt cx="1887" cy="1727"/>
+            </a:xfrm>
+          </p:grpSpPr>
+          <p:sp>
+            <p:nvSpPr>
+              <p:cNvPr id="41" name="圆角矩形 40"/>
+              <p:cNvSpPr/>
+              <p:nvPr/>
+            </p:nvSpPr>
+            <p:spPr>
+              <a:xfrm>
+                <a:off x="6916" y="2084"/>
+                <a:ext cx="1887" cy="1727"/>
+              </a:xfrm>
+              <a:prstGeom prst="roundRect">
+                <a:avLst>
+                  <a:gd name="adj" fmla="val 15188"/>
+                </a:avLst>
+              </a:prstGeom>
+              <a:solidFill>
+                <a:schemeClr val="tx1">
+                  <a:alpha val="81000"/>
+                </a:schemeClr>
+              </a:solidFill>
+              <a:ln>
+                <a:noFill/>
+              </a:ln>
+            </p:spPr>
+            <p:style>
+              <a:lnRef idx="2">
+                <a:schemeClr val="accent1">
+                  <a:shade val="50000"/>
+                </a:schemeClr>
+              </a:lnRef>
+              <a:fillRef idx="1">
+                <a:schemeClr val="accent1"/>
+              </a:fillRef>
+              <a:effectRef idx="0">
+                <a:schemeClr val="accent1"/>
+              </a:effectRef>
+              <a:fontRef idx="minor">
+                <a:schemeClr val="lt1"/>
+              </a:fontRef>
+            </p:style>
+            <p:txBody>
+              <a:bodyPr rtlCol="0" anchor="ctr"/>
+              <a:p>
+                <a:pPr algn="ctr"/>
+                <a:endParaRPr lang="zh-CN" altLang="en-US"/>
+              </a:p>
+            </p:txBody>
+          </p:sp>
+          <p:sp>
+            <p:nvSpPr>
+              <p:cNvPr id="42" name="文本框 41"/>
+              <p:cNvSpPr txBox="1"/>
+              <p:nvPr/>
+            </p:nvSpPr>
+            <p:spPr>
+              <a:xfrm>
+                <a:off x="7200" y="2393"/>
+                <a:ext cx="1273" cy="1025"/>
+              </a:xfrm>
+              <a:prstGeom prst="rect">
+                <a:avLst/>
+              </a:prstGeom>
+              <a:noFill/>
+            </p:spPr>
+            <p:txBody>
+              <a:bodyPr wrap="square" rtlCol="0">
+                <a:spAutoFit/>
+              </a:bodyPr>
+              <a:p>
+                <a:pPr algn="ctr"/>
+                <a:r>
+                  <a:rPr lang="zh-CN" altLang="en-US" sz="1400">
+                    <a:solidFill>
+                      <a:schemeClr val="bg1"/>
+                    </a:solidFill>
+                    <a:latin typeface="宋体" panose="02010600030101010101" pitchFamily="2" charset="-122"/>
+                    <a:ea typeface="宋体" panose="02010600030101010101" pitchFamily="2" charset="-122"/>
+                    <a:cs typeface="Times New Roman" panose="02020603050405020304" charset="0"/>
+                  </a:rPr>
+                  <a:t>深度学习模型</a:t>
+                </a:r>
+                <a:endParaRPr lang="zh-CN" altLang="en-US" sz="1400">
+                  <a:solidFill>
+                    <a:schemeClr val="bg1"/>
+                  </a:solidFill>
+                  <a:latin typeface="宋体" panose="02010600030101010101" pitchFamily="2" charset="-122"/>
+                  <a:ea typeface="宋体" panose="02010600030101010101" pitchFamily="2" charset="-122"/>
+                  <a:cs typeface="Times New Roman" panose="02020603050405020304" charset="0"/>
+                </a:endParaRPr>
+              </a:p>
+            </p:txBody>
+          </p:sp>
+        </p:grpSp>
+        <p:sp>
+          <p:nvSpPr>
+            <p:cNvPr id="37" name="文本框 36"/>
+            <p:cNvSpPr txBox="1"/>
+            <p:nvPr/>
+          </p:nvSpPr>
+          <p:spPr>
+            <a:xfrm>
+              <a:off x="2112" y="4305"/>
+              <a:ext cx="686" cy="434"/>
+            </a:xfrm>
+            <a:prstGeom prst="rect">
+              <a:avLst/>
+            </a:prstGeom>
+            <a:solidFill>
+              <a:schemeClr val="accent4">
+                <a:lumMod val="60000"/>
+                <a:lumOff val="40000"/>
+              </a:schemeClr>
+            </a:solidFill>
+            <a:ln>
+              <a:solidFill>
+                <a:schemeClr val="accent4">
+                  <a:lumMod val="75000"/>
+                </a:schemeClr>
+              </a:solidFill>
+            </a:ln>
+          </p:spPr>
+          <p:txBody>
+            <a:bodyPr wrap="square" rtlCol="0">
+              <a:spAutoFit/>
+            </a:bodyPr>
+            <a:p>
+              <a:pPr algn="ctr"/>
+              <a:r>
+                <a:rPr lang="en-US" altLang="zh-CN" sz="1200">
+                  <a:latin typeface="Times New Roman" panose="02020603050405020304" charset="0"/>
+                  <a:cs typeface="Times New Roman" panose="02020603050405020304" charset="0"/>
+                </a:rPr>
+                <a:t>cat</a:t>
+              </a:r>
+              <a:endParaRPr lang="en-US" altLang="zh-CN" sz="1200">
+                <a:latin typeface="Times New Roman" panose="02020603050405020304" charset="0"/>
+                <a:cs typeface="Times New Roman" panose="02020603050405020304" charset="0"/>
+              </a:endParaRPr>
+            </a:p>
+          </p:txBody>
+        </p:sp>
+        <p:sp>
+          <p:nvSpPr>
+            <p:cNvPr id="38" name="文本框 37"/>
+            <p:cNvSpPr txBox="1"/>
+            <p:nvPr/>
+          </p:nvSpPr>
+          <p:spPr>
+            <a:xfrm>
+              <a:off x="3023" y="4305"/>
+              <a:ext cx="687" cy="434"/>
+            </a:xfrm>
+            <a:prstGeom prst="rect">
+              <a:avLst/>
+            </a:prstGeom>
+            <a:solidFill>
+              <a:schemeClr val="accent4">
+                <a:lumMod val="60000"/>
+                <a:lumOff val="40000"/>
+              </a:schemeClr>
+            </a:solidFill>
+            <a:ln>
+              <a:solidFill>
+                <a:schemeClr val="accent4">
+                  <a:lumMod val="75000"/>
+                </a:schemeClr>
+              </a:solidFill>
+            </a:ln>
+          </p:spPr>
+          <p:txBody>
+            <a:bodyPr wrap="square" rtlCol="0">
+              <a:spAutoFit/>
+            </a:bodyPr>
+            <a:p>
+              <a:pPr algn="ctr"/>
+              <a:r>
+                <a:rPr lang="en-US" altLang="zh-CN" sz="1200">
+                  <a:latin typeface="Times New Roman" panose="02020603050405020304" charset="0"/>
+                  <a:cs typeface="Times New Roman" panose="02020603050405020304" charset="0"/>
+                </a:rPr>
+                <a:t>dog</a:t>
+              </a:r>
+              <a:endParaRPr lang="en-US" altLang="zh-CN" sz="1200">
+                <a:latin typeface="Times New Roman" panose="02020603050405020304" charset="0"/>
+                <a:cs typeface="Times New Roman" panose="02020603050405020304" charset="0"/>
+              </a:endParaRPr>
+            </a:p>
+          </p:txBody>
+        </p:sp>
+        <p:cxnSp>
+          <p:nvCxnSpPr>
+            <p:cNvPr id="239" name="直接箭头连接符 238"/>
+            <p:cNvCxnSpPr>
+              <a:endCxn id="37" idx="2"/>
+            </p:cNvCxnSpPr>
+            <p:nvPr/>
+          </p:nvCxnSpPr>
+          <p:spPr>
+            <a:xfrm flipH="1" flipV="1">
+              <a:off x="2455" y="4739"/>
+              <a:ext cx="1" cy="215"/>
+            </a:xfrm>
+            <a:prstGeom prst="straightConnector1">
+              <a:avLst/>
+            </a:prstGeom>
+            <a:ln>
+              <a:headEnd type="none"/>
+              <a:tailEnd type="triangle" w="med" len="med"/>
+            </a:ln>
+          </p:spPr>
+          <p:style>
+            <a:lnRef idx="2">
+              <a:schemeClr val="dk1"/>
+            </a:lnRef>
+            <a:fillRef idx="0">
+              <a:schemeClr val="dk1"/>
+            </a:fillRef>
+            <a:effectRef idx="1">
+              <a:schemeClr val="dk1"/>
+            </a:effectRef>
+            <a:fontRef idx="minor">
+              <a:schemeClr val="tx1"/>
+            </a:fontRef>
+          </p:style>
+        </p:cxnSp>
+        <p:cxnSp>
+          <p:nvCxnSpPr>
+            <p:cNvPr id="240" name="直接箭头连接符 239"/>
+            <p:cNvCxnSpPr>
+              <a:endCxn id="38" idx="2"/>
+            </p:cNvCxnSpPr>
+            <p:nvPr/>
+          </p:nvCxnSpPr>
+          <p:spPr>
+            <a:xfrm flipV="1">
+              <a:off x="3367" y="4739"/>
+              <a:ext cx="0" cy="223"/>
+            </a:xfrm>
+            <a:prstGeom prst="straightConnector1">
+              <a:avLst/>
+            </a:prstGeom>
+            <a:ln>
+              <a:headEnd type="none"/>
+              <a:tailEnd type="triangle" w="med" len="med"/>
+            </a:ln>
+          </p:spPr>
+          <p:style>
+            <a:lnRef idx="2">
+              <a:schemeClr val="dk1"/>
+            </a:lnRef>
+            <a:fillRef idx="0">
+              <a:schemeClr val="dk1"/>
+            </a:fillRef>
+            <a:effectRef idx="1">
+              <a:schemeClr val="dk1"/>
+            </a:effectRef>
+            <a:fontRef idx="minor">
+              <a:schemeClr val="tx1"/>
+            </a:fontRef>
+          </p:style>
+        </p:cxnSp>
+        <p:sp>
+          <p:nvSpPr>
+            <p:cNvPr id="51" name="圆角矩形 50"/>
+            <p:cNvSpPr/>
+            <p:nvPr/>
+          </p:nvSpPr>
+          <p:spPr>
+            <a:xfrm>
+              <a:off x="1918" y="4185"/>
+              <a:ext cx="1970" cy="2861"/>
+            </a:xfrm>
+            <a:prstGeom prst="roundRect">
+              <a:avLst>
+                <a:gd name="adj" fmla="val 10355"/>
+              </a:avLst>
+            </a:prstGeom>
+            <a:noFill/>
+            <a:ln>
+              <a:solidFill>
+                <a:schemeClr val="tx1"/>
+              </a:solidFill>
+            </a:ln>
+            <a:extLst>
+              <a:ext uri="{909E8E84-426E-40DD-AFC4-6F175D3DCCD1}">
+                <a14:hiddenFill xmlns:a14="http://schemas.microsoft.com/office/drawing/2010/main">
+                  <a:solidFill>
+                    <a:schemeClr val="accent1"/>
+                  </a:solidFill>
+                </a14:hiddenFill>
+              </a:ext>
+            </a:extLst>
+          </p:spPr>
+          <p:style>
+            <a:lnRef idx="2">
+              <a:schemeClr val="accent1">
+                <a:shade val="50000"/>
+              </a:schemeClr>
+            </a:lnRef>
+            <a:fillRef idx="1">
+              <a:schemeClr val="accent1"/>
+            </a:fillRef>
+            <a:effectRef idx="0">
+              <a:schemeClr val="accent1"/>
+            </a:effectRef>
+            <a:fontRef idx="minor">
+              <a:schemeClr val="lt1"/>
+            </a:fontRef>
+          </p:style>
+          <p:txBody>
+            <a:bodyPr rtlCol="0" anchor="ctr"/>
+            <a:p>
+              <a:pPr algn="ctr"/>
+              <a:endParaRPr lang="zh-CN" altLang="en-US"/>
+            </a:p>
+          </p:txBody>
+        </p:sp>
+      </p:grpSp>
+      <p:cxnSp>
+        <p:nvCxnSpPr>
+          <p:cNvPr id="55" name="直接箭头连接符 54"/>
+          <p:cNvCxnSpPr>
+            <a:stCxn id="51" idx="3"/>
+            <a:endCxn id="206" idx="1"/>
+          </p:cNvCxnSpPr>
+          <p:nvPr/>
+        </p:nvCxnSpPr>
+        <p:spPr>
+          <a:xfrm flipV="1">
+            <a:off x="2468880" y="3425825"/>
+            <a:ext cx="508000" cy="3810"/>
+          </a:xfrm>
+          <a:prstGeom prst="straightConnector1">
+            <a:avLst/>
           </a:prstGeom>
           <a:ln>
             <a:headEnd type="none" w="med" len="med"/>
@@ -7258,35 +7276,6 @@
           </a:fontRef>
         </p:style>
       </p:cxnSp>
-      <p:sp>
-        <p:nvSpPr>
-          <p:cNvPr id="246" name="文本框 245"/>
-          <p:cNvSpPr txBox="1"/>
-          <p:nvPr/>
-        </p:nvSpPr>
-        <p:spPr>
-          <a:xfrm>
-            <a:off x="3415030" y="4535805"/>
-            <a:ext cx="894080" cy="306705"/>
-          </a:xfrm>
-          <a:prstGeom prst="rect">
-            <a:avLst/>
-          </a:prstGeom>
-          <a:noFill/>
-        </p:spPr>
-        <p:txBody>
-          <a:bodyPr wrap="none" rtlCol="0">
-            <a:spAutoFit/>
-          </a:bodyPr>
-          <a:p>
-            <a:r>
-              <a:rPr lang="zh-CN" altLang="en-US" sz="1400"/>
-              <a:t>测试反馈</a:t>
-            </a:r>
-            <a:endParaRPr lang="zh-CN" altLang="en-US" sz="1400"/>
-          </a:p>
-        </p:txBody>
-      </p:sp>
     </p:spTree>
     <p:custDataLst>
       <p:tags r:id="rId1"/>

--- a/images/ch2_2Btest.pptx
+++ b/images/ch2_2Btest.pptx
@@ -5551,10 +5551,16 @@
           </a:bodyPr>
           <a:p>
             <a:r>
-              <a:rPr lang="zh-CN" altLang="en-US" sz="1400"/>
+              <a:rPr lang="zh-CN" altLang="en-US" sz="1400">
+                <a:latin typeface="宋体" panose="02010600030101010101" pitchFamily="2" charset="-122"/>
+                <a:ea typeface="宋体" panose="02010600030101010101" pitchFamily="2" charset="-122"/>
+              </a:rPr>
               <a:t>测试反馈</a:t>
             </a:r>
-            <a:endParaRPr lang="zh-CN" altLang="en-US" sz="1400"/>
+            <a:endParaRPr lang="zh-CN" altLang="en-US" sz="1400">
+              <a:latin typeface="宋体" panose="02010600030101010101" pitchFamily="2" charset="-122"/>
+              <a:ea typeface="宋体" panose="02010600030101010101" pitchFamily="2" charset="-122"/>
+            </a:endParaRPr>
           </a:p>
         </p:txBody>
       </p:sp>
@@ -5566,8 +5572,8 @@
         </p:nvSpPr>
         <p:spPr>
           <a:xfrm>
-            <a:off x="758190" y="2922905"/>
-            <a:ext cx="459740" cy="1005840"/>
+            <a:off x="853440" y="3025775"/>
+            <a:ext cx="398145" cy="802640"/>
           </a:xfrm>
           <a:prstGeom prst="rect">
             <a:avLst/>
@@ -5580,10 +5586,16 @@
           </a:bodyPr>
           <a:p>
             <a:r>
-              <a:rPr lang="zh-CN" altLang="en-US"/>
+              <a:rPr lang="zh-CN" altLang="en-US" sz="1400">
+                <a:latin typeface="宋体" panose="02010600030101010101" pitchFamily="2" charset="-122"/>
+                <a:ea typeface="宋体" panose="02010600030101010101" pitchFamily="2" charset="-122"/>
+              </a:rPr>
               <a:t>黑盒模型</a:t>
             </a:r>
-            <a:endParaRPr lang="zh-CN" altLang="en-US"/>
+            <a:endParaRPr lang="zh-CN" altLang="en-US" sz="1400">
+              <a:latin typeface="宋体" panose="02010600030101010101" pitchFamily="2" charset="-122"/>
+              <a:ea typeface="宋体" panose="02010600030101010101" pitchFamily="2" charset="-122"/>
+            </a:endParaRPr>
           </a:p>
         </p:txBody>
       </p:sp>

--- a/images/ch2_2Btest.pptx
+++ b/images/ch2_2Btest.pptx
@@ -5510,6 +5510,10 @@
             </a:avLst>
           </a:prstGeom>
           <a:ln>
+            <a:solidFill>
+              <a:schemeClr val="tx1"/>
+            </a:solidFill>
+            <a:prstDash val="sysDot"/>
             <a:headEnd type="none" w="med" len="med"/>
             <a:tailEnd type="triangle" w="med" len="med"/>
           </a:ln>
@@ -5552,14 +5556,14 @@
           <a:p>
             <a:r>
               <a:rPr lang="zh-CN" altLang="en-US" sz="1400">
-                <a:latin typeface="宋体" panose="02010600030101010101" pitchFamily="2" charset="-122"/>
-                <a:ea typeface="宋体" panose="02010600030101010101" pitchFamily="2" charset="-122"/>
+                <a:latin typeface="楷体" panose="02010609060101010101" charset="-122"/>
+                <a:ea typeface="楷体" panose="02010609060101010101" charset="-122"/>
               </a:rPr>
               <a:t>测试反馈</a:t>
             </a:r>
             <a:endParaRPr lang="zh-CN" altLang="en-US" sz="1400">
-              <a:latin typeface="宋体" panose="02010600030101010101" pitchFamily="2" charset="-122"/>
-              <a:ea typeface="宋体" panose="02010600030101010101" pitchFamily="2" charset="-122"/>
+              <a:latin typeface="楷体" panose="02010609060101010101" charset="-122"/>
+              <a:ea typeface="楷体" panose="02010609060101010101" charset="-122"/>
             </a:endParaRPr>
           </a:p>
         </p:txBody>
